--- a/Summary/20210118_demo_for_ccgb_rotation_update.pptx
+++ b/Summary/20210118_demo_for_ccgb_rotation_update.pptx
@@ -5,7 +5,7 @@
     <p:sldMasterId id="2147483648" r:id="rId1"/>
   </p:sldMasterIdLst>
   <p:notesMasterIdLst>
-    <p:notesMasterId r:id="rId13"/>
+    <p:notesMasterId r:id="rId15"/>
   </p:notesMasterIdLst>
   <p:sldIdLst>
     <p:sldId id="256" r:id="rId2"/>
@@ -14,11 +14,13 @@
     <p:sldId id="288" r:id="rId5"/>
     <p:sldId id="290" r:id="rId6"/>
     <p:sldId id="291" r:id="rId7"/>
-    <p:sldId id="292" r:id="rId8"/>
+    <p:sldId id="295" r:id="rId8"/>
     <p:sldId id="293" r:id="rId9"/>
-    <p:sldId id="294" r:id="rId10"/>
-    <p:sldId id="278" r:id="rId11"/>
-    <p:sldId id="273" r:id="rId12"/>
+    <p:sldId id="292" r:id="rId10"/>
+    <p:sldId id="294" r:id="rId11"/>
+    <p:sldId id="296" r:id="rId12"/>
+    <p:sldId id="278" r:id="rId13"/>
+    <p:sldId id="273" r:id="rId14"/>
   </p:sldIdLst>
   <p:sldSz cx="12192000" cy="6858000"/>
   <p:notesSz cx="6858000" cy="9144000"/>
@@ -128,9 +130,11 @@
             <p14:sldId id="288"/>
             <p14:sldId id="290"/>
             <p14:sldId id="291"/>
+            <p14:sldId id="295"/>
+            <p14:sldId id="293"/>
             <p14:sldId id="292"/>
-            <p14:sldId id="293"/>
             <p14:sldId id="294"/>
+            <p14:sldId id="296"/>
             <p14:sldId id="278"/>
             <p14:sldId id="273"/>
           </p14:sldIdLst>
@@ -726,7 +730,7 @@
           <a:p>
             <a:fld id="{9D984E8B-8157-4976-ABDF-6DA2CAC3440F}" type="slidenum">
               <a:rPr lang="en-US" smtClean="0"/>
-              <a:t>10</a:t>
+              <a:t>12</a:t>
             </a:fld>
             <a:endParaRPr lang="en-US"/>
           </a:p>
@@ -4037,7 +4041,7 @@
                 <a:latin typeface="Yu Gothic" panose="020B0400000000000000" pitchFamily="34" charset="-128"/>
                 <a:ea typeface="Yu Gothic" panose="020B0400000000000000" pitchFamily="34" charset="-128"/>
               </a:rPr>
-              <a:t>20210111</a:t>
+              <a:t>20210118</a:t>
             </a:r>
           </a:p>
           <a:p>
@@ -4120,6 +4124,1408 @@
           <p:cNvPr id="2" name="Title 1">
             <a:extLst>
               <a:ext uri="{FF2B5EF4-FFF2-40B4-BE49-F238E27FC236}">
+                <a16:creationId xmlns:a16="http://schemas.microsoft.com/office/drawing/2014/main" id="{FC0C9624-1DBB-4B7A-B446-0EC6DD7756EB}"/>
+              </a:ext>
+            </a:extLst>
+          </p:cNvPr>
+          <p:cNvSpPr>
+            <a:spLocks noGrp="1"/>
+          </p:cNvSpPr>
+          <p:nvPr>
+            <p:ph type="title"/>
+          </p:nvPr>
+        </p:nvSpPr>
+        <p:spPr/>
+        <p:txBody>
+          <a:bodyPr/>
+          <a:lstStyle/>
+          <a:p>
+            <a:r>
+              <a:rPr lang="en-US" dirty="0"/>
+              <a:t>Bacteroides </a:t>
+            </a:r>
+            <a:r>
+              <a:rPr lang="en-US" dirty="0" err="1"/>
+              <a:t>uniformis</a:t>
+            </a:r>
+            <a:endParaRPr lang="en-US" dirty="0"/>
+          </a:p>
+        </p:txBody>
+      </p:sp>
+      <p:pic>
+        <p:nvPicPr>
+          <p:cNvPr id="4" name="Picture 3">
+            <a:extLst>
+              <a:ext uri="{FF2B5EF4-FFF2-40B4-BE49-F238E27FC236}">
+                <a16:creationId xmlns:a16="http://schemas.microsoft.com/office/drawing/2014/main" id="{296A8C86-B04D-4B61-8B9F-1C02B8E771FF}"/>
+              </a:ext>
+            </a:extLst>
+          </p:cNvPr>
+          <p:cNvPicPr>
+            <a:picLocks noChangeAspect="1"/>
+          </p:cNvPicPr>
+          <p:nvPr/>
+        </p:nvPicPr>
+        <p:blipFill>
+          <a:blip r:embed="rId2"/>
+          <a:stretch>
+            <a:fillRect/>
+          </a:stretch>
+        </p:blipFill>
+        <p:spPr>
+          <a:xfrm>
+            <a:off x="460887" y="1393389"/>
+            <a:ext cx="7541342" cy="3131133"/>
+          </a:xfrm>
+          <a:prstGeom prst="rect">
+            <a:avLst/>
+          </a:prstGeom>
+        </p:spPr>
+      </p:pic>
+      <p:graphicFrame>
+        <p:nvGraphicFramePr>
+          <p:cNvPr id="6" name="Table 4">
+            <a:extLst>
+              <a:ext uri="{FF2B5EF4-FFF2-40B4-BE49-F238E27FC236}">
+                <a16:creationId xmlns:a16="http://schemas.microsoft.com/office/drawing/2014/main" id="{D44A6905-343D-4A93-B937-9CF13DA5DFC3}"/>
+              </a:ext>
+            </a:extLst>
+          </p:cNvPr>
+          <p:cNvGraphicFramePr>
+            <a:graphicFrameLocks noGrp="1"/>
+          </p:cNvGraphicFramePr>
+          <p:nvPr>
+            <p:ph idx="1"/>
+            <p:extLst>
+              <p:ext uri="{D42A27DB-BD31-4B8C-83A1-F6EECF244321}">
+                <p14:modId xmlns:p14="http://schemas.microsoft.com/office/powerpoint/2010/main" val="830082323"/>
+              </p:ext>
+            </p:extLst>
+          </p:nvPr>
+        </p:nvGraphicFramePr>
+        <p:xfrm>
+          <a:off x="838200" y="4524522"/>
+          <a:ext cx="10515600" cy="2225040"/>
+        </p:xfrm>
+        <a:graphic>
+          <a:graphicData uri="http://schemas.openxmlformats.org/drawingml/2006/table">
+            <a:tbl>
+              <a:tblPr firstRow="1" bandRow="1">
+                <a:tableStyleId>{073A0DAA-6AF3-43AB-8588-CEC1D06C72B9}</a:tableStyleId>
+              </a:tblPr>
+              <a:tblGrid>
+                <a:gridCol w="2103120">
+                  <a:extLst>
+                    <a:ext uri="{9D8B030D-6E8A-4147-A177-3AD203B41FA5}">
+                      <a16:colId xmlns:a16="http://schemas.microsoft.com/office/drawing/2014/main" val="2900726404"/>
+                    </a:ext>
+                  </a:extLst>
+                </a:gridCol>
+                <a:gridCol w="2103120">
+                  <a:extLst>
+                    <a:ext uri="{9D8B030D-6E8A-4147-A177-3AD203B41FA5}">
+                      <a16:colId xmlns:a16="http://schemas.microsoft.com/office/drawing/2014/main" val="2297780930"/>
+                    </a:ext>
+                  </a:extLst>
+                </a:gridCol>
+                <a:gridCol w="2103120">
+                  <a:extLst>
+                    <a:ext uri="{9D8B030D-6E8A-4147-A177-3AD203B41FA5}">
+                      <a16:colId xmlns:a16="http://schemas.microsoft.com/office/drawing/2014/main" val="1352057416"/>
+                    </a:ext>
+                  </a:extLst>
+                </a:gridCol>
+                <a:gridCol w="2103120">
+                  <a:extLst>
+                    <a:ext uri="{9D8B030D-6E8A-4147-A177-3AD203B41FA5}">
+                      <a16:colId xmlns:a16="http://schemas.microsoft.com/office/drawing/2014/main" val="1457082074"/>
+                    </a:ext>
+                  </a:extLst>
+                </a:gridCol>
+                <a:gridCol w="2103120">
+                  <a:extLst>
+                    <a:ext uri="{9D8B030D-6E8A-4147-A177-3AD203B41FA5}">
+                      <a16:colId xmlns:a16="http://schemas.microsoft.com/office/drawing/2014/main" val="633438695"/>
+                    </a:ext>
+                  </a:extLst>
+                </a:gridCol>
+              </a:tblGrid>
+              <a:tr h="370840">
+                <a:tc>
+                  <a:txBody>
+                    <a:bodyPr/>
+                    <a:lstStyle/>
+                    <a:p>
+                      <a:r>
+                        <a:rPr lang="en-US" dirty="0"/>
+                        <a:t>Model</a:t>
+                      </a:r>
+                    </a:p>
+                  </a:txBody>
+                  <a:tcPr/>
+                </a:tc>
+                <a:tc>
+                  <a:txBody>
+                    <a:bodyPr/>
+                    <a:lstStyle/>
+                    <a:p>
+                      <a:r>
+                        <a:rPr lang="en-US" dirty="0"/>
+                        <a:t>Exponential growth</a:t>
+                      </a:r>
+                    </a:p>
+                  </a:txBody>
+                  <a:tcPr/>
+                </a:tc>
+                <a:tc>
+                  <a:txBody>
+                    <a:bodyPr/>
+                    <a:lstStyle/>
+                    <a:p>
+                      <a:r>
+                        <a:rPr lang="en-US" dirty="0"/>
+                        <a:t>Two-epoch</a:t>
+                      </a:r>
+                    </a:p>
+                  </a:txBody>
+                  <a:tcPr/>
+                </a:tc>
+                <a:tc>
+                  <a:txBody>
+                    <a:bodyPr/>
+                    <a:lstStyle/>
+                    <a:p>
+                      <a:r>
+                        <a:rPr lang="en-US" dirty="0"/>
+                        <a:t>Bottleneck + growth</a:t>
+                      </a:r>
+                    </a:p>
+                  </a:txBody>
+                  <a:tcPr/>
+                </a:tc>
+                <a:tc>
+                  <a:txBody>
+                    <a:bodyPr/>
+                    <a:lstStyle/>
+                    <a:p>
+                      <a:r>
+                        <a:rPr lang="en-US" dirty="0"/>
+                        <a:t>Three-epoch</a:t>
+                      </a:r>
+                    </a:p>
+                  </a:txBody>
+                  <a:tcPr/>
+                </a:tc>
+                <a:extLst>
+                  <a:ext uri="{0D108BD9-81ED-4DB2-BD59-A6C34878D82A}">
+                    <a16:rowId xmlns:a16="http://schemas.microsoft.com/office/drawing/2014/main" val="3143057051"/>
+                  </a:ext>
+                </a:extLst>
+              </a:tr>
+              <a:tr h="370840">
+                <a:tc>
+                  <a:txBody>
+                    <a:bodyPr/>
+                    <a:lstStyle/>
+                    <a:p>
+                      <a:r>
+                        <a:rPr lang="en-US" dirty="0"/>
+                        <a:t>Log Likelihood</a:t>
+                      </a:r>
+                    </a:p>
+                  </a:txBody>
+                  <a:tcPr/>
+                </a:tc>
+                <a:tc>
+                  <a:txBody>
+                    <a:bodyPr/>
+                    <a:lstStyle/>
+                    <a:p>
+                      <a:r>
+                        <a:rPr lang="en-US" dirty="0"/>
+                        <a:t>-399.504374725</a:t>
+                      </a:r>
+                    </a:p>
+                  </a:txBody>
+                  <a:tcPr/>
+                </a:tc>
+                <a:tc>
+                  <a:txBody>
+                    <a:bodyPr/>
+                    <a:lstStyle/>
+                    <a:p>
+                      <a:r>
+                        <a:rPr lang="en-US" dirty="0"/>
+                        <a:t>-232.981268472</a:t>
+                      </a:r>
+                    </a:p>
+                  </a:txBody>
+                  <a:tcPr/>
+                </a:tc>
+                <a:tc>
+                  <a:txBody>
+                    <a:bodyPr/>
+                    <a:lstStyle/>
+                    <a:p>
+                      <a:r>
+                        <a:rPr lang="en-US" dirty="0"/>
+                        <a:t>-220.698891194</a:t>
+                      </a:r>
+                      <a:endParaRPr lang="en-US" dirty="0">
+                        <a:highlight>
+                          <a:srgbClr val="FFFF00"/>
+                        </a:highlight>
+                      </a:endParaRPr>
+                    </a:p>
+                  </a:txBody>
+                  <a:tcPr/>
+                </a:tc>
+                <a:tc>
+                  <a:txBody>
+                    <a:bodyPr/>
+                    <a:lstStyle/>
+                    <a:p>
+                      <a:r>
+                        <a:rPr lang="en-US" dirty="0">
+                          <a:highlight>
+                            <a:srgbClr val="FFFF00"/>
+                          </a:highlight>
+                        </a:rPr>
+                        <a:t>-232.890550466</a:t>
+                      </a:r>
+                    </a:p>
+                  </a:txBody>
+                  <a:tcPr/>
+                </a:tc>
+                <a:extLst>
+                  <a:ext uri="{0D108BD9-81ED-4DB2-BD59-A6C34878D82A}">
+                    <a16:rowId xmlns:a16="http://schemas.microsoft.com/office/drawing/2014/main" val="3235037204"/>
+                  </a:ext>
+                </a:extLst>
+              </a:tr>
+              <a:tr h="370840">
+                <a:tc>
+                  <a:txBody>
+                    <a:bodyPr/>
+                    <a:lstStyle/>
+                    <a:p>
+                      <a:r>
+                        <a:rPr lang="en-US" dirty="0" err="1"/>
+                        <a:t>Nu_a</a:t>
+                      </a:r>
+                      <a:endParaRPr lang="en-US" dirty="0"/>
+                    </a:p>
+                  </a:txBody>
+                  <a:tcPr/>
+                </a:tc>
+                <a:tc>
+                  <a:txBody>
+                    <a:bodyPr/>
+                    <a:lstStyle/>
+                    <a:p>
+                      <a:r>
+                        <a:rPr lang="en-US" dirty="0"/>
+                        <a:t>3.72253633e-01</a:t>
+                      </a:r>
+                    </a:p>
+                  </a:txBody>
+                  <a:tcPr/>
+                </a:tc>
+                <a:tc>
+                  <a:txBody>
+                    <a:bodyPr/>
+                    <a:lstStyle/>
+                    <a:p>
+                      <a:r>
+                        <a:rPr lang="en-US" dirty="0"/>
+                        <a:t>1.98374712</a:t>
+                      </a:r>
+                    </a:p>
+                  </a:txBody>
+                  <a:tcPr/>
+                </a:tc>
+                <a:tc>
+                  <a:txBody>
+                    <a:bodyPr/>
+                    <a:lstStyle/>
+                    <a:p>
+                      <a:r>
+                        <a:rPr lang="en-US" dirty="0"/>
+                        <a:t>1.40119388</a:t>
+                      </a:r>
+                    </a:p>
+                  </a:txBody>
+                  <a:tcPr/>
+                </a:tc>
+                <a:tc>
+                  <a:txBody>
+                    <a:bodyPr/>
+                    <a:lstStyle/>
+                    <a:p>
+                      <a:r>
+                        <a:rPr lang="en-US" dirty="0"/>
+                        <a:t>1.42262676</a:t>
+                      </a:r>
+                    </a:p>
+                  </a:txBody>
+                  <a:tcPr/>
+                </a:tc>
+                <a:extLst>
+                  <a:ext uri="{0D108BD9-81ED-4DB2-BD59-A6C34878D82A}">
+                    <a16:rowId xmlns:a16="http://schemas.microsoft.com/office/drawing/2014/main" val="2717148640"/>
+                  </a:ext>
+                </a:extLst>
+              </a:tr>
+              <a:tr h="370840">
+                <a:tc>
+                  <a:txBody>
+                    <a:bodyPr/>
+                    <a:lstStyle/>
+                    <a:p>
+                      <a:r>
+                        <a:rPr lang="en-US" dirty="0" err="1"/>
+                        <a:t>Nu_b</a:t>
+                      </a:r>
+                      <a:endParaRPr lang="en-US" dirty="0"/>
+                    </a:p>
+                  </a:txBody>
+                  <a:tcPr/>
+                </a:tc>
+                <a:tc>
+                  <a:txBody>
+                    <a:bodyPr/>
+                    <a:lstStyle/>
+                    <a:p>
+                      <a:r>
+                        <a:rPr lang="en-US" dirty="0"/>
+                        <a:t>N/A</a:t>
+                      </a:r>
+                    </a:p>
+                  </a:txBody>
+                  <a:tcPr/>
+                </a:tc>
+                <a:tc>
+                  <a:txBody>
+                    <a:bodyPr/>
+                    <a:lstStyle/>
+                    <a:p>
+                      <a:r>
+                        <a:rPr lang="en-US" dirty="0"/>
+                        <a:t>N/A</a:t>
+                      </a:r>
+                    </a:p>
+                  </a:txBody>
+                  <a:tcPr/>
+                </a:tc>
+                <a:tc>
+                  <a:txBody>
+                    <a:bodyPr/>
+                    <a:lstStyle/>
+                    <a:p>
+                      <a:r>
+                        <a:rPr lang="en-US" dirty="0"/>
+                        <a:t>1.81254464</a:t>
+                      </a:r>
+                    </a:p>
+                  </a:txBody>
+                  <a:tcPr/>
+                </a:tc>
+                <a:tc>
+                  <a:txBody>
+                    <a:bodyPr/>
+                    <a:lstStyle/>
+                    <a:p>
+                      <a:r>
+                        <a:rPr lang="en-US" dirty="0"/>
+                        <a:t>1.69965725</a:t>
+                      </a:r>
+                    </a:p>
+                  </a:txBody>
+                  <a:tcPr/>
+                </a:tc>
+                <a:extLst>
+                  <a:ext uri="{0D108BD9-81ED-4DB2-BD59-A6C34878D82A}">
+                    <a16:rowId xmlns:a16="http://schemas.microsoft.com/office/drawing/2014/main" val="3992781458"/>
+                  </a:ext>
+                </a:extLst>
+              </a:tr>
+              <a:tr h="370840">
+                <a:tc>
+                  <a:txBody>
+                    <a:bodyPr/>
+                    <a:lstStyle/>
+                    <a:p>
+                      <a:r>
+                        <a:rPr lang="en-US" dirty="0"/>
+                        <a:t>T_12</a:t>
+                      </a:r>
+                    </a:p>
+                  </a:txBody>
+                  <a:tcPr/>
+                </a:tc>
+                <a:tc>
+                  <a:txBody>
+                    <a:bodyPr/>
+                    <a:lstStyle/>
+                    <a:p>
+                      <a:r>
+                        <a:rPr lang="en-US" dirty="0"/>
+                        <a:t>5.84878255e-06</a:t>
+                      </a:r>
+                    </a:p>
+                  </a:txBody>
+                  <a:tcPr/>
+                </a:tc>
+                <a:tc>
+                  <a:txBody>
+                    <a:bodyPr/>
+                    <a:lstStyle/>
+                    <a:p>
+                      <a:r>
+                        <a:rPr lang="en-US" dirty="0"/>
+                        <a:t>0.0658422</a:t>
+                      </a:r>
+                    </a:p>
+                  </a:txBody>
+                  <a:tcPr/>
+                </a:tc>
+                <a:tc>
+                  <a:txBody>
+                    <a:bodyPr/>
+                    <a:lstStyle/>
+                    <a:p>
+                      <a:r>
+                        <a:rPr lang="en-US" dirty="0"/>
+                        <a:t>0.49713158</a:t>
+                      </a:r>
+                    </a:p>
+                  </a:txBody>
+                  <a:tcPr/>
+                </a:tc>
+                <a:tc>
+                  <a:txBody>
+                    <a:bodyPr/>
+                    <a:lstStyle/>
+                    <a:p>
+                      <a:r>
+                        <a:rPr lang="en-US" dirty="0"/>
+                        <a:t>0.04668702</a:t>
+                      </a:r>
+                    </a:p>
+                  </a:txBody>
+                  <a:tcPr/>
+                </a:tc>
+                <a:extLst>
+                  <a:ext uri="{0D108BD9-81ED-4DB2-BD59-A6C34878D82A}">
+                    <a16:rowId xmlns:a16="http://schemas.microsoft.com/office/drawing/2014/main" val="3283572519"/>
+                  </a:ext>
+                </a:extLst>
+              </a:tr>
+              <a:tr h="370840">
+                <a:tc>
+                  <a:txBody>
+                    <a:bodyPr/>
+                    <a:lstStyle/>
+                    <a:p>
+                      <a:r>
+                        <a:rPr lang="en-US" dirty="0"/>
+                        <a:t>T_23</a:t>
+                      </a:r>
+                    </a:p>
+                  </a:txBody>
+                  <a:tcPr/>
+                </a:tc>
+                <a:tc>
+                  <a:txBody>
+                    <a:bodyPr/>
+                    <a:lstStyle/>
+                    <a:p>
+                      <a:r>
+                        <a:rPr lang="en-US" dirty="0"/>
+                        <a:t>N/A</a:t>
+                      </a:r>
+                    </a:p>
+                  </a:txBody>
+                  <a:tcPr/>
+                </a:tc>
+                <a:tc>
+                  <a:txBody>
+                    <a:bodyPr/>
+                    <a:lstStyle/>
+                    <a:p>
+                      <a:r>
+                        <a:rPr lang="en-US" dirty="0"/>
+                        <a:t>N/A</a:t>
+                      </a:r>
+                    </a:p>
+                  </a:txBody>
+                  <a:tcPr/>
+                </a:tc>
+                <a:tc>
+                  <a:txBody>
+                    <a:bodyPr/>
+                    <a:lstStyle/>
+                    <a:p>
+                      <a:r>
+                        <a:rPr lang="en-US" dirty="0"/>
+                        <a:t>N/A</a:t>
+                      </a:r>
+                    </a:p>
+                  </a:txBody>
+                  <a:tcPr/>
+                </a:tc>
+                <a:tc>
+                  <a:txBody>
+                    <a:bodyPr/>
+                    <a:lstStyle/>
+                    <a:p>
+                      <a:r>
+                        <a:rPr lang="en-US" dirty="0"/>
+                        <a:t>0.15294058</a:t>
+                      </a:r>
+                    </a:p>
+                  </a:txBody>
+                  <a:tcPr/>
+                </a:tc>
+                <a:extLst>
+                  <a:ext uri="{0D108BD9-81ED-4DB2-BD59-A6C34878D82A}">
+                    <a16:rowId xmlns:a16="http://schemas.microsoft.com/office/drawing/2014/main" val="2422470866"/>
+                  </a:ext>
+                </a:extLst>
+              </a:tr>
+            </a:tbl>
+          </a:graphicData>
+        </a:graphic>
+      </p:graphicFrame>
+      <p:sp>
+        <p:nvSpPr>
+          <p:cNvPr id="7" name="TextBox 6">
+            <a:extLst>
+              <a:ext uri="{FF2B5EF4-FFF2-40B4-BE49-F238E27FC236}">
+                <a16:creationId xmlns:a16="http://schemas.microsoft.com/office/drawing/2014/main" id="{B6D0FC50-2775-4DB2-97A6-D086208F4375}"/>
+              </a:ext>
+            </a:extLst>
+          </p:cNvPr>
+          <p:cNvSpPr txBox="1"/>
+          <p:nvPr/>
+        </p:nvSpPr>
+        <p:spPr>
+          <a:xfrm>
+            <a:off x="7096453" y="1690688"/>
+            <a:ext cx="5095547" cy="1754326"/>
+          </a:xfrm>
+          <a:prstGeom prst="rect">
+            <a:avLst/>
+          </a:prstGeom>
+          <a:noFill/>
+        </p:spPr>
+        <p:txBody>
+          <a:bodyPr wrap="square" rtlCol="0">
+            <a:spAutoFit/>
+          </a:bodyPr>
+          <a:lstStyle/>
+          <a:p>
+            <a:pPr marL="285750" indent="-285750">
+              <a:buFont typeface="Arial" panose="020B0604020202020204" pitchFamily="34" charset="0"/>
+              <a:buChar char="•"/>
+            </a:pPr>
+            <a:r>
+              <a:rPr lang="en-US" dirty="0" err="1"/>
+              <a:t>Nu_a</a:t>
+            </a:r>
+            <a:r>
+              <a:rPr lang="en-US" dirty="0"/>
+              <a:t>: contemporary population relative to ancestral population before first epoch</a:t>
+            </a:r>
+          </a:p>
+          <a:p>
+            <a:pPr marL="285750" indent="-285750">
+              <a:buFont typeface="Arial" panose="020B0604020202020204" pitchFamily="34" charset="0"/>
+              <a:buChar char="•"/>
+            </a:pPr>
+            <a:r>
+              <a:rPr lang="en-US" dirty="0" err="1"/>
+              <a:t>Nu_b</a:t>
+            </a:r>
+            <a:r>
+              <a:rPr lang="en-US" dirty="0"/>
+              <a:t>: contemporary population relative to ancestral population before second epoch</a:t>
+            </a:r>
+          </a:p>
+          <a:p>
+            <a:pPr marL="285750" indent="-285750">
+              <a:buFont typeface="Arial" panose="020B0604020202020204" pitchFamily="34" charset="0"/>
+              <a:buChar char="•"/>
+            </a:pPr>
+            <a:r>
+              <a:rPr lang="en-US" dirty="0"/>
+              <a:t>T_1: Duration of first epoch (units of 2 * </a:t>
+            </a:r>
+            <a:r>
+              <a:rPr lang="en-US" dirty="0" err="1"/>
+              <a:t>N_a</a:t>
+            </a:r>
+            <a:r>
+              <a:rPr lang="en-US" dirty="0"/>
+              <a:t>)</a:t>
+            </a:r>
+          </a:p>
+          <a:p>
+            <a:pPr marL="285750" indent="-285750">
+              <a:buFont typeface="Arial" panose="020B0604020202020204" pitchFamily="34" charset="0"/>
+              <a:buChar char="•"/>
+            </a:pPr>
+            <a:r>
+              <a:rPr lang="en-US" dirty="0"/>
+              <a:t>T_2: Duration of second epoch (units of 2 * </a:t>
+            </a:r>
+            <a:r>
+              <a:rPr lang="en-US" dirty="0" err="1"/>
+              <a:t>N_a</a:t>
+            </a:r>
+            <a:r>
+              <a:rPr lang="en-US" dirty="0"/>
+              <a:t>)</a:t>
+            </a:r>
+          </a:p>
+        </p:txBody>
+      </p:sp>
+    </p:spTree>
+    <p:extLst>
+      <p:ext uri="{BB962C8B-B14F-4D97-AF65-F5344CB8AC3E}">
+        <p14:creationId xmlns:p14="http://schemas.microsoft.com/office/powerpoint/2010/main" val="916713409"/>
+      </p:ext>
+    </p:extLst>
+  </p:cSld>
+  <p:clrMapOvr>
+    <a:masterClrMapping/>
+  </p:clrMapOvr>
+</p:sld>
+</file>
+
+<file path=ppt/slides/slide11.xml><?xml version="1.0" encoding="utf-8"?>
+<p:sld xmlns:a="http://schemas.openxmlformats.org/drawingml/2006/main" xmlns:r="http://schemas.openxmlformats.org/officeDocument/2006/relationships" xmlns:p="http://schemas.openxmlformats.org/presentationml/2006/main">
+  <p:cSld>
+    <p:spTree>
+      <p:nvGrpSpPr>
+        <p:cNvPr id="1" name=""/>
+        <p:cNvGrpSpPr/>
+        <p:nvPr/>
+      </p:nvGrpSpPr>
+      <p:grpSpPr>
+        <a:xfrm>
+          <a:off x="0" y="0"/>
+          <a:ext cx="0" cy="0"/>
+          <a:chOff x="0" y="0"/>
+          <a:chExt cx="0" cy="0"/>
+        </a:xfrm>
+      </p:grpSpPr>
+      <p:sp>
+        <p:nvSpPr>
+          <p:cNvPr id="2" name="Title 1">
+            <a:extLst>
+              <a:ext uri="{FF2B5EF4-FFF2-40B4-BE49-F238E27FC236}">
+                <a16:creationId xmlns:a16="http://schemas.microsoft.com/office/drawing/2014/main" id="{FC0C9624-1DBB-4B7A-B446-0EC6DD7756EB}"/>
+              </a:ext>
+            </a:extLst>
+          </p:cNvPr>
+          <p:cNvSpPr>
+            <a:spLocks noGrp="1"/>
+          </p:cNvSpPr>
+          <p:nvPr>
+            <p:ph type="title"/>
+          </p:nvPr>
+        </p:nvSpPr>
+        <p:spPr/>
+        <p:txBody>
+          <a:bodyPr/>
+          <a:lstStyle/>
+          <a:p>
+            <a:r>
+              <a:rPr lang="en-US" dirty="0"/>
+              <a:t>Eubacterium </a:t>
+            </a:r>
+            <a:r>
+              <a:rPr lang="en-US" dirty="0" err="1"/>
+              <a:t>rectale</a:t>
+            </a:r>
+            <a:endParaRPr lang="en-US" dirty="0"/>
+          </a:p>
+        </p:txBody>
+      </p:sp>
+      <p:pic>
+        <p:nvPicPr>
+          <p:cNvPr id="4" name="Picture 3">
+            <a:extLst>
+              <a:ext uri="{FF2B5EF4-FFF2-40B4-BE49-F238E27FC236}">
+                <a16:creationId xmlns:a16="http://schemas.microsoft.com/office/drawing/2014/main" id="{30B4062A-D74F-4548-A313-D966B06F6AD1}"/>
+              </a:ext>
+            </a:extLst>
+          </p:cNvPr>
+          <p:cNvPicPr>
+            <a:picLocks noChangeAspect="1"/>
+          </p:cNvPicPr>
+          <p:nvPr/>
+        </p:nvPicPr>
+        <p:blipFill>
+          <a:blip r:embed="rId2"/>
+          <a:stretch>
+            <a:fillRect/>
+          </a:stretch>
+        </p:blipFill>
+        <p:spPr>
+          <a:xfrm>
+            <a:off x="673685" y="1365888"/>
+            <a:ext cx="6422768" cy="2622168"/>
+          </a:xfrm>
+          <a:prstGeom prst="rect">
+            <a:avLst/>
+          </a:prstGeom>
+        </p:spPr>
+      </p:pic>
+      <p:sp>
+        <p:nvSpPr>
+          <p:cNvPr id="6" name="TextBox 5">
+            <a:extLst>
+              <a:ext uri="{FF2B5EF4-FFF2-40B4-BE49-F238E27FC236}">
+                <a16:creationId xmlns:a16="http://schemas.microsoft.com/office/drawing/2014/main" id="{800B2470-8A14-490B-8A6D-A41088728B65}"/>
+              </a:ext>
+            </a:extLst>
+          </p:cNvPr>
+          <p:cNvSpPr txBox="1"/>
+          <p:nvPr/>
+        </p:nvSpPr>
+        <p:spPr>
+          <a:xfrm>
+            <a:off x="7096453" y="1690688"/>
+            <a:ext cx="5095547" cy="1754326"/>
+          </a:xfrm>
+          <a:prstGeom prst="rect">
+            <a:avLst/>
+          </a:prstGeom>
+          <a:noFill/>
+        </p:spPr>
+        <p:txBody>
+          <a:bodyPr wrap="square" rtlCol="0">
+            <a:spAutoFit/>
+          </a:bodyPr>
+          <a:lstStyle/>
+          <a:p>
+            <a:pPr marL="285750" indent="-285750">
+              <a:buFont typeface="Arial" panose="020B0604020202020204" pitchFamily="34" charset="0"/>
+              <a:buChar char="•"/>
+            </a:pPr>
+            <a:r>
+              <a:rPr lang="en-US" dirty="0" err="1"/>
+              <a:t>Nu_a</a:t>
+            </a:r>
+            <a:r>
+              <a:rPr lang="en-US" dirty="0"/>
+              <a:t>: contemporary population relative to ancestral population before first epoch</a:t>
+            </a:r>
+          </a:p>
+          <a:p>
+            <a:pPr marL="285750" indent="-285750">
+              <a:buFont typeface="Arial" panose="020B0604020202020204" pitchFamily="34" charset="0"/>
+              <a:buChar char="•"/>
+            </a:pPr>
+            <a:r>
+              <a:rPr lang="en-US" dirty="0" err="1"/>
+              <a:t>Nu_b</a:t>
+            </a:r>
+            <a:r>
+              <a:rPr lang="en-US" dirty="0"/>
+              <a:t>: contemporary population relative to ancestral population before second epoch</a:t>
+            </a:r>
+          </a:p>
+          <a:p>
+            <a:pPr marL="285750" indent="-285750">
+              <a:buFont typeface="Arial" panose="020B0604020202020204" pitchFamily="34" charset="0"/>
+              <a:buChar char="•"/>
+            </a:pPr>
+            <a:r>
+              <a:rPr lang="en-US" dirty="0"/>
+              <a:t>T_1: Duration of first epoch (units of 2 * </a:t>
+            </a:r>
+            <a:r>
+              <a:rPr lang="en-US" dirty="0" err="1"/>
+              <a:t>N_a</a:t>
+            </a:r>
+            <a:r>
+              <a:rPr lang="en-US" dirty="0"/>
+              <a:t>)</a:t>
+            </a:r>
+          </a:p>
+          <a:p>
+            <a:pPr marL="285750" indent="-285750">
+              <a:buFont typeface="Arial" panose="020B0604020202020204" pitchFamily="34" charset="0"/>
+              <a:buChar char="•"/>
+            </a:pPr>
+            <a:r>
+              <a:rPr lang="en-US" dirty="0"/>
+              <a:t>T_2: Duration of second epoch (units of 2 * </a:t>
+            </a:r>
+            <a:r>
+              <a:rPr lang="en-US" dirty="0" err="1"/>
+              <a:t>N_a</a:t>
+            </a:r>
+            <a:r>
+              <a:rPr lang="en-US" dirty="0"/>
+              <a:t>)</a:t>
+            </a:r>
+          </a:p>
+        </p:txBody>
+      </p:sp>
+      <p:graphicFrame>
+        <p:nvGraphicFramePr>
+          <p:cNvPr id="7" name="Table 4">
+            <a:extLst>
+              <a:ext uri="{FF2B5EF4-FFF2-40B4-BE49-F238E27FC236}">
+                <a16:creationId xmlns:a16="http://schemas.microsoft.com/office/drawing/2014/main" id="{06D0BF44-F2DB-436F-AFA0-8D66714183F7}"/>
+              </a:ext>
+            </a:extLst>
+          </p:cNvPr>
+          <p:cNvGraphicFramePr>
+            <a:graphicFrameLocks noGrp="1"/>
+          </p:cNvGraphicFramePr>
+          <p:nvPr>
+            <p:ph idx="1"/>
+            <p:extLst>
+              <p:ext uri="{D42A27DB-BD31-4B8C-83A1-F6EECF244321}">
+                <p14:modId xmlns:p14="http://schemas.microsoft.com/office/powerpoint/2010/main" val="3893117731"/>
+              </p:ext>
+            </p:extLst>
+          </p:nvPr>
+        </p:nvGraphicFramePr>
+        <p:xfrm>
+          <a:off x="838200" y="4539094"/>
+          <a:ext cx="10515600" cy="2225040"/>
+        </p:xfrm>
+        <a:graphic>
+          <a:graphicData uri="http://schemas.openxmlformats.org/drawingml/2006/table">
+            <a:tbl>
+              <a:tblPr firstRow="1" bandRow="1">
+                <a:tableStyleId>{073A0DAA-6AF3-43AB-8588-CEC1D06C72B9}</a:tableStyleId>
+              </a:tblPr>
+              <a:tblGrid>
+                <a:gridCol w="2103120">
+                  <a:extLst>
+                    <a:ext uri="{9D8B030D-6E8A-4147-A177-3AD203B41FA5}">
+                      <a16:colId xmlns:a16="http://schemas.microsoft.com/office/drawing/2014/main" val="2900726404"/>
+                    </a:ext>
+                  </a:extLst>
+                </a:gridCol>
+                <a:gridCol w="2103120">
+                  <a:extLst>
+                    <a:ext uri="{9D8B030D-6E8A-4147-A177-3AD203B41FA5}">
+                      <a16:colId xmlns:a16="http://schemas.microsoft.com/office/drawing/2014/main" val="2297780930"/>
+                    </a:ext>
+                  </a:extLst>
+                </a:gridCol>
+                <a:gridCol w="2103120">
+                  <a:extLst>
+                    <a:ext uri="{9D8B030D-6E8A-4147-A177-3AD203B41FA5}">
+                      <a16:colId xmlns:a16="http://schemas.microsoft.com/office/drawing/2014/main" val="1352057416"/>
+                    </a:ext>
+                  </a:extLst>
+                </a:gridCol>
+                <a:gridCol w="2103120">
+                  <a:extLst>
+                    <a:ext uri="{9D8B030D-6E8A-4147-A177-3AD203B41FA5}">
+                      <a16:colId xmlns:a16="http://schemas.microsoft.com/office/drawing/2014/main" val="1457082074"/>
+                    </a:ext>
+                  </a:extLst>
+                </a:gridCol>
+                <a:gridCol w="2103120">
+                  <a:extLst>
+                    <a:ext uri="{9D8B030D-6E8A-4147-A177-3AD203B41FA5}">
+                      <a16:colId xmlns:a16="http://schemas.microsoft.com/office/drawing/2014/main" val="633438695"/>
+                    </a:ext>
+                  </a:extLst>
+                </a:gridCol>
+              </a:tblGrid>
+              <a:tr h="370840">
+                <a:tc>
+                  <a:txBody>
+                    <a:bodyPr/>
+                    <a:lstStyle/>
+                    <a:p>
+                      <a:r>
+                        <a:rPr lang="en-US" dirty="0"/>
+                        <a:t>Model</a:t>
+                      </a:r>
+                    </a:p>
+                  </a:txBody>
+                  <a:tcPr/>
+                </a:tc>
+                <a:tc>
+                  <a:txBody>
+                    <a:bodyPr/>
+                    <a:lstStyle/>
+                    <a:p>
+                      <a:r>
+                        <a:rPr lang="en-US" dirty="0"/>
+                        <a:t>Exponential growth</a:t>
+                      </a:r>
+                    </a:p>
+                  </a:txBody>
+                  <a:tcPr/>
+                </a:tc>
+                <a:tc>
+                  <a:txBody>
+                    <a:bodyPr/>
+                    <a:lstStyle/>
+                    <a:p>
+                      <a:r>
+                        <a:rPr lang="en-US" dirty="0"/>
+                        <a:t>Two-epoch</a:t>
+                      </a:r>
+                    </a:p>
+                  </a:txBody>
+                  <a:tcPr/>
+                </a:tc>
+                <a:tc>
+                  <a:txBody>
+                    <a:bodyPr/>
+                    <a:lstStyle/>
+                    <a:p>
+                      <a:r>
+                        <a:rPr lang="en-US" dirty="0"/>
+                        <a:t>Bottleneck + growth</a:t>
+                      </a:r>
+                    </a:p>
+                  </a:txBody>
+                  <a:tcPr/>
+                </a:tc>
+                <a:tc>
+                  <a:txBody>
+                    <a:bodyPr/>
+                    <a:lstStyle/>
+                    <a:p>
+                      <a:r>
+                        <a:rPr lang="en-US" dirty="0"/>
+                        <a:t>Three-epoch</a:t>
+                      </a:r>
+                    </a:p>
+                  </a:txBody>
+                  <a:tcPr/>
+                </a:tc>
+                <a:extLst>
+                  <a:ext uri="{0D108BD9-81ED-4DB2-BD59-A6C34878D82A}">
+                    <a16:rowId xmlns:a16="http://schemas.microsoft.com/office/drawing/2014/main" val="3143057051"/>
+                  </a:ext>
+                </a:extLst>
+              </a:tr>
+              <a:tr h="370840">
+                <a:tc>
+                  <a:txBody>
+                    <a:bodyPr/>
+                    <a:lstStyle/>
+                    <a:p>
+                      <a:r>
+                        <a:rPr lang="en-US" dirty="0"/>
+                        <a:t>Log Likelihood</a:t>
+                      </a:r>
+                    </a:p>
+                  </a:txBody>
+                  <a:tcPr/>
+                </a:tc>
+                <a:tc>
+                  <a:txBody>
+                    <a:bodyPr/>
+                    <a:lstStyle/>
+                    <a:p>
+                      <a:r>
+                        <a:rPr lang="en-US" dirty="0"/>
+                        <a:t>-360.132009673</a:t>
+                      </a:r>
+                    </a:p>
+                  </a:txBody>
+                  <a:tcPr/>
+                </a:tc>
+                <a:tc>
+                  <a:txBody>
+                    <a:bodyPr/>
+                    <a:lstStyle/>
+                    <a:p>
+                      <a:r>
+                        <a:rPr lang="en-US" dirty="0">
+                          <a:highlight>
+                            <a:srgbClr val="FFFF00"/>
+                          </a:highlight>
+                        </a:rPr>
+                        <a:t>-188.144695197</a:t>
+                      </a:r>
+                    </a:p>
+                  </a:txBody>
+                  <a:tcPr/>
+                </a:tc>
+                <a:tc>
+                  <a:txBody>
+                    <a:bodyPr/>
+                    <a:lstStyle/>
+                    <a:p>
+                      <a:r>
+                        <a:rPr lang="en-US" dirty="0"/>
+                        <a:t>-189.599130013</a:t>
+                      </a:r>
+                      <a:endParaRPr lang="en-US" dirty="0">
+                        <a:highlight>
+                          <a:srgbClr val="FFFF00"/>
+                        </a:highlight>
+                      </a:endParaRPr>
+                    </a:p>
+                  </a:txBody>
+                  <a:tcPr/>
+                </a:tc>
+                <a:tc>
+                  <a:txBody>
+                    <a:bodyPr/>
+                    <a:lstStyle/>
+                    <a:p>
+                      <a:r>
+                        <a:rPr lang="en-US" dirty="0"/>
+                        <a:t>-200.178555584</a:t>
+                      </a:r>
+                    </a:p>
+                  </a:txBody>
+                  <a:tcPr/>
+                </a:tc>
+                <a:extLst>
+                  <a:ext uri="{0D108BD9-81ED-4DB2-BD59-A6C34878D82A}">
+                    <a16:rowId xmlns:a16="http://schemas.microsoft.com/office/drawing/2014/main" val="3235037204"/>
+                  </a:ext>
+                </a:extLst>
+              </a:tr>
+              <a:tr h="370840">
+                <a:tc>
+                  <a:txBody>
+                    <a:bodyPr/>
+                    <a:lstStyle/>
+                    <a:p>
+                      <a:r>
+                        <a:rPr lang="en-US" dirty="0" err="1"/>
+                        <a:t>Nu_a</a:t>
+                      </a:r>
+                      <a:endParaRPr lang="en-US" dirty="0"/>
+                    </a:p>
+                  </a:txBody>
+                  <a:tcPr/>
+                </a:tc>
+                <a:tc>
+                  <a:txBody>
+                    <a:bodyPr/>
+                    <a:lstStyle/>
+                    <a:p>
+                      <a:r>
+                        <a:rPr lang="en-US" dirty="0"/>
+                        <a:t>1.61936896</a:t>
+                      </a:r>
+                    </a:p>
+                  </a:txBody>
+                  <a:tcPr/>
+                </a:tc>
+                <a:tc>
+                  <a:txBody>
+                    <a:bodyPr/>
+                    <a:lstStyle/>
+                    <a:p>
+                      <a:r>
+                        <a:rPr lang="en-US" dirty="0"/>
+                        <a:t>1.86276421</a:t>
+                      </a:r>
+                    </a:p>
+                  </a:txBody>
+                  <a:tcPr/>
+                </a:tc>
+                <a:tc>
+                  <a:txBody>
+                    <a:bodyPr/>
+                    <a:lstStyle/>
+                    <a:p>
+                      <a:r>
+                        <a:rPr lang="en-US" dirty="0"/>
+                        <a:t>2.0649441</a:t>
+                      </a:r>
+                    </a:p>
+                  </a:txBody>
+                  <a:tcPr/>
+                </a:tc>
+                <a:tc>
+                  <a:txBody>
+                    <a:bodyPr/>
+                    <a:lstStyle/>
+                    <a:p>
+                      <a:r>
+                        <a:rPr lang="en-US" dirty="0"/>
+                        <a:t>0.15087902</a:t>
+                      </a:r>
+                    </a:p>
+                  </a:txBody>
+                  <a:tcPr/>
+                </a:tc>
+                <a:extLst>
+                  <a:ext uri="{0D108BD9-81ED-4DB2-BD59-A6C34878D82A}">
+                    <a16:rowId xmlns:a16="http://schemas.microsoft.com/office/drawing/2014/main" val="2717148640"/>
+                  </a:ext>
+                </a:extLst>
+              </a:tr>
+              <a:tr h="370840">
+                <a:tc>
+                  <a:txBody>
+                    <a:bodyPr/>
+                    <a:lstStyle/>
+                    <a:p>
+                      <a:r>
+                        <a:rPr lang="en-US" dirty="0" err="1"/>
+                        <a:t>Nu_b</a:t>
+                      </a:r>
+                      <a:endParaRPr lang="en-US" dirty="0"/>
+                    </a:p>
+                  </a:txBody>
+                  <a:tcPr/>
+                </a:tc>
+                <a:tc>
+                  <a:txBody>
+                    <a:bodyPr/>
+                    <a:lstStyle/>
+                    <a:p>
+                      <a:r>
+                        <a:rPr lang="en-US" dirty="0"/>
+                        <a:t>N/A</a:t>
+                      </a:r>
+                    </a:p>
+                  </a:txBody>
+                  <a:tcPr/>
+                </a:tc>
+                <a:tc>
+                  <a:txBody>
+                    <a:bodyPr/>
+                    <a:lstStyle/>
+                    <a:p>
+                      <a:r>
+                        <a:rPr lang="en-US" dirty="0"/>
+                        <a:t>N/A</a:t>
+                      </a:r>
+                    </a:p>
+                  </a:txBody>
+                  <a:tcPr/>
+                </a:tc>
+                <a:tc>
+                  <a:txBody>
+                    <a:bodyPr/>
+                    <a:lstStyle/>
+                    <a:p>
+                      <a:r>
+                        <a:rPr lang="en-US" dirty="0"/>
+                        <a:t>1.7472377</a:t>
+                      </a:r>
+                    </a:p>
+                  </a:txBody>
+                  <a:tcPr/>
+                </a:tc>
+                <a:tc>
+                  <a:txBody>
+                    <a:bodyPr/>
+                    <a:lstStyle/>
+                    <a:p>
+                      <a:r>
+                        <a:rPr lang="en-US" dirty="0"/>
+                        <a:t>0.60463415</a:t>
+                      </a:r>
+                    </a:p>
+                  </a:txBody>
+                  <a:tcPr/>
+                </a:tc>
+                <a:extLst>
+                  <a:ext uri="{0D108BD9-81ED-4DB2-BD59-A6C34878D82A}">
+                    <a16:rowId xmlns:a16="http://schemas.microsoft.com/office/drawing/2014/main" val="3992781458"/>
+                  </a:ext>
+                </a:extLst>
+              </a:tr>
+              <a:tr h="370840">
+                <a:tc>
+                  <a:txBody>
+                    <a:bodyPr/>
+                    <a:lstStyle/>
+                    <a:p>
+                      <a:r>
+                        <a:rPr lang="en-US" dirty="0"/>
+                        <a:t>T_12</a:t>
+                      </a:r>
+                    </a:p>
+                  </a:txBody>
+                  <a:tcPr/>
+                </a:tc>
+                <a:tc>
+                  <a:txBody>
+                    <a:bodyPr/>
+                    <a:lstStyle/>
+                    <a:p>
+                      <a:r>
+                        <a:rPr lang="en-US" dirty="0"/>
+                        <a:t>0.21071071</a:t>
+                      </a:r>
+                    </a:p>
+                  </a:txBody>
+                  <a:tcPr/>
+                </a:tc>
+                <a:tc>
+                  <a:txBody>
+                    <a:bodyPr/>
+                    <a:lstStyle/>
+                    <a:p>
+                      <a:r>
+                        <a:rPr lang="en-US" dirty="0"/>
+                        <a:t>0.98340861</a:t>
+                      </a:r>
+                    </a:p>
+                  </a:txBody>
+                  <a:tcPr/>
+                </a:tc>
+                <a:tc>
+                  <a:txBody>
+                    <a:bodyPr/>
+                    <a:lstStyle/>
+                    <a:p>
+                      <a:r>
+                        <a:rPr lang="en-US" dirty="0"/>
+                        <a:t>0.77825979</a:t>
+                      </a:r>
+                    </a:p>
+                  </a:txBody>
+                  <a:tcPr/>
+                </a:tc>
+                <a:tc>
+                  <a:txBody>
+                    <a:bodyPr/>
+                    <a:lstStyle/>
+                    <a:p>
+                      <a:r>
+                        <a:rPr lang="en-US" dirty="0"/>
+                        <a:t>0.23744711</a:t>
+                      </a:r>
+                    </a:p>
+                  </a:txBody>
+                  <a:tcPr/>
+                </a:tc>
+                <a:extLst>
+                  <a:ext uri="{0D108BD9-81ED-4DB2-BD59-A6C34878D82A}">
+                    <a16:rowId xmlns:a16="http://schemas.microsoft.com/office/drawing/2014/main" val="3283572519"/>
+                  </a:ext>
+                </a:extLst>
+              </a:tr>
+              <a:tr h="370840">
+                <a:tc>
+                  <a:txBody>
+                    <a:bodyPr/>
+                    <a:lstStyle/>
+                    <a:p>
+                      <a:r>
+                        <a:rPr lang="en-US" dirty="0"/>
+                        <a:t>T_23</a:t>
+                      </a:r>
+                    </a:p>
+                  </a:txBody>
+                  <a:tcPr/>
+                </a:tc>
+                <a:tc>
+                  <a:txBody>
+                    <a:bodyPr/>
+                    <a:lstStyle/>
+                    <a:p>
+                      <a:r>
+                        <a:rPr lang="en-US" dirty="0"/>
+                        <a:t>N/A</a:t>
+                      </a:r>
+                    </a:p>
+                  </a:txBody>
+                  <a:tcPr/>
+                </a:tc>
+                <a:tc>
+                  <a:txBody>
+                    <a:bodyPr/>
+                    <a:lstStyle/>
+                    <a:p>
+                      <a:r>
+                        <a:rPr lang="en-US" dirty="0"/>
+                        <a:t>N/A</a:t>
+                      </a:r>
+                    </a:p>
+                  </a:txBody>
+                  <a:tcPr/>
+                </a:tc>
+                <a:tc>
+                  <a:txBody>
+                    <a:bodyPr/>
+                    <a:lstStyle/>
+                    <a:p>
+                      <a:r>
+                        <a:rPr lang="en-US" dirty="0"/>
+                        <a:t>N/A</a:t>
+                      </a:r>
+                    </a:p>
+                  </a:txBody>
+                  <a:tcPr/>
+                </a:tc>
+                <a:tc>
+                  <a:txBody>
+                    <a:bodyPr/>
+                    <a:lstStyle/>
+                    <a:p>
+                      <a:r>
+                        <a:rPr lang="en-US" dirty="0"/>
+                        <a:t>0.27554825</a:t>
+                      </a:r>
+                    </a:p>
+                  </a:txBody>
+                  <a:tcPr/>
+                </a:tc>
+                <a:extLst>
+                  <a:ext uri="{0D108BD9-81ED-4DB2-BD59-A6C34878D82A}">
+                    <a16:rowId xmlns:a16="http://schemas.microsoft.com/office/drawing/2014/main" val="2422470866"/>
+                  </a:ext>
+                </a:extLst>
+              </a:tr>
+            </a:tbl>
+          </a:graphicData>
+        </a:graphic>
+      </p:graphicFrame>
+    </p:spTree>
+    <p:extLst>
+      <p:ext uri="{BB962C8B-B14F-4D97-AF65-F5344CB8AC3E}">
+        <p14:creationId xmlns:p14="http://schemas.microsoft.com/office/powerpoint/2010/main" val="3087052385"/>
+      </p:ext>
+    </p:extLst>
+  </p:cSld>
+  <p:clrMapOvr>
+    <a:masterClrMapping/>
+  </p:clrMapOvr>
+</p:sld>
+</file>
+
+<file path=ppt/slides/slide12.xml><?xml version="1.0" encoding="utf-8"?>
+<p:sld xmlns:a="http://schemas.openxmlformats.org/drawingml/2006/main" xmlns:r="http://schemas.openxmlformats.org/officeDocument/2006/relationships" xmlns:p="http://schemas.openxmlformats.org/presentationml/2006/main">
+  <p:cSld>
+    <p:spTree>
+      <p:nvGrpSpPr>
+        <p:cNvPr id="1" name=""/>
+        <p:cNvGrpSpPr/>
+        <p:nvPr/>
+      </p:nvGrpSpPr>
+      <p:grpSpPr>
+        <a:xfrm>
+          <a:off x="0" y="0"/>
+          <a:ext cx="0" cy="0"/>
+          <a:chOff x="0" y="0"/>
+          <a:chExt cx="0" cy="0"/>
+        </a:xfrm>
+      </p:grpSpPr>
+      <p:sp>
+        <p:nvSpPr>
+          <p:cNvPr id="2" name="Title 1">
+            <a:extLst>
+              <a:ext uri="{FF2B5EF4-FFF2-40B4-BE49-F238E27FC236}">
                 <a16:creationId xmlns:a16="http://schemas.microsoft.com/office/drawing/2014/main" id="{1DA4FD9C-0575-4672-BDCF-805449EFAC7C}"/>
               </a:ext>
             </a:extLst>
@@ -4180,77 +5586,6 @@
                 <a:sym typeface="Wingdings" panose="05000000000000000000" pitchFamily="2" charset="2"/>
               </a:rPr>
               <a:t>E.g., parse input and output so that it can quickly plot different a different species.</a:t>
-            </a:r>
-          </a:p>
-          <a:p>
-            <a:r>
-              <a:rPr lang="en-US" dirty="0">
-                <a:sym typeface="Wingdings" panose="05000000000000000000" pitchFamily="2" charset="2"/>
-              </a:rPr>
-              <a:t>Find reasonable initial guesses for demographic params</a:t>
-            </a:r>
-          </a:p>
-          <a:p>
-            <a:r>
-              <a:rPr lang="en-US">
-                <a:sym typeface="Wingdings" panose="05000000000000000000" pitchFamily="2" charset="2"/>
-              </a:rPr>
-              <a:t>Read scripts without debug mode</a:t>
-            </a:r>
-            <a:endParaRPr lang="en-US" dirty="0">
-              <a:sym typeface="Wingdings" panose="05000000000000000000" pitchFamily="2" charset="2"/>
-            </a:endParaRPr>
-          </a:p>
-          <a:p>
-            <a:r>
-              <a:rPr lang="en-US" dirty="0">
-                <a:sym typeface="Wingdings" panose="05000000000000000000" pitchFamily="2" charset="2"/>
-              </a:rPr>
-              <a:t>Read about microbial demographics: H. pylori (</a:t>
-            </a:r>
-            <a:r>
-              <a:rPr lang="en-US" dirty="0" err="1">
-                <a:sym typeface="Wingdings" panose="05000000000000000000" pitchFamily="2" charset="2"/>
-              </a:rPr>
-              <a:t>Falush</a:t>
-            </a:r>
-            <a:r>
-              <a:rPr lang="en-US" dirty="0">
-                <a:sym typeface="Wingdings" panose="05000000000000000000" pitchFamily="2" charset="2"/>
-              </a:rPr>
-              <a:t>), P. </a:t>
-            </a:r>
-            <a:r>
-              <a:rPr lang="en-US" dirty="0" err="1">
-                <a:sym typeface="Wingdings" panose="05000000000000000000" pitchFamily="2" charset="2"/>
-              </a:rPr>
-              <a:t>copri</a:t>
-            </a:r>
-            <a:r>
-              <a:rPr lang="en-US" dirty="0">
-                <a:sym typeface="Wingdings" panose="05000000000000000000" pitchFamily="2" charset="2"/>
-              </a:rPr>
-              <a:t> (</a:t>
-            </a:r>
-            <a:r>
-              <a:rPr lang="en-US" dirty="0" err="1">
-                <a:sym typeface="Wingdings" panose="05000000000000000000" pitchFamily="2" charset="2"/>
-              </a:rPr>
-              <a:t>Tett</a:t>
-            </a:r>
-            <a:r>
-              <a:rPr lang="en-US" dirty="0">
-                <a:sym typeface="Wingdings" panose="05000000000000000000" pitchFamily="2" charset="2"/>
-              </a:rPr>
-              <a:t>), truong2017microbial</a:t>
-            </a:r>
-          </a:p>
-          <a:p>
-            <a:r>
-              <a:rPr lang="en-US" dirty="0">
-                <a:sym typeface="Wingdings" panose="05000000000000000000" pitchFamily="2" charset="2"/>
-              </a:rPr>
-              <a:t>Read Midas paper (nayfach2016integrated)</a:t>
             </a:r>
           </a:p>
           <a:p>
@@ -4276,7 +5611,7 @@
 </p:sld>
 </file>
 
-<file path=ppt/slides/slide11.xml><?xml version="1.0" encoding="utf-8"?>
+<file path=ppt/slides/slide13.xml><?xml version="1.0" encoding="utf-8"?>
 <p:sld xmlns:a="http://schemas.openxmlformats.org/drawingml/2006/main" xmlns:r="http://schemas.openxmlformats.org/officeDocument/2006/relationships" xmlns:p="http://schemas.openxmlformats.org/presentationml/2006/main">
   <p:cSld>
     <p:spTree>
@@ -4478,13 +5813,8 @@
           <a:p>
             <a:r>
               <a:rPr lang="en-US" dirty="0"/>
-              <a:t>Congrats on pulling the Uno reverse card RE: soft </a:t>
-            </a:r>
-            <a:r>
-              <a:rPr lang="en-US"/>
-              <a:t>selective sweeps</a:t>
-            </a:r>
-            <a:endParaRPr lang="en-US" dirty="0"/>
+              <a:t>Congrats on pulling the Uno reverse card RE: soft selective sweeps</a:t>
+            </a:r>
           </a:p>
         </p:txBody>
       </p:sp>
@@ -4929,137 +6259,148 @@
         </p:nvSpPr>
         <p:spPr/>
         <p:txBody>
-          <a:bodyPr/>
+          <a:bodyPr>
+            <a:normAutofit lnSpcReduction="10000"/>
+          </a:bodyPr>
           <a:lstStyle/>
           <a:p>
             <a:r>
-              <a:rPr lang="en-US" dirty="0"/>
-              <a:t>Read through `</a:t>
-            </a:r>
-            <a:r>
-              <a:rPr lang="en-US" dirty="0" err="1"/>
-              <a:t>microbiome_evolution</a:t>
-            </a:r>
-            <a:r>
-              <a:rPr lang="en-US" dirty="0"/>
-              <a:t>` codebase</a:t>
+              <a:rPr lang="en-US" dirty="0">
+                <a:sym typeface="Wingdings" panose="05000000000000000000" pitchFamily="2" charset="2"/>
+              </a:rPr>
+              <a:t>Read about microbial demographics: H. pylori (</a:t>
+            </a:r>
+            <a:r>
+              <a:rPr lang="en-US" dirty="0" err="1">
+                <a:sym typeface="Wingdings" panose="05000000000000000000" pitchFamily="2" charset="2"/>
+              </a:rPr>
+              <a:t>Falush</a:t>
+            </a:r>
+            <a:r>
+              <a:rPr lang="en-US" dirty="0">
+                <a:sym typeface="Wingdings" panose="05000000000000000000" pitchFamily="2" charset="2"/>
+              </a:rPr>
+              <a:t>), P. </a:t>
+            </a:r>
+            <a:r>
+              <a:rPr lang="en-US" dirty="0" err="1">
+                <a:sym typeface="Wingdings" panose="05000000000000000000" pitchFamily="2" charset="2"/>
+              </a:rPr>
+              <a:t>copri</a:t>
+            </a:r>
+            <a:r>
+              <a:rPr lang="en-US" dirty="0">
+                <a:sym typeface="Wingdings" panose="05000000000000000000" pitchFamily="2" charset="2"/>
+              </a:rPr>
+              <a:t> (</a:t>
+            </a:r>
+            <a:r>
+              <a:rPr lang="en-US" dirty="0" err="1">
+                <a:sym typeface="Wingdings" panose="05000000000000000000" pitchFamily="2" charset="2"/>
+              </a:rPr>
+              <a:t>Tett</a:t>
+            </a:r>
+            <a:r>
+              <a:rPr lang="en-US" dirty="0">
+                <a:sym typeface="Wingdings" panose="05000000000000000000" pitchFamily="2" charset="2"/>
+              </a:rPr>
+              <a:t>), truong2017microbial</a:t>
+            </a:r>
+          </a:p>
+          <a:p>
+            <a:r>
+              <a:rPr lang="en-US" dirty="0">
+                <a:sym typeface="Wingdings" panose="05000000000000000000" pitchFamily="2" charset="2"/>
+              </a:rPr>
+              <a:t>Read Midas paper (nayfach2016integrated)</a:t>
+            </a:r>
+          </a:p>
+          <a:p>
+            <a:r>
+              <a:rPr lang="en-US" dirty="0">
+                <a:sym typeface="Wingdings" panose="05000000000000000000" pitchFamily="2" charset="2"/>
+              </a:rPr>
+              <a:t>Preliminary </a:t>
+            </a:r>
+            <a:r>
+              <a:rPr lang="en-US" dirty="0" err="1">
+                <a:sym typeface="Wingdings" panose="05000000000000000000" pitchFamily="2" charset="2"/>
+              </a:rPr>
+              <a:t>Dadi</a:t>
+            </a:r>
+            <a:r>
+              <a:rPr lang="en-US" dirty="0">
+                <a:sym typeface="Wingdings" panose="05000000000000000000" pitchFamily="2" charset="2"/>
+              </a:rPr>
+              <a:t> analysis for top five common species</a:t>
             </a:r>
           </a:p>
           <a:p>
             <a:pPr lvl="1"/>
             <a:r>
-              <a:rPr lang="en-US" dirty="0"/>
-              <a:t>I have a rough idea of how things work together, file format, etc.</a:t>
-            </a:r>
-          </a:p>
-          <a:p>
-            <a:r>
-              <a:rPr lang="en-US" dirty="0"/>
-              <a:t>Recreate figure output from `</a:t>
-            </a:r>
-            <a:r>
-              <a:rPr lang="en-US" dirty="0" err="1"/>
-              <a:t>plot_within_clade_sfs</a:t>
-            </a:r>
-            <a:r>
-              <a:rPr lang="en-US" dirty="0"/>
-              <a:t>`</a:t>
-            </a:r>
-          </a:p>
-          <a:p>
-            <a:r>
-              <a:rPr lang="en-US" dirty="0"/>
-              <a:t>Output </a:t>
-            </a:r>
-            <a:r>
-              <a:rPr lang="en-US" dirty="0" err="1"/>
+              <a:rPr lang="en-US" dirty="0">
+                <a:sym typeface="Wingdings" panose="05000000000000000000" pitchFamily="2" charset="2"/>
+              </a:rPr>
+              <a:t>I’ve had some trouble with finding reasonable initial guesses and parameter bounds for the inference.</a:t>
+            </a:r>
+          </a:p>
+          <a:p>
+            <a:pPr lvl="1"/>
+            <a:r>
+              <a:rPr lang="en-US" dirty="0">
+                <a:sym typeface="Wingdings" panose="05000000000000000000" pitchFamily="2" charset="2"/>
+              </a:rPr>
+              <a:t>A lot of the assumptions I make are based on inference over different data sets, i.e., dogs and simulated data. I think some of these assumptions don’t apply as well for bacteria</a:t>
+            </a:r>
+          </a:p>
+          <a:p>
+            <a:pPr lvl="1"/>
+            <a:r>
+              <a:rPr lang="en-US" dirty="0">
+                <a:sym typeface="Wingdings" panose="05000000000000000000" pitchFamily="2" charset="2"/>
+              </a:rPr>
+              <a:t>The microbial demographic papers were very helpful reads in this regard.</a:t>
+            </a:r>
+          </a:p>
+          <a:p>
+            <a:r>
+              <a:rPr lang="en-US" dirty="0">
+                <a:sym typeface="Wingdings" panose="05000000000000000000" pitchFamily="2" charset="2"/>
+              </a:rPr>
+              <a:t>I computed the expected </a:t>
+            </a:r>
+            <a:r>
+              <a:rPr lang="en-US" dirty="0" err="1">
+                <a:sym typeface="Wingdings" panose="05000000000000000000" pitchFamily="2" charset="2"/>
+              </a:rPr>
               <a:t>sfs</a:t>
             </a:r>
             <a:r>
-              <a:rPr lang="en-US" dirty="0"/>
-              <a:t> in file format</a:t>
-            </a:r>
-          </a:p>
-          <a:p>
-            <a:pPr lvl="1"/>
-            <a:r>
-              <a:rPr lang="en-US" dirty="0"/>
-              <a:t>The count locations are:</a:t>
-            </a:r>
-          </a:p>
-          <a:p>
-            <a:pPr marL="457200" lvl="1" indent="0">
-              <a:buNone/>
-            </a:pPr>
-            <a:r>
-              <a:rPr lang="en-US" dirty="0"/>
-              <a:t>1 2 3 4…</a:t>
-            </a:r>
-          </a:p>
-          <a:p>
-            <a:pPr lvl="1"/>
-            <a:r>
-              <a:rPr lang="en-US" dirty="0"/>
-              <a:t>The synonymous SFS is:</a:t>
-            </a:r>
-          </a:p>
-          <a:p>
-            <a:pPr marL="457200" lvl="1" indent="0">
-              <a:buNone/>
-            </a:pPr>
-            <a:r>
-              <a:rPr lang="en-US" dirty="0"/>
-              <a:t>3066 1346 904 727…</a:t>
-            </a:r>
-          </a:p>
-          <a:p>
-            <a:pPr lvl="1"/>
-            <a:r>
-              <a:rPr lang="en-US" dirty="0"/>
-              <a:t>The nonsynonymous SFS is:</a:t>
-            </a:r>
-          </a:p>
-          <a:p>
-            <a:pPr marL="457200" lvl="1" indent="0">
-              <a:buNone/>
-            </a:pPr>
-            <a:r>
-              <a:rPr lang="en-US" dirty="0"/>
-              <a:t>3254 1171 732 513…</a:t>
-            </a:r>
-          </a:p>
-        </p:txBody>
-      </p:sp>
-      <p:pic>
-        <p:nvPicPr>
-          <p:cNvPr id="7" name="Picture 6">
-            <a:extLst>
-              <a:ext uri="{FF2B5EF4-FFF2-40B4-BE49-F238E27FC236}">
-                <a16:creationId xmlns:a16="http://schemas.microsoft.com/office/drawing/2014/main" id="{33B0F19C-6B96-4E47-BF31-0A79CD7D142F}"/>
-              </a:ext>
-            </a:extLst>
-          </p:cNvPr>
-          <p:cNvPicPr>
-            <a:picLocks noChangeAspect="1"/>
-          </p:cNvPicPr>
-          <p:nvPr/>
-        </p:nvPicPr>
-        <p:blipFill>
-          <a:blip r:embed="rId2"/>
-          <a:stretch>
-            <a:fillRect/>
-          </a:stretch>
-        </p:blipFill>
-        <p:spPr>
-          <a:xfrm>
-            <a:off x="5058608" y="3329717"/>
-            <a:ext cx="7133392" cy="2922192"/>
-          </a:xfrm>
-          <a:prstGeom prst="rect">
-            <a:avLst/>
-          </a:prstGeom>
-        </p:spPr>
-      </p:pic>
+              <a:rPr lang="en-US" dirty="0">
+                <a:sym typeface="Wingdings" panose="05000000000000000000" pitchFamily="2" charset="2"/>
+              </a:rPr>
+              <a:t> using </a:t>
+            </a:r>
+            <a:r>
+              <a:rPr lang="en-US" dirty="0" err="1">
+                <a:sym typeface="Wingdings" panose="05000000000000000000" pitchFamily="2" charset="2"/>
+              </a:rPr>
+              <a:t>Dadi</a:t>
+            </a:r>
+            <a:r>
+              <a:rPr lang="en-US" dirty="0">
+                <a:sym typeface="Wingdings" panose="05000000000000000000" pitchFamily="2" charset="2"/>
+              </a:rPr>
+              <a:t>. Will have plots for tomorrow.</a:t>
+            </a:r>
+          </a:p>
+          <a:p>
+            <a:endParaRPr lang="en-US" dirty="0">
+              <a:sym typeface="Wingdings" panose="05000000000000000000" pitchFamily="2" charset="2"/>
+            </a:endParaRPr>
+          </a:p>
+        </p:txBody>
+      </p:sp>
     </p:spTree>
     <p:extLst>
       <p:ext uri="{BB962C8B-B14F-4D97-AF65-F5344CB8AC3E}">
@@ -5095,7 +6436,7 @@
           <p:cNvPr id="2" name="Title 1">
             <a:extLst>
               <a:ext uri="{FF2B5EF4-FFF2-40B4-BE49-F238E27FC236}">
-                <a16:creationId xmlns:a16="http://schemas.microsoft.com/office/drawing/2014/main" id="{9C91C0AA-C083-4488-8B2B-78453C8EDC36}"/>
+                <a16:creationId xmlns:a16="http://schemas.microsoft.com/office/drawing/2014/main" id="{65D628C1-80CE-412C-8D99-87265F8BBF5F}"/>
               </a:ext>
             </a:extLst>
           </p:cNvPr>
@@ -5113,50 +6454,199 @@
           <a:p>
             <a:r>
               <a:rPr lang="en-US" dirty="0"/>
-              <a:t>SFS for B. </a:t>
+              <a:t>Implementation details (for following slides)</a:t>
+            </a:r>
+          </a:p>
+        </p:txBody>
+      </p:sp>
+      <p:sp>
+        <p:nvSpPr>
+          <p:cNvPr id="3" name="Content Placeholder 2">
+            <a:extLst>
+              <a:ext uri="{FF2B5EF4-FFF2-40B4-BE49-F238E27FC236}">
+                <a16:creationId xmlns:a16="http://schemas.microsoft.com/office/drawing/2014/main" id="{E5DEB96E-5753-4F3F-BEAE-0BD8F8946CEB}"/>
+              </a:ext>
+            </a:extLst>
+          </p:cNvPr>
+          <p:cNvSpPr>
+            <a:spLocks noGrp="1"/>
+          </p:cNvSpPr>
+          <p:nvPr>
+            <p:ph idx="1"/>
+          </p:nvPr>
+        </p:nvSpPr>
+        <p:spPr/>
+        <p:txBody>
+          <a:bodyPr>
+            <a:normAutofit fontScale="92500" lnSpcReduction="10000"/>
+          </a:bodyPr>
+          <a:lstStyle/>
+          <a:p>
+            <a:r>
+              <a:rPr lang="en-US" dirty="0"/>
+              <a:t>Input synonymous SFS’s: output from `plot_within_clade_sfs.py`.</a:t>
+            </a:r>
+          </a:p>
+          <a:p>
+            <a:pPr lvl="1"/>
+            <a:r>
+              <a:rPr lang="en-US" dirty="0"/>
+              <a:t>B. </a:t>
             </a:r>
             <a:r>
               <a:rPr lang="en-US" dirty="0" err="1"/>
               <a:t>vulgatus</a:t>
             </a:r>
-            <a:endParaRPr lang="en-US" dirty="0"/>
-          </a:p>
-        </p:txBody>
-      </p:sp>
-      <p:pic>
-        <p:nvPicPr>
-          <p:cNvPr id="5" name="Picture 4">
-            <a:extLst>
-              <a:ext uri="{FF2B5EF4-FFF2-40B4-BE49-F238E27FC236}">
-                <a16:creationId xmlns:a16="http://schemas.microsoft.com/office/drawing/2014/main" id="{15F39A58-A90A-484D-B6E8-75B593A627C8}"/>
-              </a:ext>
-            </a:extLst>
-          </p:cNvPr>
-          <p:cNvPicPr>
-            <a:picLocks noChangeAspect="1"/>
-          </p:cNvPicPr>
-          <p:nvPr/>
-        </p:nvPicPr>
-        <p:blipFill>
-          <a:blip r:embed="rId2"/>
-          <a:stretch>
-            <a:fillRect/>
-          </a:stretch>
-        </p:blipFill>
-        <p:spPr>
-          <a:xfrm>
-            <a:off x="0" y="1576210"/>
-            <a:ext cx="12192000" cy="4916665"/>
-          </a:xfrm>
-          <a:prstGeom prst="rect">
-            <a:avLst/>
-          </a:prstGeom>
-        </p:spPr>
-      </p:pic>
+            <a:r>
+              <a:rPr lang="en-US" dirty="0"/>
+              <a:t>, B. </a:t>
+            </a:r>
+            <a:r>
+              <a:rPr lang="en-US" dirty="0" err="1"/>
+              <a:t>ovatus</a:t>
+            </a:r>
+            <a:r>
+              <a:rPr lang="en-US" dirty="0"/>
+              <a:t>, A. </a:t>
+            </a:r>
+            <a:r>
+              <a:rPr lang="en-US" dirty="0" err="1"/>
+              <a:t>putredinis</a:t>
+            </a:r>
+            <a:r>
+              <a:rPr lang="en-US" dirty="0"/>
+              <a:t>, B. </a:t>
+            </a:r>
+            <a:r>
+              <a:rPr lang="en-US" dirty="0" err="1"/>
+              <a:t>uniformis</a:t>
+            </a:r>
+            <a:r>
+              <a:rPr lang="en-US" dirty="0"/>
+              <a:t>, E. </a:t>
+            </a:r>
+            <a:r>
+              <a:rPr lang="en-US" dirty="0" err="1"/>
+              <a:t>rectale</a:t>
+            </a:r>
+            <a:r>
+              <a:rPr lang="en-US" dirty="0"/>
+              <a:t>.</a:t>
+            </a:r>
+          </a:p>
+          <a:p>
+            <a:r>
+              <a:rPr lang="en-US" dirty="0"/>
+              <a:t>Four demographic models </a:t>
+            </a:r>
+          </a:p>
+          <a:p>
+            <a:pPr lvl="1"/>
+            <a:r>
+              <a:rPr lang="en-US" dirty="0"/>
+              <a:t>exponential growth, two-epoch, bottleneck + growth, three-epoch</a:t>
+            </a:r>
+          </a:p>
+          <a:p>
+            <a:r>
+              <a:rPr lang="en-US" dirty="0"/>
+              <a:t>For each input species</a:t>
+            </a:r>
+          </a:p>
+          <a:p>
+            <a:pPr lvl="1"/>
+            <a:r>
+              <a:rPr lang="en-US" dirty="0"/>
+              <a:t>For each model:</a:t>
+            </a:r>
+          </a:p>
+          <a:p>
+            <a:pPr lvl="2"/>
+            <a:r>
+              <a:rPr lang="en-US" dirty="0"/>
+              <a:t>Take </a:t>
+            </a:r>
+            <a:r>
+              <a:rPr lang="en-US" dirty="0">
+                <a:solidFill>
+                  <a:srgbClr val="FF0000"/>
+                </a:solidFill>
+              </a:rPr>
+              <a:t>10</a:t>
+            </a:r>
+            <a:r>
+              <a:rPr lang="en-US" dirty="0"/>
+              <a:t> initial guesses for parameter space (parameters differ by model)</a:t>
+            </a:r>
+          </a:p>
+          <a:p>
+            <a:pPr lvl="3"/>
+            <a:r>
+              <a:rPr lang="en-US" dirty="0">
+                <a:solidFill>
+                  <a:srgbClr val="FF0000"/>
+                </a:solidFill>
+              </a:rPr>
+              <a:t>Still testing inference pipeline, so took 10 instead of 25, or some larger number</a:t>
+            </a:r>
+          </a:p>
+          <a:p>
+            <a:pPr lvl="2"/>
+            <a:r>
+              <a:rPr lang="en-US" dirty="0"/>
+              <a:t>For each initial guess:</a:t>
+            </a:r>
+          </a:p>
+          <a:p>
+            <a:pPr lvl="3"/>
+            <a:r>
+              <a:rPr lang="en-US" dirty="0"/>
+              <a:t>Iterate through gradient ascent to find maximum likelihood for &lt;= </a:t>
+            </a:r>
+            <a:r>
+              <a:rPr lang="en-US" dirty="0">
+                <a:solidFill>
+                  <a:srgbClr val="FF0000"/>
+                </a:solidFill>
+              </a:rPr>
+              <a:t>25</a:t>
+            </a:r>
+            <a:r>
+              <a:rPr lang="en-US" dirty="0"/>
+              <a:t> steps</a:t>
+            </a:r>
+          </a:p>
+          <a:p>
+            <a:pPr lvl="4"/>
+            <a:r>
+              <a:rPr lang="en-US" dirty="0">
+                <a:solidFill>
+                  <a:srgbClr val="FF0000"/>
+                </a:solidFill>
+              </a:rPr>
+              <a:t>Still testing inference pipeline, so took 25 steps instead of 100, or some larger number</a:t>
+            </a:r>
+          </a:p>
+          <a:p>
+            <a:pPr lvl="3"/>
+            <a:r>
+              <a:rPr lang="en-US" dirty="0"/>
+              <a:t>Compute model params and log likelihood</a:t>
+            </a:r>
+          </a:p>
+          <a:p>
+            <a:pPr lvl="2"/>
+            <a:r>
+              <a:rPr lang="en-US" dirty="0"/>
+              <a:t>Output log likelihood and model params of best initial guess + iterations</a:t>
+            </a:r>
+          </a:p>
+        </p:txBody>
+      </p:sp>
     </p:spTree>
     <p:extLst>
       <p:ext uri="{BB962C8B-B14F-4D97-AF65-F5344CB8AC3E}">
-        <p14:creationId xmlns:p14="http://schemas.microsoft.com/office/powerpoint/2010/main" val="1388977413"/>
+        <p14:creationId xmlns:p14="http://schemas.microsoft.com/office/powerpoint/2010/main" val="253882185"/>
       </p:ext>
     </p:extLst>
   </p:cSld>
@@ -5188,7 +6678,7 @@
           <p:cNvPr id="2" name="Title 1">
             <a:extLst>
               <a:ext uri="{FF2B5EF4-FFF2-40B4-BE49-F238E27FC236}">
-                <a16:creationId xmlns:a16="http://schemas.microsoft.com/office/drawing/2014/main" id="{9C91C0AA-C083-4488-8B2B-78453C8EDC36}"/>
+                <a16:creationId xmlns:a16="http://schemas.microsoft.com/office/drawing/2014/main" id="{FC0C9624-1DBB-4B7A-B446-0EC6DD7756EB}"/>
               </a:ext>
             </a:extLst>
           </p:cNvPr>
@@ -5206,11 +6696,11 @@
           <a:p>
             <a:r>
               <a:rPr lang="en-US" dirty="0"/>
-              <a:t>SFS for B. </a:t>
+              <a:t>Bacteroides </a:t>
             </a:r>
             <a:r>
               <a:rPr lang="en-US" dirty="0" err="1"/>
-              <a:t>uniformis</a:t>
+              <a:t>vulgatus</a:t>
             </a:r>
             <a:endParaRPr lang="en-US" dirty="0"/>
           </a:p>
@@ -5221,7 +6711,7 @@
           <p:cNvPr id="4" name="Picture 3">
             <a:extLst>
               <a:ext uri="{FF2B5EF4-FFF2-40B4-BE49-F238E27FC236}">
-                <a16:creationId xmlns:a16="http://schemas.microsoft.com/office/drawing/2014/main" id="{92423EDD-031B-4206-B17E-F0CFEE1D96CC}"/>
+                <a16:creationId xmlns:a16="http://schemas.microsoft.com/office/drawing/2014/main" id="{9DB340DB-FA02-4114-ABE9-205AE7B9DF6A}"/>
               </a:ext>
             </a:extLst>
           </p:cNvPr>
@@ -5238,18 +6728,666 @@
         </p:blipFill>
         <p:spPr>
           <a:xfrm>
-            <a:off x="0" y="1521380"/>
-            <a:ext cx="12192000" cy="4971495"/>
+            <a:off x="245805" y="1351179"/>
+            <a:ext cx="8186891" cy="3373375"/>
           </a:xfrm>
           <a:prstGeom prst="rect">
             <a:avLst/>
           </a:prstGeom>
         </p:spPr>
       </p:pic>
+      <p:graphicFrame>
+        <p:nvGraphicFramePr>
+          <p:cNvPr id="6" name="Table 4">
+            <a:extLst>
+              <a:ext uri="{FF2B5EF4-FFF2-40B4-BE49-F238E27FC236}">
+                <a16:creationId xmlns:a16="http://schemas.microsoft.com/office/drawing/2014/main" id="{43C8BB81-281C-4708-87FA-66B8AFDEA2BD}"/>
+              </a:ext>
+            </a:extLst>
+          </p:cNvPr>
+          <p:cNvGraphicFramePr>
+            <a:graphicFrameLocks noGrp="1"/>
+          </p:cNvGraphicFramePr>
+          <p:nvPr>
+            <p:ph idx="1"/>
+            <p:extLst>
+              <p:ext uri="{D42A27DB-BD31-4B8C-83A1-F6EECF244321}">
+                <p14:modId xmlns:p14="http://schemas.microsoft.com/office/powerpoint/2010/main" val="3038942447"/>
+              </p:ext>
+            </p:extLst>
+          </p:nvPr>
+        </p:nvGraphicFramePr>
+        <p:xfrm>
+          <a:off x="838200" y="4539094"/>
+          <a:ext cx="10515600" cy="2225040"/>
+        </p:xfrm>
+        <a:graphic>
+          <a:graphicData uri="http://schemas.openxmlformats.org/drawingml/2006/table">
+            <a:tbl>
+              <a:tblPr firstRow="1" bandRow="1">
+                <a:tableStyleId>{073A0DAA-6AF3-43AB-8588-CEC1D06C72B9}</a:tableStyleId>
+              </a:tblPr>
+              <a:tblGrid>
+                <a:gridCol w="2103120">
+                  <a:extLst>
+                    <a:ext uri="{9D8B030D-6E8A-4147-A177-3AD203B41FA5}">
+                      <a16:colId xmlns:a16="http://schemas.microsoft.com/office/drawing/2014/main" val="2900726404"/>
+                    </a:ext>
+                  </a:extLst>
+                </a:gridCol>
+                <a:gridCol w="2103120">
+                  <a:extLst>
+                    <a:ext uri="{9D8B030D-6E8A-4147-A177-3AD203B41FA5}">
+                      <a16:colId xmlns:a16="http://schemas.microsoft.com/office/drawing/2014/main" val="2297780930"/>
+                    </a:ext>
+                  </a:extLst>
+                </a:gridCol>
+                <a:gridCol w="2103120">
+                  <a:extLst>
+                    <a:ext uri="{9D8B030D-6E8A-4147-A177-3AD203B41FA5}">
+                      <a16:colId xmlns:a16="http://schemas.microsoft.com/office/drawing/2014/main" val="1352057416"/>
+                    </a:ext>
+                  </a:extLst>
+                </a:gridCol>
+                <a:gridCol w="2103120">
+                  <a:extLst>
+                    <a:ext uri="{9D8B030D-6E8A-4147-A177-3AD203B41FA5}">
+                      <a16:colId xmlns:a16="http://schemas.microsoft.com/office/drawing/2014/main" val="1457082074"/>
+                    </a:ext>
+                  </a:extLst>
+                </a:gridCol>
+                <a:gridCol w="2103120">
+                  <a:extLst>
+                    <a:ext uri="{9D8B030D-6E8A-4147-A177-3AD203B41FA5}">
+                      <a16:colId xmlns:a16="http://schemas.microsoft.com/office/drawing/2014/main" val="633438695"/>
+                    </a:ext>
+                  </a:extLst>
+                </a:gridCol>
+              </a:tblGrid>
+              <a:tr h="370840">
+                <a:tc>
+                  <a:txBody>
+                    <a:bodyPr/>
+                    <a:lstStyle/>
+                    <a:p>
+                      <a:r>
+                        <a:rPr lang="en-US" dirty="0"/>
+                        <a:t>Model</a:t>
+                      </a:r>
+                    </a:p>
+                  </a:txBody>
+                  <a:tcPr/>
+                </a:tc>
+                <a:tc>
+                  <a:txBody>
+                    <a:bodyPr/>
+                    <a:lstStyle/>
+                    <a:p>
+                      <a:r>
+                        <a:rPr lang="en-US" dirty="0"/>
+                        <a:t>Exponential growth</a:t>
+                      </a:r>
+                    </a:p>
+                  </a:txBody>
+                  <a:tcPr/>
+                </a:tc>
+                <a:tc>
+                  <a:txBody>
+                    <a:bodyPr/>
+                    <a:lstStyle/>
+                    <a:p>
+                      <a:r>
+                        <a:rPr lang="en-US" dirty="0"/>
+                        <a:t>Two-epoch</a:t>
+                      </a:r>
+                    </a:p>
+                  </a:txBody>
+                  <a:tcPr/>
+                </a:tc>
+                <a:tc>
+                  <a:txBody>
+                    <a:bodyPr/>
+                    <a:lstStyle/>
+                    <a:p>
+                      <a:r>
+                        <a:rPr lang="en-US" dirty="0"/>
+                        <a:t>Bottleneck + growth</a:t>
+                      </a:r>
+                    </a:p>
+                  </a:txBody>
+                  <a:tcPr/>
+                </a:tc>
+                <a:tc>
+                  <a:txBody>
+                    <a:bodyPr/>
+                    <a:lstStyle/>
+                    <a:p>
+                      <a:r>
+                        <a:rPr lang="en-US" dirty="0"/>
+                        <a:t>Three-epoch</a:t>
+                      </a:r>
+                    </a:p>
+                  </a:txBody>
+                  <a:tcPr/>
+                </a:tc>
+                <a:extLst>
+                  <a:ext uri="{0D108BD9-81ED-4DB2-BD59-A6C34878D82A}">
+                    <a16:rowId xmlns:a16="http://schemas.microsoft.com/office/drawing/2014/main" val="3143057051"/>
+                  </a:ext>
+                </a:extLst>
+              </a:tr>
+              <a:tr h="370840">
+                <a:tc>
+                  <a:txBody>
+                    <a:bodyPr/>
+                    <a:lstStyle/>
+                    <a:p>
+                      <a:r>
+                        <a:rPr lang="en-US" dirty="0"/>
+                        <a:t>Log Likelihood</a:t>
+                      </a:r>
+                    </a:p>
+                  </a:txBody>
+                  <a:tcPr/>
+                </a:tc>
+                <a:tc>
+                  <a:txBody>
+                    <a:bodyPr/>
+                    <a:lstStyle/>
+                    <a:p>
+                      <a:r>
+                        <a:rPr lang="en-US" dirty="0"/>
+                        <a:t>-127.936291202</a:t>
+                      </a:r>
+                    </a:p>
+                  </a:txBody>
+                  <a:tcPr/>
+                </a:tc>
+                <a:tc>
+                  <a:txBody>
+                    <a:bodyPr/>
+                    <a:lstStyle/>
+                    <a:p>
+                      <a:r>
+                        <a:rPr lang="en-US" dirty="0">
+                          <a:highlight>
+                            <a:srgbClr val="FFFF00"/>
+                          </a:highlight>
+                        </a:rPr>
+                        <a:t>-115.384987567</a:t>
+                      </a:r>
+                    </a:p>
+                  </a:txBody>
+                  <a:tcPr/>
+                </a:tc>
+                <a:tc>
+                  <a:txBody>
+                    <a:bodyPr/>
+                    <a:lstStyle/>
+                    <a:p>
+                      <a:r>
+                        <a:rPr lang="en-US" dirty="0"/>
+                        <a:t>-118.086979535</a:t>
+                      </a:r>
+                      <a:endParaRPr lang="en-US" dirty="0">
+                        <a:highlight>
+                          <a:srgbClr val="FFFF00"/>
+                        </a:highlight>
+                      </a:endParaRPr>
+                    </a:p>
+                  </a:txBody>
+                  <a:tcPr/>
+                </a:tc>
+                <a:tc>
+                  <a:txBody>
+                    <a:bodyPr/>
+                    <a:lstStyle/>
+                    <a:p>
+                      <a:r>
+                        <a:rPr lang="en-US" sz="1800" kern="1200" dirty="0">
+                          <a:solidFill>
+                            <a:schemeClr val="dk1"/>
+                          </a:solidFill>
+                          <a:latin typeface="+mn-lt"/>
+                          <a:ea typeface="+mn-ea"/>
+                          <a:cs typeface="+mn-cs"/>
+                        </a:rPr>
+                        <a:t>-116.530852345</a:t>
+                      </a:r>
+                      <a:endParaRPr lang="en-US" dirty="0"/>
+                    </a:p>
+                  </a:txBody>
+                  <a:tcPr/>
+                </a:tc>
+                <a:extLst>
+                  <a:ext uri="{0D108BD9-81ED-4DB2-BD59-A6C34878D82A}">
+                    <a16:rowId xmlns:a16="http://schemas.microsoft.com/office/drawing/2014/main" val="3235037204"/>
+                  </a:ext>
+                </a:extLst>
+              </a:tr>
+              <a:tr h="370840">
+                <a:tc>
+                  <a:txBody>
+                    <a:bodyPr/>
+                    <a:lstStyle/>
+                    <a:p>
+                      <a:r>
+                        <a:rPr lang="en-US" dirty="0" err="1"/>
+                        <a:t>Nu_a</a:t>
+                      </a:r>
+                      <a:endParaRPr lang="en-US" dirty="0"/>
+                    </a:p>
+                  </a:txBody>
+                  <a:tcPr/>
+                </a:tc>
+                <a:tc>
+                  <a:txBody>
+                    <a:bodyPr/>
+                    <a:lstStyle/>
+                    <a:p>
+                      <a:r>
+                        <a:rPr lang="en-US" dirty="0"/>
+                        <a:t>5.06496807</a:t>
+                      </a:r>
+                    </a:p>
+                  </a:txBody>
+                  <a:tcPr/>
+                </a:tc>
+                <a:tc>
+                  <a:txBody>
+                    <a:bodyPr/>
+                    <a:lstStyle/>
+                    <a:p>
+                      <a:r>
+                        <a:rPr lang="en-US" dirty="0"/>
+                        <a:t>1.44199393</a:t>
+                      </a:r>
+                    </a:p>
+                  </a:txBody>
+                  <a:tcPr/>
+                </a:tc>
+                <a:tc>
+                  <a:txBody>
+                    <a:bodyPr/>
+                    <a:lstStyle/>
+                    <a:p>
+                      <a:r>
+                        <a:rPr lang="en-US" dirty="0"/>
+                        <a:t>0.32927112</a:t>
+                      </a:r>
+                    </a:p>
+                  </a:txBody>
+                  <a:tcPr/>
+                </a:tc>
+                <a:tc>
+                  <a:txBody>
+                    <a:bodyPr/>
+                    <a:lstStyle/>
+                    <a:p>
+                      <a:r>
+                        <a:rPr lang="en-US" sz="1800" kern="1200" dirty="0">
+                          <a:solidFill>
+                            <a:schemeClr val="dk1"/>
+                          </a:solidFill>
+                          <a:latin typeface="+mn-lt"/>
+                          <a:ea typeface="+mn-ea"/>
+                          <a:cs typeface="+mn-cs"/>
+                        </a:rPr>
+                        <a:t>0.17552614</a:t>
+                      </a:r>
+                      <a:endParaRPr lang="en-US" dirty="0"/>
+                    </a:p>
+                  </a:txBody>
+                  <a:tcPr/>
+                </a:tc>
+                <a:extLst>
+                  <a:ext uri="{0D108BD9-81ED-4DB2-BD59-A6C34878D82A}">
+                    <a16:rowId xmlns:a16="http://schemas.microsoft.com/office/drawing/2014/main" val="2717148640"/>
+                  </a:ext>
+                </a:extLst>
+              </a:tr>
+              <a:tr h="370840">
+                <a:tc>
+                  <a:txBody>
+                    <a:bodyPr/>
+                    <a:lstStyle/>
+                    <a:p>
+                      <a:r>
+                        <a:rPr lang="en-US" dirty="0" err="1"/>
+                        <a:t>Nu_b</a:t>
+                      </a:r>
+                      <a:endParaRPr lang="en-US" dirty="0"/>
+                    </a:p>
+                  </a:txBody>
+                  <a:tcPr/>
+                </a:tc>
+                <a:tc>
+                  <a:txBody>
+                    <a:bodyPr/>
+                    <a:lstStyle/>
+                    <a:p>
+                      <a:r>
+                        <a:rPr lang="en-US" dirty="0"/>
+                        <a:t>N/A</a:t>
+                      </a:r>
+                    </a:p>
+                  </a:txBody>
+                  <a:tcPr/>
+                </a:tc>
+                <a:tc>
+                  <a:txBody>
+                    <a:bodyPr/>
+                    <a:lstStyle/>
+                    <a:p>
+                      <a:r>
+                        <a:rPr lang="en-US" dirty="0"/>
+                        <a:t>N/A</a:t>
+                      </a:r>
+                    </a:p>
+                  </a:txBody>
+                  <a:tcPr/>
+                </a:tc>
+                <a:tc>
+                  <a:txBody>
+                    <a:bodyPr/>
+                    <a:lstStyle/>
+                    <a:p>
+                      <a:r>
+                        <a:rPr lang="en-US" dirty="0"/>
+                        <a:t>1.86184541</a:t>
+                      </a:r>
+                    </a:p>
+                  </a:txBody>
+                  <a:tcPr/>
+                </a:tc>
+                <a:tc>
+                  <a:txBody>
+                    <a:bodyPr/>
+                    <a:lstStyle/>
+                    <a:p>
+                      <a:r>
+                        <a:rPr lang="en-US" sz="1800" kern="1200" dirty="0">
+                          <a:solidFill>
+                            <a:schemeClr val="dk1"/>
+                          </a:solidFill>
+                          <a:latin typeface="+mn-lt"/>
+                          <a:ea typeface="+mn-ea"/>
+                          <a:cs typeface="+mn-cs"/>
+                        </a:rPr>
+                        <a:t>0.60311634</a:t>
+                      </a:r>
+                      <a:endParaRPr lang="en-US" dirty="0"/>
+                    </a:p>
+                  </a:txBody>
+                  <a:tcPr/>
+                </a:tc>
+                <a:extLst>
+                  <a:ext uri="{0D108BD9-81ED-4DB2-BD59-A6C34878D82A}">
+                    <a16:rowId xmlns:a16="http://schemas.microsoft.com/office/drawing/2014/main" val="3992781458"/>
+                  </a:ext>
+                </a:extLst>
+              </a:tr>
+              <a:tr h="370840">
+                <a:tc>
+                  <a:txBody>
+                    <a:bodyPr/>
+                    <a:lstStyle/>
+                    <a:p>
+                      <a:r>
+                        <a:rPr lang="en-US" dirty="0"/>
+                        <a:t>T_12</a:t>
+                      </a:r>
+                    </a:p>
+                  </a:txBody>
+                  <a:tcPr/>
+                </a:tc>
+                <a:tc>
+                  <a:txBody>
+                    <a:bodyPr/>
+                    <a:lstStyle/>
+                    <a:p>
+                      <a:r>
+                        <a:rPr lang="en-US" dirty="0"/>
+                        <a:t>0.02285876</a:t>
+                      </a:r>
+                    </a:p>
+                  </a:txBody>
+                  <a:tcPr/>
+                </a:tc>
+                <a:tc>
+                  <a:txBody>
+                    <a:bodyPr/>
+                    <a:lstStyle/>
+                    <a:p>
+                      <a:r>
+                        <a:rPr lang="en-US" dirty="0"/>
+                        <a:t>0.23624364</a:t>
+                      </a:r>
+                    </a:p>
+                  </a:txBody>
+                  <a:tcPr/>
+                </a:tc>
+                <a:tc>
+                  <a:txBody>
+                    <a:bodyPr/>
+                    <a:lstStyle/>
+                    <a:p>
+                      <a:r>
+                        <a:rPr lang="en-US" dirty="0"/>
+                        <a:t>7.56831131</a:t>
+                      </a:r>
+                    </a:p>
+                  </a:txBody>
+                  <a:tcPr/>
+                </a:tc>
+                <a:tc>
+                  <a:txBody>
+                    <a:bodyPr/>
+                    <a:lstStyle/>
+                    <a:p>
+                      <a:r>
+                        <a:rPr lang="en-US" sz="1800" kern="1200" dirty="0">
+                          <a:solidFill>
+                            <a:schemeClr val="dk1"/>
+                          </a:solidFill>
+                          <a:latin typeface="+mn-lt"/>
+                          <a:ea typeface="+mn-ea"/>
+                          <a:cs typeface="+mn-cs"/>
+                        </a:rPr>
+                        <a:t>0.23296508</a:t>
+                      </a:r>
+                      <a:endParaRPr lang="en-US" dirty="0"/>
+                    </a:p>
+                  </a:txBody>
+                  <a:tcPr/>
+                </a:tc>
+                <a:extLst>
+                  <a:ext uri="{0D108BD9-81ED-4DB2-BD59-A6C34878D82A}">
+                    <a16:rowId xmlns:a16="http://schemas.microsoft.com/office/drawing/2014/main" val="3283572519"/>
+                  </a:ext>
+                </a:extLst>
+              </a:tr>
+              <a:tr h="370840">
+                <a:tc>
+                  <a:txBody>
+                    <a:bodyPr/>
+                    <a:lstStyle/>
+                    <a:p>
+                      <a:r>
+                        <a:rPr lang="en-US" dirty="0"/>
+                        <a:t>T_23</a:t>
+                      </a:r>
+                    </a:p>
+                  </a:txBody>
+                  <a:tcPr/>
+                </a:tc>
+                <a:tc>
+                  <a:txBody>
+                    <a:bodyPr/>
+                    <a:lstStyle/>
+                    <a:p>
+                      <a:r>
+                        <a:rPr lang="en-US" dirty="0"/>
+                        <a:t>N/A</a:t>
+                      </a:r>
+                    </a:p>
+                  </a:txBody>
+                  <a:tcPr/>
+                </a:tc>
+                <a:tc>
+                  <a:txBody>
+                    <a:bodyPr/>
+                    <a:lstStyle/>
+                    <a:p>
+                      <a:r>
+                        <a:rPr lang="en-US" dirty="0"/>
+                        <a:t>N/A</a:t>
+                      </a:r>
+                    </a:p>
+                  </a:txBody>
+                  <a:tcPr/>
+                </a:tc>
+                <a:tc>
+                  <a:txBody>
+                    <a:bodyPr/>
+                    <a:lstStyle/>
+                    <a:p>
+                      <a:r>
+                        <a:rPr lang="en-US" dirty="0"/>
+                        <a:t>N/A</a:t>
+                      </a:r>
+                    </a:p>
+                  </a:txBody>
+                  <a:tcPr/>
+                </a:tc>
+                <a:tc>
+                  <a:txBody>
+                    <a:bodyPr/>
+                    <a:lstStyle/>
+                    <a:p>
+                      <a:r>
+                        <a:rPr lang="en-US" sz="1800" kern="1200" dirty="0">
+                          <a:solidFill>
+                            <a:schemeClr val="dk1"/>
+                          </a:solidFill>
+                          <a:latin typeface="+mn-lt"/>
+                          <a:ea typeface="+mn-ea"/>
+                          <a:cs typeface="+mn-cs"/>
+                        </a:rPr>
+                        <a:t>0.24585277</a:t>
+                      </a:r>
+                      <a:endParaRPr lang="en-US" dirty="0"/>
+                    </a:p>
+                  </a:txBody>
+                  <a:tcPr/>
+                </a:tc>
+                <a:extLst>
+                  <a:ext uri="{0D108BD9-81ED-4DB2-BD59-A6C34878D82A}">
+                    <a16:rowId xmlns:a16="http://schemas.microsoft.com/office/drawing/2014/main" val="2422470866"/>
+                  </a:ext>
+                </a:extLst>
+              </a:tr>
+            </a:tbl>
+          </a:graphicData>
+        </a:graphic>
+      </p:graphicFrame>
+      <p:sp>
+        <p:nvSpPr>
+          <p:cNvPr id="7" name="TextBox 6">
+            <a:extLst>
+              <a:ext uri="{FF2B5EF4-FFF2-40B4-BE49-F238E27FC236}">
+                <a16:creationId xmlns:a16="http://schemas.microsoft.com/office/drawing/2014/main" id="{3E71FB0F-0EB4-45FF-86AA-08675F67D12A}"/>
+              </a:ext>
+            </a:extLst>
+          </p:cNvPr>
+          <p:cNvSpPr txBox="1"/>
+          <p:nvPr/>
+        </p:nvSpPr>
+        <p:spPr>
+          <a:xfrm>
+            <a:off x="7096453" y="1690688"/>
+            <a:ext cx="5095547" cy="1754326"/>
+          </a:xfrm>
+          <a:prstGeom prst="rect">
+            <a:avLst/>
+          </a:prstGeom>
+          <a:noFill/>
+        </p:spPr>
+        <p:txBody>
+          <a:bodyPr wrap="square" rtlCol="0">
+            <a:spAutoFit/>
+          </a:bodyPr>
+          <a:lstStyle/>
+          <a:p>
+            <a:pPr marL="285750" indent="-285750">
+              <a:buFont typeface="Arial" panose="020B0604020202020204" pitchFamily="34" charset="0"/>
+              <a:buChar char="•"/>
+            </a:pPr>
+            <a:r>
+              <a:rPr lang="en-US" dirty="0" err="1"/>
+              <a:t>Nu_a</a:t>
+            </a:r>
+            <a:r>
+              <a:rPr lang="en-US" dirty="0"/>
+              <a:t>: contemporary population relative to ancestral population before first epoch</a:t>
+            </a:r>
+          </a:p>
+          <a:p>
+            <a:pPr marL="285750" indent="-285750">
+              <a:buFont typeface="Arial" panose="020B0604020202020204" pitchFamily="34" charset="0"/>
+              <a:buChar char="•"/>
+            </a:pPr>
+            <a:r>
+              <a:rPr lang="en-US" dirty="0" err="1"/>
+              <a:t>Nu_b</a:t>
+            </a:r>
+            <a:r>
+              <a:rPr lang="en-US" dirty="0"/>
+              <a:t>: contemporary population relative to ancestral population before second epoch</a:t>
+            </a:r>
+          </a:p>
+          <a:p>
+            <a:pPr marL="285750" indent="-285750">
+              <a:buFont typeface="Arial" panose="020B0604020202020204" pitchFamily="34" charset="0"/>
+              <a:buChar char="•"/>
+            </a:pPr>
+            <a:r>
+              <a:rPr lang="en-US" dirty="0"/>
+              <a:t>T_1: Duration of first epoch (units of 2 * </a:t>
+            </a:r>
+            <a:r>
+              <a:rPr lang="en-US" dirty="0" err="1"/>
+              <a:t>N_a</a:t>
+            </a:r>
+            <a:r>
+              <a:rPr lang="en-US" dirty="0"/>
+              <a:t>)</a:t>
+            </a:r>
+          </a:p>
+          <a:p>
+            <a:pPr marL="285750" indent="-285750">
+              <a:buFont typeface="Arial" panose="020B0604020202020204" pitchFamily="34" charset="0"/>
+              <a:buChar char="•"/>
+            </a:pPr>
+            <a:r>
+              <a:rPr lang="en-US" dirty="0"/>
+              <a:t>T_2: Duration of second epoch (units of 2 * </a:t>
+            </a:r>
+            <a:r>
+              <a:rPr lang="en-US" dirty="0" err="1"/>
+              <a:t>N_a</a:t>
+            </a:r>
+            <a:r>
+              <a:rPr lang="en-US" dirty="0"/>
+              <a:t>)</a:t>
+            </a:r>
+          </a:p>
+        </p:txBody>
+      </p:sp>
     </p:spTree>
     <p:extLst>
       <p:ext uri="{BB962C8B-B14F-4D97-AF65-F5344CB8AC3E}">
-        <p14:creationId xmlns:p14="http://schemas.microsoft.com/office/powerpoint/2010/main" val="1253621506"/>
+        <p14:creationId xmlns:p14="http://schemas.microsoft.com/office/powerpoint/2010/main" val="1722285914"/>
       </p:ext>
     </p:extLst>
   </p:cSld>
@@ -5281,7 +7419,7 @@
           <p:cNvPr id="2" name="Title 1">
             <a:extLst>
               <a:ext uri="{FF2B5EF4-FFF2-40B4-BE49-F238E27FC236}">
-                <a16:creationId xmlns:a16="http://schemas.microsoft.com/office/drawing/2014/main" id="{9C91C0AA-C083-4488-8B2B-78453C8EDC36}"/>
+                <a16:creationId xmlns:a16="http://schemas.microsoft.com/office/drawing/2014/main" id="{FC0C9624-1DBB-4B7A-B446-0EC6DD7756EB}"/>
               </a:ext>
             </a:extLst>
           </p:cNvPr>
@@ -5299,11 +7437,11 @@
           <a:p>
             <a:r>
               <a:rPr lang="en-US" dirty="0"/>
-              <a:t>SFS for A. </a:t>
+              <a:t>Bacteroides </a:t>
             </a:r>
             <a:r>
               <a:rPr lang="en-US" dirty="0" err="1"/>
-              <a:t>putredinis</a:t>
+              <a:t>ovatus</a:t>
             </a:r>
             <a:endParaRPr lang="en-US" dirty="0"/>
           </a:p>
@@ -5311,10 +7449,10 @@
       </p:sp>
       <p:pic>
         <p:nvPicPr>
-          <p:cNvPr id="7" name="Picture 6">
-            <a:extLst>
-              <a:ext uri="{FF2B5EF4-FFF2-40B4-BE49-F238E27FC236}">
-                <a16:creationId xmlns:a16="http://schemas.microsoft.com/office/drawing/2014/main" id="{40162222-F6BC-4808-A3C2-2823F72BDE63}"/>
+          <p:cNvPr id="4" name="Picture 3">
+            <a:extLst>
+              <a:ext uri="{FF2B5EF4-FFF2-40B4-BE49-F238E27FC236}">
+                <a16:creationId xmlns:a16="http://schemas.microsoft.com/office/drawing/2014/main" id="{8865A12F-B336-4C8D-BF76-1BE69927E054}"/>
               </a:ext>
             </a:extLst>
           </p:cNvPr>
@@ -5331,18 +7469,626 @@
         </p:blipFill>
         <p:spPr>
           <a:xfrm>
-            <a:off x="0" y="1628241"/>
-            <a:ext cx="12192000" cy="4899378"/>
+            <a:off x="256878" y="1428443"/>
+            <a:ext cx="7420897" cy="3002841"/>
           </a:xfrm>
           <a:prstGeom prst="rect">
             <a:avLst/>
           </a:prstGeom>
         </p:spPr>
       </p:pic>
+      <p:graphicFrame>
+        <p:nvGraphicFramePr>
+          <p:cNvPr id="6" name="Table 4">
+            <a:extLst>
+              <a:ext uri="{FF2B5EF4-FFF2-40B4-BE49-F238E27FC236}">
+                <a16:creationId xmlns:a16="http://schemas.microsoft.com/office/drawing/2014/main" id="{A9705451-B491-4190-AD26-9043A7325C40}"/>
+              </a:ext>
+            </a:extLst>
+          </p:cNvPr>
+          <p:cNvGraphicFramePr>
+            <a:graphicFrameLocks noGrp="1"/>
+          </p:cNvGraphicFramePr>
+          <p:nvPr>
+            <p:ph idx="1"/>
+            <p:extLst>
+              <p:ext uri="{D42A27DB-BD31-4B8C-83A1-F6EECF244321}">
+                <p14:modId xmlns:p14="http://schemas.microsoft.com/office/powerpoint/2010/main" val="2197319629"/>
+              </p:ext>
+            </p:extLst>
+          </p:nvPr>
+        </p:nvGraphicFramePr>
+        <p:xfrm>
+          <a:off x="838200" y="4431284"/>
+          <a:ext cx="10515600" cy="2225040"/>
+        </p:xfrm>
+        <a:graphic>
+          <a:graphicData uri="http://schemas.openxmlformats.org/drawingml/2006/table">
+            <a:tbl>
+              <a:tblPr firstRow="1" bandRow="1">
+                <a:tableStyleId>{073A0DAA-6AF3-43AB-8588-CEC1D06C72B9}</a:tableStyleId>
+              </a:tblPr>
+              <a:tblGrid>
+                <a:gridCol w="2103120">
+                  <a:extLst>
+                    <a:ext uri="{9D8B030D-6E8A-4147-A177-3AD203B41FA5}">
+                      <a16:colId xmlns:a16="http://schemas.microsoft.com/office/drawing/2014/main" val="2900726404"/>
+                    </a:ext>
+                  </a:extLst>
+                </a:gridCol>
+                <a:gridCol w="2103120">
+                  <a:extLst>
+                    <a:ext uri="{9D8B030D-6E8A-4147-A177-3AD203B41FA5}">
+                      <a16:colId xmlns:a16="http://schemas.microsoft.com/office/drawing/2014/main" val="2297780930"/>
+                    </a:ext>
+                  </a:extLst>
+                </a:gridCol>
+                <a:gridCol w="2103120">
+                  <a:extLst>
+                    <a:ext uri="{9D8B030D-6E8A-4147-A177-3AD203B41FA5}">
+                      <a16:colId xmlns:a16="http://schemas.microsoft.com/office/drawing/2014/main" val="1352057416"/>
+                    </a:ext>
+                  </a:extLst>
+                </a:gridCol>
+                <a:gridCol w="2103120">
+                  <a:extLst>
+                    <a:ext uri="{9D8B030D-6E8A-4147-A177-3AD203B41FA5}">
+                      <a16:colId xmlns:a16="http://schemas.microsoft.com/office/drawing/2014/main" val="1457082074"/>
+                    </a:ext>
+                  </a:extLst>
+                </a:gridCol>
+                <a:gridCol w="2103120">
+                  <a:extLst>
+                    <a:ext uri="{9D8B030D-6E8A-4147-A177-3AD203B41FA5}">
+                      <a16:colId xmlns:a16="http://schemas.microsoft.com/office/drawing/2014/main" val="633438695"/>
+                    </a:ext>
+                  </a:extLst>
+                </a:gridCol>
+              </a:tblGrid>
+              <a:tr h="370840">
+                <a:tc>
+                  <a:txBody>
+                    <a:bodyPr/>
+                    <a:lstStyle/>
+                    <a:p>
+                      <a:r>
+                        <a:rPr lang="en-US" dirty="0"/>
+                        <a:t>Model</a:t>
+                      </a:r>
+                    </a:p>
+                  </a:txBody>
+                  <a:tcPr/>
+                </a:tc>
+                <a:tc>
+                  <a:txBody>
+                    <a:bodyPr/>
+                    <a:lstStyle/>
+                    <a:p>
+                      <a:r>
+                        <a:rPr lang="en-US" dirty="0"/>
+                        <a:t>Exponential growth</a:t>
+                      </a:r>
+                    </a:p>
+                  </a:txBody>
+                  <a:tcPr/>
+                </a:tc>
+                <a:tc>
+                  <a:txBody>
+                    <a:bodyPr/>
+                    <a:lstStyle/>
+                    <a:p>
+                      <a:r>
+                        <a:rPr lang="en-US" dirty="0"/>
+                        <a:t>Two-epoch</a:t>
+                      </a:r>
+                    </a:p>
+                  </a:txBody>
+                  <a:tcPr/>
+                </a:tc>
+                <a:tc>
+                  <a:txBody>
+                    <a:bodyPr/>
+                    <a:lstStyle/>
+                    <a:p>
+                      <a:r>
+                        <a:rPr lang="en-US" dirty="0"/>
+                        <a:t>Bottleneck + growth</a:t>
+                      </a:r>
+                    </a:p>
+                  </a:txBody>
+                  <a:tcPr/>
+                </a:tc>
+                <a:tc>
+                  <a:txBody>
+                    <a:bodyPr/>
+                    <a:lstStyle/>
+                    <a:p>
+                      <a:r>
+                        <a:rPr lang="en-US" dirty="0"/>
+                        <a:t>Three-epoch</a:t>
+                      </a:r>
+                    </a:p>
+                  </a:txBody>
+                  <a:tcPr/>
+                </a:tc>
+                <a:extLst>
+                  <a:ext uri="{0D108BD9-81ED-4DB2-BD59-A6C34878D82A}">
+                    <a16:rowId xmlns:a16="http://schemas.microsoft.com/office/drawing/2014/main" val="3143057051"/>
+                  </a:ext>
+                </a:extLst>
+              </a:tr>
+              <a:tr h="370840">
+                <a:tc>
+                  <a:txBody>
+                    <a:bodyPr/>
+                    <a:lstStyle/>
+                    <a:p>
+                      <a:r>
+                        <a:rPr lang="en-US" dirty="0"/>
+                        <a:t>Log Likelihood</a:t>
+                      </a:r>
+                    </a:p>
+                  </a:txBody>
+                  <a:tcPr/>
+                </a:tc>
+                <a:tc>
+                  <a:txBody>
+                    <a:bodyPr/>
+                    <a:lstStyle/>
+                    <a:p>
+                      <a:r>
+                        <a:rPr lang="en-US" dirty="0"/>
+                        <a:t>-119.348788944</a:t>
+                      </a:r>
+                    </a:p>
+                  </a:txBody>
+                  <a:tcPr/>
+                </a:tc>
+                <a:tc>
+                  <a:txBody>
+                    <a:bodyPr/>
+                    <a:lstStyle/>
+                    <a:p>
+                      <a:r>
+                        <a:rPr lang="en-US" dirty="0">
+                          <a:highlight>
+                            <a:srgbClr val="FFFF00"/>
+                          </a:highlight>
+                        </a:rPr>
+                        <a:t>-112.924572671</a:t>
+                      </a:r>
+                    </a:p>
+                  </a:txBody>
+                  <a:tcPr/>
+                </a:tc>
+                <a:tc>
+                  <a:txBody>
+                    <a:bodyPr/>
+                    <a:lstStyle/>
+                    <a:p>
+                      <a:r>
+                        <a:rPr lang="en-US" dirty="0"/>
+                        <a:t>-113.082924889</a:t>
+                      </a:r>
+                      <a:endParaRPr lang="en-US" dirty="0">
+                        <a:highlight>
+                          <a:srgbClr val="FFFF00"/>
+                        </a:highlight>
+                      </a:endParaRPr>
+                    </a:p>
+                  </a:txBody>
+                  <a:tcPr/>
+                </a:tc>
+                <a:tc>
+                  <a:txBody>
+                    <a:bodyPr/>
+                    <a:lstStyle/>
+                    <a:p>
+                      <a:r>
+                        <a:rPr lang="en-US" dirty="0"/>
+                        <a:t>-113.060715703</a:t>
+                      </a:r>
+                    </a:p>
+                  </a:txBody>
+                  <a:tcPr/>
+                </a:tc>
+                <a:extLst>
+                  <a:ext uri="{0D108BD9-81ED-4DB2-BD59-A6C34878D82A}">
+                    <a16:rowId xmlns:a16="http://schemas.microsoft.com/office/drawing/2014/main" val="3235037204"/>
+                  </a:ext>
+                </a:extLst>
+              </a:tr>
+              <a:tr h="370840">
+                <a:tc>
+                  <a:txBody>
+                    <a:bodyPr/>
+                    <a:lstStyle/>
+                    <a:p>
+                      <a:r>
+                        <a:rPr lang="en-US" dirty="0" err="1"/>
+                        <a:t>Nu_a</a:t>
+                      </a:r>
+                      <a:endParaRPr lang="en-US" dirty="0"/>
+                    </a:p>
+                  </a:txBody>
+                  <a:tcPr/>
+                </a:tc>
+                <a:tc>
+                  <a:txBody>
+                    <a:bodyPr/>
+                    <a:lstStyle/>
+                    <a:p>
+                      <a:r>
+                        <a:rPr lang="en-US" dirty="0"/>
+                        <a:t>1.43394881</a:t>
+                      </a:r>
+                    </a:p>
+                  </a:txBody>
+                  <a:tcPr/>
+                </a:tc>
+                <a:tc>
+                  <a:txBody>
+                    <a:bodyPr/>
+                    <a:lstStyle/>
+                    <a:p>
+                      <a:r>
+                        <a:rPr lang="en-US" dirty="0"/>
+                        <a:t>1.4790958</a:t>
+                      </a:r>
+                    </a:p>
+                  </a:txBody>
+                  <a:tcPr/>
+                </a:tc>
+                <a:tc>
+                  <a:txBody>
+                    <a:bodyPr/>
+                    <a:lstStyle/>
+                    <a:p>
+                      <a:r>
+                        <a:rPr lang="en-US" dirty="0"/>
+                        <a:t>1.46992089</a:t>
+                      </a:r>
+                    </a:p>
+                  </a:txBody>
+                  <a:tcPr/>
+                </a:tc>
+                <a:tc>
+                  <a:txBody>
+                    <a:bodyPr/>
+                    <a:lstStyle/>
+                    <a:p>
+                      <a:r>
+                        <a:rPr lang="en-US" dirty="0"/>
+                        <a:t>1.33943782</a:t>
+                      </a:r>
+                    </a:p>
+                  </a:txBody>
+                  <a:tcPr/>
+                </a:tc>
+                <a:extLst>
+                  <a:ext uri="{0D108BD9-81ED-4DB2-BD59-A6C34878D82A}">
+                    <a16:rowId xmlns:a16="http://schemas.microsoft.com/office/drawing/2014/main" val="2717148640"/>
+                  </a:ext>
+                </a:extLst>
+              </a:tr>
+              <a:tr h="370840">
+                <a:tc>
+                  <a:txBody>
+                    <a:bodyPr/>
+                    <a:lstStyle/>
+                    <a:p>
+                      <a:r>
+                        <a:rPr lang="en-US" dirty="0" err="1"/>
+                        <a:t>Nu_b</a:t>
+                      </a:r>
+                      <a:endParaRPr lang="en-US" dirty="0"/>
+                    </a:p>
+                  </a:txBody>
+                  <a:tcPr/>
+                </a:tc>
+                <a:tc>
+                  <a:txBody>
+                    <a:bodyPr/>
+                    <a:lstStyle/>
+                    <a:p>
+                      <a:r>
+                        <a:rPr lang="en-US" dirty="0"/>
+                        <a:t>N/A</a:t>
+                      </a:r>
+                    </a:p>
+                  </a:txBody>
+                  <a:tcPr/>
+                </a:tc>
+                <a:tc>
+                  <a:txBody>
+                    <a:bodyPr/>
+                    <a:lstStyle/>
+                    <a:p>
+                      <a:r>
+                        <a:rPr lang="en-US" dirty="0"/>
+                        <a:t>N/A</a:t>
+                      </a:r>
+                    </a:p>
+                  </a:txBody>
+                  <a:tcPr/>
+                </a:tc>
+                <a:tc>
+                  <a:txBody>
+                    <a:bodyPr/>
+                    <a:lstStyle/>
+                    <a:p>
+                      <a:r>
+                        <a:rPr lang="en-US" dirty="0"/>
+                        <a:t>1.42640515</a:t>
+                      </a:r>
+                    </a:p>
+                  </a:txBody>
+                  <a:tcPr/>
+                </a:tc>
+                <a:tc>
+                  <a:txBody>
+                    <a:bodyPr/>
+                    <a:lstStyle/>
+                    <a:p>
+                      <a:r>
+                        <a:rPr lang="en-US" dirty="0"/>
+                        <a:t>1.44808057</a:t>
+                      </a:r>
+                    </a:p>
+                  </a:txBody>
+                  <a:tcPr/>
+                </a:tc>
+                <a:extLst>
+                  <a:ext uri="{0D108BD9-81ED-4DB2-BD59-A6C34878D82A}">
+                    <a16:rowId xmlns:a16="http://schemas.microsoft.com/office/drawing/2014/main" val="3992781458"/>
+                  </a:ext>
+                </a:extLst>
+              </a:tr>
+              <a:tr h="370840">
+                <a:tc>
+                  <a:txBody>
+                    <a:bodyPr/>
+                    <a:lstStyle/>
+                    <a:p>
+                      <a:r>
+                        <a:rPr lang="en-US" dirty="0"/>
+                        <a:t>T_12</a:t>
+                      </a:r>
+                    </a:p>
+                  </a:txBody>
+                  <a:tcPr/>
+                </a:tc>
+                <a:tc>
+                  <a:txBody>
+                    <a:bodyPr/>
+                    <a:lstStyle/>
+                    <a:p>
+                      <a:r>
+                        <a:rPr lang="en-US" dirty="0"/>
+                        <a:t>0.3079758</a:t>
+                      </a:r>
+                    </a:p>
+                  </a:txBody>
+                  <a:tcPr/>
+                </a:tc>
+                <a:tc>
+                  <a:txBody>
+                    <a:bodyPr/>
+                    <a:lstStyle/>
+                    <a:p>
+                      <a:r>
+                        <a:rPr lang="en-US" dirty="0"/>
+                        <a:t>0.70549535</a:t>
+                      </a:r>
+                    </a:p>
+                  </a:txBody>
+                  <a:tcPr/>
+                </a:tc>
+                <a:tc>
+                  <a:txBody>
+                    <a:bodyPr/>
+                    <a:lstStyle/>
+                    <a:p>
+                      <a:r>
+                        <a:rPr lang="en-US" dirty="0"/>
+                        <a:t>0.61551285</a:t>
+                      </a:r>
+                    </a:p>
+                  </a:txBody>
+                  <a:tcPr/>
+                </a:tc>
+                <a:tc>
+                  <a:txBody>
+                    <a:bodyPr/>
+                    <a:lstStyle/>
+                    <a:p>
+                      <a:r>
+                        <a:rPr lang="en-US" dirty="0"/>
+                        <a:t>0.29004047</a:t>
+                      </a:r>
+                    </a:p>
+                  </a:txBody>
+                  <a:tcPr/>
+                </a:tc>
+                <a:extLst>
+                  <a:ext uri="{0D108BD9-81ED-4DB2-BD59-A6C34878D82A}">
+                    <a16:rowId xmlns:a16="http://schemas.microsoft.com/office/drawing/2014/main" val="3283572519"/>
+                  </a:ext>
+                </a:extLst>
+              </a:tr>
+              <a:tr h="370840">
+                <a:tc>
+                  <a:txBody>
+                    <a:bodyPr/>
+                    <a:lstStyle/>
+                    <a:p>
+                      <a:r>
+                        <a:rPr lang="en-US" dirty="0"/>
+                        <a:t>T_23</a:t>
+                      </a:r>
+                    </a:p>
+                  </a:txBody>
+                  <a:tcPr/>
+                </a:tc>
+                <a:tc>
+                  <a:txBody>
+                    <a:bodyPr/>
+                    <a:lstStyle/>
+                    <a:p>
+                      <a:r>
+                        <a:rPr lang="en-US" dirty="0"/>
+                        <a:t>N/A</a:t>
+                      </a:r>
+                    </a:p>
+                  </a:txBody>
+                  <a:tcPr/>
+                </a:tc>
+                <a:tc>
+                  <a:txBody>
+                    <a:bodyPr/>
+                    <a:lstStyle/>
+                    <a:p>
+                      <a:r>
+                        <a:rPr lang="en-US" dirty="0"/>
+                        <a:t>N/A</a:t>
+                      </a:r>
+                    </a:p>
+                  </a:txBody>
+                  <a:tcPr/>
+                </a:tc>
+                <a:tc>
+                  <a:txBody>
+                    <a:bodyPr/>
+                    <a:lstStyle/>
+                    <a:p>
+                      <a:r>
+                        <a:rPr lang="en-US" dirty="0"/>
+                        <a:t>N/A</a:t>
+                      </a:r>
+                    </a:p>
+                  </a:txBody>
+                  <a:tcPr/>
+                </a:tc>
+                <a:tc>
+                  <a:txBody>
+                    <a:bodyPr/>
+                    <a:lstStyle/>
+                    <a:p>
+                      <a:r>
+                        <a:rPr lang="en-US" dirty="0"/>
+                        <a:t>0.38515666</a:t>
+                      </a:r>
+                    </a:p>
+                  </a:txBody>
+                  <a:tcPr/>
+                </a:tc>
+                <a:extLst>
+                  <a:ext uri="{0D108BD9-81ED-4DB2-BD59-A6C34878D82A}">
+                    <a16:rowId xmlns:a16="http://schemas.microsoft.com/office/drawing/2014/main" val="2422470866"/>
+                  </a:ext>
+                </a:extLst>
+              </a:tr>
+            </a:tbl>
+          </a:graphicData>
+        </a:graphic>
+      </p:graphicFrame>
+      <p:sp>
+        <p:nvSpPr>
+          <p:cNvPr id="7" name="TextBox 6">
+            <a:extLst>
+              <a:ext uri="{FF2B5EF4-FFF2-40B4-BE49-F238E27FC236}">
+                <a16:creationId xmlns:a16="http://schemas.microsoft.com/office/drawing/2014/main" id="{8769094E-C9E5-486A-8807-B68125BFE64A}"/>
+              </a:ext>
+            </a:extLst>
+          </p:cNvPr>
+          <p:cNvSpPr txBox="1"/>
+          <p:nvPr/>
+        </p:nvSpPr>
+        <p:spPr>
+          <a:xfrm>
+            <a:off x="7096453" y="1690688"/>
+            <a:ext cx="5095547" cy="1754326"/>
+          </a:xfrm>
+          <a:prstGeom prst="rect">
+            <a:avLst/>
+          </a:prstGeom>
+          <a:noFill/>
+        </p:spPr>
+        <p:txBody>
+          <a:bodyPr wrap="square" rtlCol="0">
+            <a:spAutoFit/>
+          </a:bodyPr>
+          <a:lstStyle/>
+          <a:p>
+            <a:pPr marL="285750" indent="-285750">
+              <a:buFont typeface="Arial" panose="020B0604020202020204" pitchFamily="34" charset="0"/>
+              <a:buChar char="•"/>
+            </a:pPr>
+            <a:r>
+              <a:rPr lang="en-US" dirty="0" err="1"/>
+              <a:t>Nu_a</a:t>
+            </a:r>
+            <a:r>
+              <a:rPr lang="en-US" dirty="0"/>
+              <a:t>: contemporary population relative to ancestral population before first epoch</a:t>
+            </a:r>
+          </a:p>
+          <a:p>
+            <a:pPr marL="285750" indent="-285750">
+              <a:buFont typeface="Arial" panose="020B0604020202020204" pitchFamily="34" charset="0"/>
+              <a:buChar char="•"/>
+            </a:pPr>
+            <a:r>
+              <a:rPr lang="en-US" dirty="0" err="1"/>
+              <a:t>Nu_b</a:t>
+            </a:r>
+            <a:r>
+              <a:rPr lang="en-US" dirty="0"/>
+              <a:t>: contemporary population relative to ancestral population before second epoch</a:t>
+            </a:r>
+          </a:p>
+          <a:p>
+            <a:pPr marL="285750" indent="-285750">
+              <a:buFont typeface="Arial" panose="020B0604020202020204" pitchFamily="34" charset="0"/>
+              <a:buChar char="•"/>
+            </a:pPr>
+            <a:r>
+              <a:rPr lang="en-US" dirty="0"/>
+              <a:t>T_1: Duration of first epoch (units of 2 * </a:t>
+            </a:r>
+            <a:r>
+              <a:rPr lang="en-US" dirty="0" err="1"/>
+              <a:t>N_a</a:t>
+            </a:r>
+            <a:r>
+              <a:rPr lang="en-US" dirty="0"/>
+              <a:t>)</a:t>
+            </a:r>
+          </a:p>
+          <a:p>
+            <a:pPr marL="285750" indent="-285750">
+              <a:buFont typeface="Arial" panose="020B0604020202020204" pitchFamily="34" charset="0"/>
+              <a:buChar char="•"/>
+            </a:pPr>
+            <a:r>
+              <a:rPr lang="en-US" dirty="0"/>
+              <a:t>T_2: Duration of second epoch (units of 2 * </a:t>
+            </a:r>
+            <a:r>
+              <a:rPr lang="en-US" dirty="0" err="1"/>
+              <a:t>N_a</a:t>
+            </a:r>
+            <a:r>
+              <a:rPr lang="en-US" dirty="0"/>
+              <a:t>)</a:t>
+            </a:r>
+          </a:p>
+        </p:txBody>
+      </p:sp>
     </p:spTree>
     <p:extLst>
       <p:ext uri="{BB962C8B-B14F-4D97-AF65-F5344CB8AC3E}">
-        <p14:creationId xmlns:p14="http://schemas.microsoft.com/office/powerpoint/2010/main" val="2158360289"/>
+        <p14:creationId xmlns:p14="http://schemas.microsoft.com/office/powerpoint/2010/main" val="534063524"/>
       </p:ext>
     </p:extLst>
   </p:cSld>
@@ -5374,7 +8120,7 @@
           <p:cNvPr id="2" name="Title 1">
             <a:extLst>
               <a:ext uri="{FF2B5EF4-FFF2-40B4-BE49-F238E27FC236}">
-                <a16:creationId xmlns:a16="http://schemas.microsoft.com/office/drawing/2014/main" id="{9C91C0AA-C083-4488-8B2B-78453C8EDC36}"/>
+                <a16:creationId xmlns:a16="http://schemas.microsoft.com/office/drawing/2014/main" id="{FC0C9624-1DBB-4B7A-B446-0EC6DD7756EB}"/>
               </a:ext>
             </a:extLst>
           </p:cNvPr>
@@ -5391,12 +8137,16 @@
           <a:lstStyle/>
           <a:p>
             <a:r>
+              <a:rPr lang="en-US" dirty="0" err="1"/>
+              <a:t>Alistipes</a:t>
+            </a:r>
+            <a:r>
               <a:rPr lang="en-US" dirty="0"/>
-              <a:t>SFS for E. </a:t>
+              <a:t> </a:t>
             </a:r>
             <a:r>
               <a:rPr lang="en-US" dirty="0" err="1"/>
-              <a:t>rectale</a:t>
+              <a:t>putredinis</a:t>
             </a:r>
             <a:endParaRPr lang="en-US" dirty="0"/>
           </a:p>
@@ -5404,10 +8154,10 @@
       </p:sp>
       <p:pic>
         <p:nvPicPr>
-          <p:cNvPr id="4" name="Picture 3">
-            <a:extLst>
-              <a:ext uri="{FF2B5EF4-FFF2-40B4-BE49-F238E27FC236}">
-                <a16:creationId xmlns:a16="http://schemas.microsoft.com/office/drawing/2014/main" id="{4307A9BB-8EE2-4934-B8A3-32CE318E24AD}"/>
+          <p:cNvPr id="5" name="Picture 4">
+            <a:extLst>
+              <a:ext uri="{FF2B5EF4-FFF2-40B4-BE49-F238E27FC236}">
+                <a16:creationId xmlns:a16="http://schemas.microsoft.com/office/drawing/2014/main" id="{F3BC6FCC-6644-42E6-95F0-9583E821429C}"/>
               </a:ext>
             </a:extLst>
           </p:cNvPr>
@@ -5424,18 +8174,709 @@
         </p:blipFill>
         <p:spPr>
           <a:xfrm>
-            <a:off x="0" y="1969129"/>
-            <a:ext cx="12192000" cy="4888871"/>
+            <a:off x="153870" y="1396409"/>
+            <a:ext cx="7272953" cy="3001130"/>
           </a:xfrm>
           <a:prstGeom prst="rect">
             <a:avLst/>
           </a:prstGeom>
         </p:spPr>
       </p:pic>
+      <p:graphicFrame>
+        <p:nvGraphicFramePr>
+          <p:cNvPr id="4" name="Table 4">
+            <a:extLst>
+              <a:ext uri="{FF2B5EF4-FFF2-40B4-BE49-F238E27FC236}">
+                <a16:creationId xmlns:a16="http://schemas.microsoft.com/office/drawing/2014/main" id="{CED22545-7642-43E5-9E8E-C73593CC5F0F}"/>
+              </a:ext>
+            </a:extLst>
+          </p:cNvPr>
+          <p:cNvGraphicFramePr>
+            <a:graphicFrameLocks noGrp="1"/>
+          </p:cNvGraphicFramePr>
+          <p:nvPr>
+            <p:ph idx="1"/>
+            <p:extLst>
+              <p:ext uri="{D42A27DB-BD31-4B8C-83A1-F6EECF244321}">
+                <p14:modId xmlns:p14="http://schemas.microsoft.com/office/powerpoint/2010/main" val="1777659312"/>
+              </p:ext>
+            </p:extLst>
+          </p:nvPr>
+        </p:nvGraphicFramePr>
+        <p:xfrm>
+          <a:off x="828368" y="4397539"/>
+          <a:ext cx="10515600" cy="2225040"/>
+        </p:xfrm>
+        <a:graphic>
+          <a:graphicData uri="http://schemas.openxmlformats.org/drawingml/2006/table">
+            <a:tbl>
+              <a:tblPr firstRow="1" bandRow="1">
+                <a:tableStyleId>{073A0DAA-6AF3-43AB-8588-CEC1D06C72B9}</a:tableStyleId>
+              </a:tblPr>
+              <a:tblGrid>
+                <a:gridCol w="2103120">
+                  <a:extLst>
+                    <a:ext uri="{9D8B030D-6E8A-4147-A177-3AD203B41FA5}">
+                      <a16:colId xmlns:a16="http://schemas.microsoft.com/office/drawing/2014/main" val="2900726404"/>
+                    </a:ext>
+                  </a:extLst>
+                </a:gridCol>
+                <a:gridCol w="2103120">
+                  <a:extLst>
+                    <a:ext uri="{9D8B030D-6E8A-4147-A177-3AD203B41FA5}">
+                      <a16:colId xmlns:a16="http://schemas.microsoft.com/office/drawing/2014/main" val="2297780930"/>
+                    </a:ext>
+                  </a:extLst>
+                </a:gridCol>
+                <a:gridCol w="2103120">
+                  <a:extLst>
+                    <a:ext uri="{9D8B030D-6E8A-4147-A177-3AD203B41FA5}">
+                      <a16:colId xmlns:a16="http://schemas.microsoft.com/office/drawing/2014/main" val="1352057416"/>
+                    </a:ext>
+                  </a:extLst>
+                </a:gridCol>
+                <a:gridCol w="2103120">
+                  <a:extLst>
+                    <a:ext uri="{9D8B030D-6E8A-4147-A177-3AD203B41FA5}">
+                      <a16:colId xmlns:a16="http://schemas.microsoft.com/office/drawing/2014/main" val="1457082074"/>
+                    </a:ext>
+                  </a:extLst>
+                </a:gridCol>
+                <a:gridCol w="2103120">
+                  <a:extLst>
+                    <a:ext uri="{9D8B030D-6E8A-4147-A177-3AD203B41FA5}">
+                      <a16:colId xmlns:a16="http://schemas.microsoft.com/office/drawing/2014/main" val="633438695"/>
+                    </a:ext>
+                  </a:extLst>
+                </a:gridCol>
+              </a:tblGrid>
+              <a:tr h="370840">
+                <a:tc>
+                  <a:txBody>
+                    <a:bodyPr/>
+                    <a:lstStyle/>
+                    <a:p>
+                      <a:r>
+                        <a:rPr lang="en-US" dirty="0"/>
+                        <a:t>Model</a:t>
+                      </a:r>
+                    </a:p>
+                  </a:txBody>
+                  <a:tcPr/>
+                </a:tc>
+                <a:tc>
+                  <a:txBody>
+                    <a:bodyPr/>
+                    <a:lstStyle/>
+                    <a:p>
+                      <a:r>
+                        <a:rPr lang="en-US" dirty="0"/>
+                        <a:t>Exponential growth</a:t>
+                      </a:r>
+                    </a:p>
+                  </a:txBody>
+                  <a:tcPr/>
+                </a:tc>
+                <a:tc>
+                  <a:txBody>
+                    <a:bodyPr/>
+                    <a:lstStyle/>
+                    <a:p>
+                      <a:r>
+                        <a:rPr lang="en-US" dirty="0"/>
+                        <a:t>Two-epoch</a:t>
+                      </a:r>
+                    </a:p>
+                  </a:txBody>
+                  <a:tcPr/>
+                </a:tc>
+                <a:tc>
+                  <a:txBody>
+                    <a:bodyPr/>
+                    <a:lstStyle/>
+                    <a:p>
+                      <a:r>
+                        <a:rPr lang="en-US" dirty="0"/>
+                        <a:t>Bottleneck + growth</a:t>
+                      </a:r>
+                    </a:p>
+                  </a:txBody>
+                  <a:tcPr/>
+                </a:tc>
+                <a:tc>
+                  <a:txBody>
+                    <a:bodyPr/>
+                    <a:lstStyle/>
+                    <a:p>
+                      <a:r>
+                        <a:rPr lang="en-US" dirty="0"/>
+                        <a:t>Three-epoch</a:t>
+                      </a:r>
+                    </a:p>
+                  </a:txBody>
+                  <a:tcPr/>
+                </a:tc>
+                <a:extLst>
+                  <a:ext uri="{0D108BD9-81ED-4DB2-BD59-A6C34878D82A}">
+                    <a16:rowId xmlns:a16="http://schemas.microsoft.com/office/drawing/2014/main" val="3143057051"/>
+                  </a:ext>
+                </a:extLst>
+              </a:tr>
+              <a:tr h="370840">
+                <a:tc>
+                  <a:txBody>
+                    <a:bodyPr/>
+                    <a:lstStyle/>
+                    <a:p>
+                      <a:r>
+                        <a:rPr lang="en-US" dirty="0"/>
+                        <a:t>Log Likelihood</a:t>
+                      </a:r>
+                    </a:p>
+                  </a:txBody>
+                  <a:tcPr/>
+                </a:tc>
+                <a:tc>
+                  <a:txBody>
+                    <a:bodyPr/>
+                    <a:lstStyle/>
+                    <a:p>
+                      <a:r>
+                        <a:rPr lang="en-US" dirty="0"/>
+                        <a:t>-417.014902652</a:t>
+                      </a:r>
+                    </a:p>
+                  </a:txBody>
+                  <a:tcPr/>
+                </a:tc>
+                <a:tc>
+                  <a:txBody>
+                    <a:bodyPr/>
+                    <a:lstStyle/>
+                    <a:p>
+                      <a:r>
+                        <a:rPr lang="en-US" dirty="0">
+                          <a:highlight>
+                            <a:srgbClr val="FFFF00"/>
+                          </a:highlight>
+                        </a:rPr>
+                        <a:t>-283.836375864</a:t>
+                      </a:r>
+                    </a:p>
+                  </a:txBody>
+                  <a:tcPr/>
+                </a:tc>
+                <a:tc>
+                  <a:txBody>
+                    <a:bodyPr/>
+                    <a:lstStyle/>
+                    <a:p>
+                      <a:r>
+                        <a:rPr lang="en-US" dirty="0">
+                          <a:solidFill>
+                            <a:srgbClr val="FF0000"/>
+                          </a:solidFill>
+                        </a:rPr>
+                        <a:t>-1666.69273895</a:t>
+                      </a:r>
+                      <a:endParaRPr lang="en-US" dirty="0">
+                        <a:solidFill>
+                          <a:srgbClr val="FF0000"/>
+                        </a:solidFill>
+                        <a:highlight>
+                          <a:srgbClr val="FFFF00"/>
+                        </a:highlight>
+                      </a:endParaRPr>
+                    </a:p>
+                  </a:txBody>
+                  <a:tcPr/>
+                </a:tc>
+                <a:tc>
+                  <a:txBody>
+                    <a:bodyPr/>
+                    <a:lstStyle/>
+                    <a:p>
+                      <a:r>
+                        <a:rPr lang="en-US" sz="1800" kern="1200" dirty="0">
+                          <a:solidFill>
+                            <a:srgbClr val="FF0000"/>
+                          </a:solidFill>
+                          <a:latin typeface="+mn-lt"/>
+                          <a:ea typeface="+mn-ea"/>
+                          <a:cs typeface="+mn-cs"/>
+                        </a:rPr>
+                        <a:t>-1670.63816752</a:t>
+                      </a:r>
+                      <a:endParaRPr lang="en-US" dirty="0">
+                        <a:solidFill>
+                          <a:srgbClr val="FF0000"/>
+                        </a:solidFill>
+                      </a:endParaRPr>
+                    </a:p>
+                  </a:txBody>
+                  <a:tcPr/>
+                </a:tc>
+                <a:extLst>
+                  <a:ext uri="{0D108BD9-81ED-4DB2-BD59-A6C34878D82A}">
+                    <a16:rowId xmlns:a16="http://schemas.microsoft.com/office/drawing/2014/main" val="3235037204"/>
+                  </a:ext>
+                </a:extLst>
+              </a:tr>
+              <a:tr h="370840">
+                <a:tc>
+                  <a:txBody>
+                    <a:bodyPr/>
+                    <a:lstStyle/>
+                    <a:p>
+                      <a:r>
+                        <a:rPr lang="en-US" dirty="0" err="1"/>
+                        <a:t>Nu_a</a:t>
+                      </a:r>
+                      <a:endParaRPr lang="en-US" dirty="0"/>
+                    </a:p>
+                  </a:txBody>
+                  <a:tcPr/>
+                </a:tc>
+                <a:tc>
+                  <a:txBody>
+                    <a:bodyPr/>
+                    <a:lstStyle/>
+                    <a:p>
+                      <a:r>
+                        <a:rPr lang="en-US" dirty="0"/>
+                        <a:t>37.70628513</a:t>
+                      </a:r>
+                    </a:p>
+                  </a:txBody>
+                  <a:tcPr/>
+                </a:tc>
+                <a:tc>
+                  <a:txBody>
+                    <a:bodyPr/>
+                    <a:lstStyle/>
+                    <a:p>
+                      <a:r>
+                        <a:rPr lang="en-US" dirty="0"/>
+                        <a:t>12.85982032</a:t>
+                      </a:r>
+                    </a:p>
+                  </a:txBody>
+                  <a:tcPr/>
+                </a:tc>
+                <a:tc>
+                  <a:txBody>
+                    <a:bodyPr/>
+                    <a:lstStyle/>
+                    <a:p>
+                      <a:r>
+                        <a:rPr lang="en-US" dirty="0">
+                          <a:solidFill>
+                            <a:srgbClr val="FF0000"/>
+                          </a:solidFill>
+                        </a:rPr>
+                        <a:t>2.72608089e-01</a:t>
+                      </a:r>
+                    </a:p>
+                  </a:txBody>
+                  <a:tcPr/>
+                </a:tc>
+                <a:tc>
+                  <a:txBody>
+                    <a:bodyPr/>
+                    <a:lstStyle/>
+                    <a:p>
+                      <a:r>
+                        <a:rPr lang="en-US" sz="1800" kern="1200" dirty="0">
+                          <a:solidFill>
+                            <a:srgbClr val="FF0000"/>
+                          </a:solidFill>
+                          <a:latin typeface="+mn-lt"/>
+                          <a:ea typeface="+mn-ea"/>
+                          <a:cs typeface="+mn-cs"/>
+                        </a:rPr>
+                        <a:t>0.40136306</a:t>
+                      </a:r>
+                      <a:endParaRPr lang="en-US" dirty="0">
+                        <a:solidFill>
+                          <a:srgbClr val="FF0000"/>
+                        </a:solidFill>
+                      </a:endParaRPr>
+                    </a:p>
+                  </a:txBody>
+                  <a:tcPr/>
+                </a:tc>
+                <a:extLst>
+                  <a:ext uri="{0D108BD9-81ED-4DB2-BD59-A6C34878D82A}">
+                    <a16:rowId xmlns:a16="http://schemas.microsoft.com/office/drawing/2014/main" val="2717148640"/>
+                  </a:ext>
+                </a:extLst>
+              </a:tr>
+              <a:tr h="370840">
+                <a:tc>
+                  <a:txBody>
+                    <a:bodyPr/>
+                    <a:lstStyle/>
+                    <a:p>
+                      <a:r>
+                        <a:rPr lang="en-US" dirty="0" err="1"/>
+                        <a:t>Nu_b</a:t>
+                      </a:r>
+                      <a:endParaRPr lang="en-US" dirty="0"/>
+                    </a:p>
+                  </a:txBody>
+                  <a:tcPr/>
+                </a:tc>
+                <a:tc>
+                  <a:txBody>
+                    <a:bodyPr/>
+                    <a:lstStyle/>
+                    <a:p>
+                      <a:r>
+                        <a:rPr lang="en-US" dirty="0"/>
+                        <a:t>N/A</a:t>
+                      </a:r>
+                    </a:p>
+                  </a:txBody>
+                  <a:tcPr/>
+                </a:tc>
+                <a:tc>
+                  <a:txBody>
+                    <a:bodyPr/>
+                    <a:lstStyle/>
+                    <a:p>
+                      <a:r>
+                        <a:rPr lang="en-US" dirty="0"/>
+                        <a:t>N/A</a:t>
+                      </a:r>
+                    </a:p>
+                  </a:txBody>
+                  <a:tcPr/>
+                </a:tc>
+                <a:tc>
+                  <a:txBody>
+                    <a:bodyPr/>
+                    <a:lstStyle/>
+                    <a:p>
+                      <a:r>
+                        <a:rPr lang="en-US" dirty="0">
+                          <a:solidFill>
+                            <a:srgbClr val="FF0000"/>
+                          </a:solidFill>
+                        </a:rPr>
+                        <a:t>2.93160455e-01</a:t>
+                      </a:r>
+                    </a:p>
+                  </a:txBody>
+                  <a:tcPr/>
+                </a:tc>
+                <a:tc>
+                  <a:txBody>
+                    <a:bodyPr/>
+                    <a:lstStyle/>
+                    <a:p>
+                      <a:r>
+                        <a:rPr lang="en-US" sz="1800" kern="1200" dirty="0">
+                          <a:solidFill>
+                            <a:srgbClr val="FF0000"/>
+                          </a:solidFill>
+                          <a:latin typeface="+mn-lt"/>
+                          <a:ea typeface="+mn-ea"/>
+                          <a:cs typeface="+mn-cs"/>
+                        </a:rPr>
+                        <a:t>0.749287</a:t>
+                      </a:r>
+                      <a:endParaRPr lang="en-US" dirty="0">
+                        <a:solidFill>
+                          <a:srgbClr val="FF0000"/>
+                        </a:solidFill>
+                      </a:endParaRPr>
+                    </a:p>
+                  </a:txBody>
+                  <a:tcPr/>
+                </a:tc>
+                <a:extLst>
+                  <a:ext uri="{0D108BD9-81ED-4DB2-BD59-A6C34878D82A}">
+                    <a16:rowId xmlns:a16="http://schemas.microsoft.com/office/drawing/2014/main" val="3992781458"/>
+                  </a:ext>
+                </a:extLst>
+              </a:tr>
+              <a:tr h="370840">
+                <a:tc>
+                  <a:txBody>
+                    <a:bodyPr/>
+                    <a:lstStyle/>
+                    <a:p>
+                      <a:r>
+                        <a:rPr lang="en-US" dirty="0"/>
+                        <a:t>T_12</a:t>
+                      </a:r>
+                    </a:p>
+                  </a:txBody>
+                  <a:tcPr/>
+                </a:tc>
+                <a:tc>
+                  <a:txBody>
+                    <a:bodyPr/>
+                    <a:lstStyle/>
+                    <a:p>
+                      <a:r>
+                        <a:rPr lang="en-US" dirty="0"/>
+                        <a:t>27.47992853</a:t>
+                      </a:r>
+                    </a:p>
+                  </a:txBody>
+                  <a:tcPr/>
+                </a:tc>
+                <a:tc>
+                  <a:txBody>
+                    <a:bodyPr/>
+                    <a:lstStyle/>
+                    <a:p>
+                      <a:r>
+                        <a:rPr lang="en-US" dirty="0"/>
+                        <a:t>5.26353859</a:t>
+                      </a:r>
+                    </a:p>
+                  </a:txBody>
+                  <a:tcPr/>
+                </a:tc>
+                <a:tc>
+                  <a:txBody>
+                    <a:bodyPr/>
+                    <a:lstStyle/>
+                    <a:p>
+                      <a:r>
+                        <a:rPr lang="en-US" dirty="0">
+                          <a:solidFill>
+                            <a:srgbClr val="FF0000"/>
+                          </a:solidFill>
+                        </a:rPr>
+                        <a:t>2.67384328e-09</a:t>
+                      </a:r>
+                    </a:p>
+                  </a:txBody>
+                  <a:tcPr/>
+                </a:tc>
+                <a:tc>
+                  <a:txBody>
+                    <a:bodyPr/>
+                    <a:lstStyle/>
+                    <a:p>
+                      <a:r>
+                        <a:rPr lang="en-US" sz="1800" kern="1200" dirty="0">
+                          <a:solidFill>
+                            <a:srgbClr val="FF0000"/>
+                          </a:solidFill>
+                          <a:latin typeface="+mn-lt"/>
+                          <a:ea typeface="+mn-ea"/>
+                          <a:cs typeface="+mn-cs"/>
+                        </a:rPr>
+                        <a:t>0.17426896</a:t>
+                      </a:r>
+                      <a:endParaRPr lang="en-US" dirty="0">
+                        <a:solidFill>
+                          <a:srgbClr val="FF0000"/>
+                        </a:solidFill>
+                      </a:endParaRPr>
+                    </a:p>
+                  </a:txBody>
+                  <a:tcPr/>
+                </a:tc>
+                <a:extLst>
+                  <a:ext uri="{0D108BD9-81ED-4DB2-BD59-A6C34878D82A}">
+                    <a16:rowId xmlns:a16="http://schemas.microsoft.com/office/drawing/2014/main" val="3283572519"/>
+                  </a:ext>
+                </a:extLst>
+              </a:tr>
+              <a:tr h="370840">
+                <a:tc>
+                  <a:txBody>
+                    <a:bodyPr/>
+                    <a:lstStyle/>
+                    <a:p>
+                      <a:r>
+                        <a:rPr lang="en-US" dirty="0"/>
+                        <a:t>T_23</a:t>
+                      </a:r>
+                    </a:p>
+                  </a:txBody>
+                  <a:tcPr/>
+                </a:tc>
+                <a:tc>
+                  <a:txBody>
+                    <a:bodyPr/>
+                    <a:lstStyle/>
+                    <a:p>
+                      <a:r>
+                        <a:rPr lang="en-US" dirty="0"/>
+                        <a:t>N/A</a:t>
+                      </a:r>
+                    </a:p>
+                  </a:txBody>
+                  <a:tcPr/>
+                </a:tc>
+                <a:tc>
+                  <a:txBody>
+                    <a:bodyPr/>
+                    <a:lstStyle/>
+                    <a:p>
+                      <a:r>
+                        <a:rPr lang="en-US" dirty="0"/>
+                        <a:t>N/A</a:t>
+                      </a:r>
+                    </a:p>
+                  </a:txBody>
+                  <a:tcPr/>
+                </a:tc>
+                <a:tc>
+                  <a:txBody>
+                    <a:bodyPr/>
+                    <a:lstStyle/>
+                    <a:p>
+                      <a:r>
+                        <a:rPr lang="en-US" dirty="0">
+                          <a:solidFill>
+                            <a:srgbClr val="FF0000"/>
+                          </a:solidFill>
+                        </a:rPr>
+                        <a:t>N/A</a:t>
+                      </a:r>
+                    </a:p>
+                  </a:txBody>
+                  <a:tcPr/>
+                </a:tc>
+                <a:tc>
+                  <a:txBody>
+                    <a:bodyPr/>
+                    <a:lstStyle/>
+                    <a:p>
+                      <a:r>
+                        <a:rPr lang="en-US" sz="1800" kern="1200" dirty="0">
+                          <a:solidFill>
+                            <a:srgbClr val="FF0000"/>
+                          </a:solidFill>
+                          <a:latin typeface="+mn-lt"/>
+                          <a:ea typeface="+mn-ea"/>
+                          <a:cs typeface="+mn-cs"/>
+                        </a:rPr>
+                        <a:t>0.09401605</a:t>
+                      </a:r>
+                      <a:endParaRPr lang="en-US" dirty="0">
+                        <a:solidFill>
+                          <a:srgbClr val="FF0000"/>
+                        </a:solidFill>
+                      </a:endParaRPr>
+                    </a:p>
+                  </a:txBody>
+                  <a:tcPr/>
+                </a:tc>
+                <a:extLst>
+                  <a:ext uri="{0D108BD9-81ED-4DB2-BD59-A6C34878D82A}">
+                    <a16:rowId xmlns:a16="http://schemas.microsoft.com/office/drawing/2014/main" val="2422470866"/>
+                  </a:ext>
+                </a:extLst>
+              </a:tr>
+            </a:tbl>
+          </a:graphicData>
+        </a:graphic>
+      </p:graphicFrame>
+      <p:sp>
+        <p:nvSpPr>
+          <p:cNvPr id="6" name="TextBox 5">
+            <a:extLst>
+              <a:ext uri="{FF2B5EF4-FFF2-40B4-BE49-F238E27FC236}">
+                <a16:creationId xmlns:a16="http://schemas.microsoft.com/office/drawing/2014/main" id="{7419C400-D799-4ACD-BC31-78961011E4A8}"/>
+              </a:ext>
+            </a:extLst>
+          </p:cNvPr>
+          <p:cNvSpPr txBox="1"/>
+          <p:nvPr/>
+        </p:nvSpPr>
+        <p:spPr>
+          <a:xfrm>
+            <a:off x="7096453" y="1690688"/>
+            <a:ext cx="5095547" cy="1754326"/>
+          </a:xfrm>
+          <a:prstGeom prst="rect">
+            <a:avLst/>
+          </a:prstGeom>
+          <a:noFill/>
+        </p:spPr>
+        <p:txBody>
+          <a:bodyPr wrap="square" rtlCol="0">
+            <a:spAutoFit/>
+          </a:bodyPr>
+          <a:lstStyle/>
+          <a:p>
+            <a:pPr marL="285750" indent="-285750">
+              <a:buFont typeface="Arial" panose="020B0604020202020204" pitchFamily="34" charset="0"/>
+              <a:buChar char="•"/>
+            </a:pPr>
+            <a:r>
+              <a:rPr lang="en-US" dirty="0" err="1"/>
+              <a:t>Nu_a</a:t>
+            </a:r>
+            <a:r>
+              <a:rPr lang="en-US" dirty="0"/>
+              <a:t>: contemporary population relative to ancestral population before first epoch</a:t>
+            </a:r>
+          </a:p>
+          <a:p>
+            <a:pPr marL="285750" indent="-285750">
+              <a:buFont typeface="Arial" panose="020B0604020202020204" pitchFamily="34" charset="0"/>
+              <a:buChar char="•"/>
+            </a:pPr>
+            <a:r>
+              <a:rPr lang="en-US" dirty="0" err="1"/>
+              <a:t>Nu_b</a:t>
+            </a:r>
+            <a:r>
+              <a:rPr lang="en-US" dirty="0"/>
+              <a:t>: contemporary population relative to ancestral population before second epoch</a:t>
+            </a:r>
+          </a:p>
+          <a:p>
+            <a:pPr marL="285750" indent="-285750">
+              <a:buFont typeface="Arial" panose="020B0604020202020204" pitchFamily="34" charset="0"/>
+              <a:buChar char="•"/>
+            </a:pPr>
+            <a:r>
+              <a:rPr lang="en-US" dirty="0"/>
+              <a:t>T_1: Duration of first epoch (units of 2 * </a:t>
+            </a:r>
+            <a:r>
+              <a:rPr lang="en-US" dirty="0" err="1"/>
+              <a:t>N_a</a:t>
+            </a:r>
+            <a:r>
+              <a:rPr lang="en-US" dirty="0"/>
+              <a:t>)</a:t>
+            </a:r>
+          </a:p>
+          <a:p>
+            <a:pPr marL="285750" indent="-285750">
+              <a:buFont typeface="Arial" panose="020B0604020202020204" pitchFamily="34" charset="0"/>
+              <a:buChar char="•"/>
+            </a:pPr>
+            <a:r>
+              <a:rPr lang="en-US" dirty="0"/>
+              <a:t>T_2: Duration of second epoch (units of 2 * </a:t>
+            </a:r>
+            <a:r>
+              <a:rPr lang="en-US" dirty="0" err="1"/>
+              <a:t>N_a</a:t>
+            </a:r>
+            <a:r>
+              <a:rPr lang="en-US" dirty="0"/>
+              <a:t>)</a:t>
+            </a:r>
+          </a:p>
+        </p:txBody>
+      </p:sp>
     </p:spTree>
     <p:extLst>
       <p:ext uri="{BB962C8B-B14F-4D97-AF65-F5344CB8AC3E}">
-        <p14:creationId xmlns:p14="http://schemas.microsoft.com/office/powerpoint/2010/main" val="4212762637"/>
+        <p14:creationId xmlns:p14="http://schemas.microsoft.com/office/powerpoint/2010/main" val="151847977"/>
       </p:ext>
     </p:extLst>
   </p:cSld>

--- a/Summary/20210118_demo_for_ccgb_rotation_update.pptx
+++ b/Summary/20210118_demo_for_ccgb_rotation_update.pptx
@@ -5,7 +5,7 @@
     <p:sldMasterId id="2147483648" r:id="rId1"/>
   </p:sldMasterIdLst>
   <p:notesMasterIdLst>
-    <p:notesMasterId r:id="rId15"/>
+    <p:notesMasterId r:id="rId20"/>
   </p:notesMasterIdLst>
   <p:sldIdLst>
     <p:sldId id="256" r:id="rId2"/>
@@ -19,8 +19,13 @@
     <p:sldId id="292" r:id="rId10"/>
     <p:sldId id="294" r:id="rId11"/>
     <p:sldId id="296" r:id="rId12"/>
-    <p:sldId id="278" r:id="rId13"/>
-    <p:sldId id="273" r:id="rId14"/>
+    <p:sldId id="301" r:id="rId13"/>
+    <p:sldId id="297" r:id="rId14"/>
+    <p:sldId id="298" r:id="rId15"/>
+    <p:sldId id="299" r:id="rId16"/>
+    <p:sldId id="300" r:id="rId17"/>
+    <p:sldId id="278" r:id="rId18"/>
+    <p:sldId id="273" r:id="rId19"/>
   </p:sldIdLst>
   <p:sldSz cx="12192000" cy="6858000"/>
   <p:notesSz cx="6858000" cy="9144000"/>
@@ -135,6 +140,11 @@
             <p14:sldId id="292"/>
             <p14:sldId id="294"/>
             <p14:sldId id="296"/>
+            <p14:sldId id="301"/>
+            <p14:sldId id="297"/>
+            <p14:sldId id="298"/>
+            <p14:sldId id="299"/>
+            <p14:sldId id="300"/>
             <p14:sldId id="278"/>
             <p14:sldId id="273"/>
           </p14:sldIdLst>
@@ -230,7 +240,7 @@
           <a:p>
             <a:fld id="{2F446724-7A58-4020-9182-8374F0305DD3}" type="datetimeFigureOut">
               <a:rPr lang="en-US" smtClean="0"/>
-              <a:t>1/18/2021</a:t>
+              <a:t>1/19/2021</a:t>
             </a:fld>
             <a:endParaRPr lang="en-US"/>
           </a:p>
@@ -730,7 +740,7 @@
           <a:p>
             <a:fld id="{9D984E8B-8157-4976-ABDF-6DA2CAC3440F}" type="slidenum">
               <a:rPr lang="en-US" smtClean="0"/>
-              <a:t>12</a:t>
+              <a:t>17</a:t>
             </a:fld>
             <a:endParaRPr lang="en-US"/>
           </a:p>
@@ -896,7 +906,7 @@
           <a:p>
             <a:fld id="{6A6E4237-9E27-40CF-A4D8-1330F92F21DA}" type="datetimeFigureOut">
               <a:rPr lang="en-US" smtClean="0"/>
-              <a:t>1/18/2021</a:t>
+              <a:t>1/19/2021</a:t>
             </a:fld>
             <a:endParaRPr lang="en-US"/>
           </a:p>
@@ -1094,7 +1104,7 @@
           <a:p>
             <a:fld id="{6A6E4237-9E27-40CF-A4D8-1330F92F21DA}" type="datetimeFigureOut">
               <a:rPr lang="en-US" smtClean="0"/>
-              <a:t>1/18/2021</a:t>
+              <a:t>1/19/2021</a:t>
             </a:fld>
             <a:endParaRPr lang="en-US"/>
           </a:p>
@@ -1302,7 +1312,7 @@
           <a:p>
             <a:fld id="{6A6E4237-9E27-40CF-A4D8-1330F92F21DA}" type="datetimeFigureOut">
               <a:rPr lang="en-US" smtClean="0"/>
-              <a:t>1/18/2021</a:t>
+              <a:t>1/19/2021</a:t>
             </a:fld>
             <a:endParaRPr lang="en-US"/>
           </a:p>
@@ -1500,7 +1510,7 @@
           <a:p>
             <a:fld id="{6A6E4237-9E27-40CF-A4D8-1330F92F21DA}" type="datetimeFigureOut">
               <a:rPr lang="en-US" smtClean="0"/>
-              <a:t>1/18/2021</a:t>
+              <a:t>1/19/2021</a:t>
             </a:fld>
             <a:endParaRPr lang="en-US"/>
           </a:p>
@@ -1775,7 +1785,7 @@
           <a:p>
             <a:fld id="{6A6E4237-9E27-40CF-A4D8-1330F92F21DA}" type="datetimeFigureOut">
               <a:rPr lang="en-US" smtClean="0"/>
-              <a:t>1/18/2021</a:t>
+              <a:t>1/19/2021</a:t>
             </a:fld>
             <a:endParaRPr lang="en-US"/>
           </a:p>
@@ -2040,7 +2050,7 @@
           <a:p>
             <a:fld id="{6A6E4237-9E27-40CF-A4D8-1330F92F21DA}" type="datetimeFigureOut">
               <a:rPr lang="en-US" smtClean="0"/>
-              <a:t>1/18/2021</a:t>
+              <a:t>1/19/2021</a:t>
             </a:fld>
             <a:endParaRPr lang="en-US"/>
           </a:p>
@@ -2452,7 +2462,7 @@
           <a:p>
             <a:fld id="{6A6E4237-9E27-40CF-A4D8-1330F92F21DA}" type="datetimeFigureOut">
               <a:rPr lang="en-US" smtClean="0"/>
-              <a:t>1/18/2021</a:t>
+              <a:t>1/19/2021</a:t>
             </a:fld>
             <a:endParaRPr lang="en-US"/>
           </a:p>
@@ -2593,7 +2603,7 @@
           <a:p>
             <a:fld id="{6A6E4237-9E27-40CF-A4D8-1330F92F21DA}" type="datetimeFigureOut">
               <a:rPr lang="en-US" smtClean="0"/>
-              <a:t>1/18/2021</a:t>
+              <a:t>1/19/2021</a:t>
             </a:fld>
             <a:endParaRPr lang="en-US"/>
           </a:p>
@@ -2706,7 +2716,7 @@
           <a:p>
             <a:fld id="{6A6E4237-9E27-40CF-A4D8-1330F92F21DA}" type="datetimeFigureOut">
               <a:rPr lang="en-US" smtClean="0"/>
-              <a:t>1/18/2021</a:t>
+              <a:t>1/19/2021</a:t>
             </a:fld>
             <a:endParaRPr lang="en-US"/>
           </a:p>
@@ -3017,7 +3027,7 @@
           <a:p>
             <a:fld id="{6A6E4237-9E27-40CF-A4D8-1330F92F21DA}" type="datetimeFigureOut">
               <a:rPr lang="en-US" smtClean="0"/>
-              <a:t>1/18/2021</a:t>
+              <a:t>1/19/2021</a:t>
             </a:fld>
             <a:endParaRPr lang="en-US"/>
           </a:p>
@@ -3305,7 +3315,7 @@
           <a:p>
             <a:fld id="{6A6E4237-9E27-40CF-A4D8-1330F92F21DA}" type="datetimeFigureOut">
               <a:rPr lang="en-US" smtClean="0"/>
-              <a:t>1/18/2021</a:t>
+              <a:t>1/19/2021</a:t>
             </a:fld>
             <a:endParaRPr lang="en-US"/>
           </a:p>
@@ -3546,7 +3556,7 @@
           <a:p>
             <a:fld id="{6A6E4237-9E27-40CF-A4D8-1330F92F21DA}" type="datetimeFigureOut">
               <a:rPr lang="en-US" smtClean="0"/>
-              <a:t>1/18/2021</a:t>
+              <a:t>1/19/2021</a:t>
             </a:fld>
             <a:endParaRPr lang="en-US"/>
           </a:p>
@@ -5526,6 +5536,2956 @@
           <p:cNvPr id="2" name="Title 1">
             <a:extLst>
               <a:ext uri="{FF2B5EF4-FFF2-40B4-BE49-F238E27FC236}">
+                <a16:creationId xmlns:a16="http://schemas.microsoft.com/office/drawing/2014/main" id="{4E7C8A13-C707-46A2-BC69-3C661F012169}"/>
+              </a:ext>
+            </a:extLst>
+          </p:cNvPr>
+          <p:cNvSpPr>
+            <a:spLocks noGrp="1"/>
+          </p:cNvSpPr>
+          <p:nvPr>
+            <p:ph type="title"/>
+          </p:nvPr>
+        </p:nvSpPr>
+        <p:spPr/>
+        <p:txBody>
+          <a:bodyPr/>
+          <a:lstStyle/>
+          <a:p>
+            <a:r>
+              <a:rPr lang="en-US" dirty="0"/>
+              <a:t>Chalkboard math / diagrams</a:t>
+            </a:r>
+          </a:p>
+        </p:txBody>
+      </p:sp>
+      <p:sp>
+        <p:nvSpPr>
+          <p:cNvPr id="3" name="Content Placeholder 2">
+            <a:extLst>
+              <a:ext uri="{FF2B5EF4-FFF2-40B4-BE49-F238E27FC236}">
+                <a16:creationId xmlns:a16="http://schemas.microsoft.com/office/drawing/2014/main" id="{B18460D9-A3E1-4C79-AD4E-025D95C13914}"/>
+              </a:ext>
+            </a:extLst>
+          </p:cNvPr>
+          <p:cNvSpPr>
+            <a:spLocks noGrp="1"/>
+          </p:cNvSpPr>
+          <p:nvPr>
+            <p:ph idx="1"/>
+          </p:nvPr>
+        </p:nvSpPr>
+        <p:spPr/>
+        <p:txBody>
+          <a:bodyPr/>
+          <a:lstStyle/>
+          <a:p>
+            <a:r>
+              <a:rPr lang="en-US" dirty="0"/>
+              <a:t>Assuming mutation rate is 1e-9 for bacteria in general.</a:t>
+            </a:r>
+          </a:p>
+          <a:p>
+            <a:r>
+              <a:rPr lang="en-US" dirty="0"/>
+              <a:t>Each species and each model has a different inferred optimal theta</a:t>
+            </a:r>
+          </a:p>
+          <a:p>
+            <a:r>
+              <a:rPr lang="en-US" dirty="0"/>
+              <a:t>Theta = 4 * </a:t>
+            </a:r>
+            <a:r>
+              <a:rPr lang="en-US" dirty="0" err="1"/>
+              <a:t>N_e</a:t>
+            </a:r>
+            <a:r>
+              <a:rPr lang="en-US" dirty="0"/>
+              <a:t> * mu</a:t>
+            </a:r>
+          </a:p>
+          <a:p>
+            <a:pPr lvl="1"/>
+            <a:r>
+              <a:rPr lang="en-US" dirty="0" err="1"/>
+              <a:t>N_e</a:t>
+            </a:r>
+            <a:r>
+              <a:rPr lang="en-US" dirty="0"/>
+              <a:t> = Theta / (4 * mu) = Theta * 1e9 / 4</a:t>
+            </a:r>
+          </a:p>
+          <a:p>
+            <a:r>
+              <a:rPr lang="en-US" dirty="0">
+                <a:solidFill>
+                  <a:srgbClr val="FF0000"/>
+                </a:solidFill>
+              </a:rPr>
+              <a:t>B. </a:t>
+            </a:r>
+            <a:r>
+              <a:rPr lang="en-US" dirty="0" err="1">
+                <a:solidFill>
+                  <a:srgbClr val="FF0000"/>
+                </a:solidFill>
+              </a:rPr>
+              <a:t>vulgatus</a:t>
+            </a:r>
+            <a:r>
+              <a:rPr lang="en-US" dirty="0"/>
+              <a:t>, </a:t>
+            </a:r>
+            <a:r>
+              <a:rPr lang="en-US" dirty="0">
+                <a:solidFill>
+                  <a:schemeClr val="accent2"/>
+                </a:solidFill>
+              </a:rPr>
+              <a:t>B. </a:t>
+            </a:r>
+            <a:r>
+              <a:rPr lang="en-US" dirty="0" err="1">
+                <a:solidFill>
+                  <a:schemeClr val="accent2"/>
+                </a:solidFill>
+              </a:rPr>
+              <a:t>ovatus</a:t>
+            </a:r>
+            <a:r>
+              <a:rPr lang="en-US" dirty="0"/>
+              <a:t>, </a:t>
+            </a:r>
+            <a:r>
+              <a:rPr lang="en-US" dirty="0">
+                <a:solidFill>
+                  <a:schemeClr val="accent6"/>
+                </a:solidFill>
+              </a:rPr>
+              <a:t>A. </a:t>
+            </a:r>
+            <a:r>
+              <a:rPr lang="en-US" dirty="0" err="1">
+                <a:solidFill>
+                  <a:schemeClr val="accent6"/>
+                </a:solidFill>
+              </a:rPr>
+              <a:t>putredinis</a:t>
+            </a:r>
+            <a:r>
+              <a:rPr lang="en-US" dirty="0"/>
+              <a:t>, </a:t>
+            </a:r>
+            <a:r>
+              <a:rPr lang="en-US" dirty="0">
+                <a:solidFill>
+                  <a:schemeClr val="accent1"/>
+                </a:solidFill>
+              </a:rPr>
+              <a:t>B. </a:t>
+            </a:r>
+            <a:r>
+              <a:rPr lang="en-US" dirty="0" err="1">
+                <a:solidFill>
+                  <a:schemeClr val="accent1"/>
+                </a:solidFill>
+              </a:rPr>
+              <a:t>uniformis</a:t>
+            </a:r>
+            <a:r>
+              <a:rPr lang="en-US" dirty="0"/>
+              <a:t>, </a:t>
+            </a:r>
+            <a:r>
+              <a:rPr lang="en-US" dirty="0">
+                <a:solidFill>
+                  <a:srgbClr val="7030A0"/>
+                </a:solidFill>
+              </a:rPr>
+              <a:t>E. </a:t>
+            </a:r>
+            <a:r>
+              <a:rPr lang="en-US" dirty="0" err="1">
+                <a:solidFill>
+                  <a:srgbClr val="7030A0"/>
+                </a:solidFill>
+              </a:rPr>
+              <a:t>rectale</a:t>
+            </a:r>
+            <a:endParaRPr lang="en-US" dirty="0">
+              <a:solidFill>
+                <a:srgbClr val="7030A0"/>
+              </a:solidFill>
+            </a:endParaRPr>
+          </a:p>
+        </p:txBody>
+      </p:sp>
+    </p:spTree>
+    <p:extLst>
+      <p:ext uri="{BB962C8B-B14F-4D97-AF65-F5344CB8AC3E}">
+        <p14:creationId xmlns:p14="http://schemas.microsoft.com/office/powerpoint/2010/main" val="395583852"/>
+      </p:ext>
+    </p:extLst>
+  </p:cSld>
+  <p:clrMapOvr>
+    <a:masterClrMapping/>
+  </p:clrMapOvr>
+</p:sld>
+</file>
+
+<file path=ppt/slides/slide13.xml><?xml version="1.0" encoding="utf-8"?>
+<p:sld xmlns:a="http://schemas.openxmlformats.org/drawingml/2006/main" xmlns:r="http://schemas.openxmlformats.org/officeDocument/2006/relationships" xmlns:p="http://schemas.openxmlformats.org/presentationml/2006/main">
+  <p:cSld>
+    <p:spTree>
+      <p:nvGrpSpPr>
+        <p:cNvPr id="1" name=""/>
+        <p:cNvGrpSpPr/>
+        <p:nvPr/>
+      </p:nvGrpSpPr>
+      <p:grpSpPr>
+        <a:xfrm>
+          <a:off x="0" y="0"/>
+          <a:ext cx="0" cy="0"/>
+          <a:chOff x="0" y="0"/>
+          <a:chExt cx="0" cy="0"/>
+        </a:xfrm>
+      </p:grpSpPr>
+      <p:sp>
+        <p:nvSpPr>
+          <p:cNvPr id="2" name="Title 1">
+            <a:extLst>
+              <a:ext uri="{FF2B5EF4-FFF2-40B4-BE49-F238E27FC236}">
+                <a16:creationId xmlns:a16="http://schemas.microsoft.com/office/drawing/2014/main" id="{4EFD4206-1543-4F6F-B3C7-A1E640BFDB4D}"/>
+              </a:ext>
+            </a:extLst>
+          </p:cNvPr>
+          <p:cNvSpPr>
+            <a:spLocks noGrp="1"/>
+          </p:cNvSpPr>
+          <p:nvPr>
+            <p:ph type="title"/>
+          </p:nvPr>
+        </p:nvSpPr>
+        <p:spPr/>
+        <p:txBody>
+          <a:bodyPr/>
+          <a:lstStyle/>
+          <a:p>
+            <a:r>
+              <a:rPr lang="en-US" dirty="0"/>
+              <a:t>Bottleneck growth demographic diagram</a:t>
+            </a:r>
+          </a:p>
+        </p:txBody>
+      </p:sp>
+      <p:cxnSp>
+        <p:nvCxnSpPr>
+          <p:cNvPr id="5" name="Straight Connector 4">
+            <a:extLst>
+              <a:ext uri="{FF2B5EF4-FFF2-40B4-BE49-F238E27FC236}">
+                <a16:creationId xmlns:a16="http://schemas.microsoft.com/office/drawing/2014/main" id="{C1544FAD-5F45-456C-B3DD-1BC1B146A911}"/>
+              </a:ext>
+            </a:extLst>
+          </p:cNvPr>
+          <p:cNvCxnSpPr/>
+          <p:nvPr/>
+        </p:nvCxnSpPr>
+        <p:spPr>
+          <a:xfrm>
+            <a:off x="3942735" y="1543664"/>
+            <a:ext cx="0" cy="2458065"/>
+          </a:xfrm>
+          <a:prstGeom prst="line">
+            <a:avLst/>
+          </a:prstGeom>
+          <a:ln w="76200"/>
+        </p:spPr>
+        <p:style>
+          <a:lnRef idx="1">
+            <a:schemeClr val="dk1"/>
+          </a:lnRef>
+          <a:fillRef idx="0">
+            <a:schemeClr val="dk1"/>
+          </a:fillRef>
+          <a:effectRef idx="0">
+            <a:schemeClr val="dk1"/>
+          </a:effectRef>
+          <a:fontRef idx="minor">
+            <a:schemeClr val="tx1"/>
+          </a:fontRef>
+        </p:style>
+      </p:cxnSp>
+      <p:cxnSp>
+        <p:nvCxnSpPr>
+          <p:cNvPr id="6" name="Straight Connector 5">
+            <a:extLst>
+              <a:ext uri="{FF2B5EF4-FFF2-40B4-BE49-F238E27FC236}">
+                <a16:creationId xmlns:a16="http://schemas.microsoft.com/office/drawing/2014/main" id="{231F50B6-8B5D-495D-AB77-56F18E53A325}"/>
+              </a:ext>
+            </a:extLst>
+          </p:cNvPr>
+          <p:cNvCxnSpPr/>
+          <p:nvPr/>
+        </p:nvCxnSpPr>
+        <p:spPr>
+          <a:xfrm>
+            <a:off x="7192296" y="1543664"/>
+            <a:ext cx="0" cy="2458065"/>
+          </a:xfrm>
+          <a:prstGeom prst="line">
+            <a:avLst/>
+          </a:prstGeom>
+          <a:ln w="76200"/>
+        </p:spPr>
+        <p:style>
+          <a:lnRef idx="1">
+            <a:schemeClr val="dk1"/>
+          </a:lnRef>
+          <a:fillRef idx="0">
+            <a:schemeClr val="dk1"/>
+          </a:fillRef>
+          <a:effectRef idx="0">
+            <a:schemeClr val="dk1"/>
+          </a:effectRef>
+          <a:fontRef idx="minor">
+            <a:schemeClr val="tx1"/>
+          </a:fontRef>
+        </p:style>
+      </p:cxnSp>
+      <p:cxnSp>
+        <p:nvCxnSpPr>
+          <p:cNvPr id="7" name="Straight Connector 6">
+            <a:extLst>
+              <a:ext uri="{FF2B5EF4-FFF2-40B4-BE49-F238E27FC236}">
+                <a16:creationId xmlns:a16="http://schemas.microsoft.com/office/drawing/2014/main" id="{FE4C61AC-A620-458A-BF4E-0F71BB2CAA26}"/>
+              </a:ext>
+            </a:extLst>
+          </p:cNvPr>
+          <p:cNvCxnSpPr>
+            <a:cxnSpLocks/>
+          </p:cNvCxnSpPr>
+          <p:nvPr/>
+        </p:nvCxnSpPr>
+        <p:spPr>
+          <a:xfrm>
+            <a:off x="3903407" y="4001729"/>
+            <a:ext cx="938982" cy="0"/>
+          </a:xfrm>
+          <a:prstGeom prst="line">
+            <a:avLst/>
+          </a:prstGeom>
+          <a:ln w="76200"/>
+        </p:spPr>
+        <p:style>
+          <a:lnRef idx="1">
+            <a:schemeClr val="dk1"/>
+          </a:lnRef>
+          <a:fillRef idx="0">
+            <a:schemeClr val="dk1"/>
+          </a:fillRef>
+          <a:effectRef idx="0">
+            <a:schemeClr val="dk1"/>
+          </a:effectRef>
+          <a:fontRef idx="minor">
+            <a:schemeClr val="tx1"/>
+          </a:fontRef>
+        </p:style>
+      </p:cxnSp>
+      <p:cxnSp>
+        <p:nvCxnSpPr>
+          <p:cNvPr id="10" name="Straight Connector 9">
+            <a:extLst>
+              <a:ext uri="{FF2B5EF4-FFF2-40B4-BE49-F238E27FC236}">
+                <a16:creationId xmlns:a16="http://schemas.microsoft.com/office/drawing/2014/main" id="{1416584C-D221-4B52-9F10-10878B418DB5}"/>
+              </a:ext>
+            </a:extLst>
+          </p:cNvPr>
+          <p:cNvCxnSpPr>
+            <a:cxnSpLocks/>
+          </p:cNvCxnSpPr>
+          <p:nvPr/>
+        </p:nvCxnSpPr>
+        <p:spPr>
+          <a:xfrm>
+            <a:off x="6282810" y="3972233"/>
+            <a:ext cx="938982" cy="0"/>
+          </a:xfrm>
+          <a:prstGeom prst="line">
+            <a:avLst/>
+          </a:prstGeom>
+          <a:ln w="76200"/>
+        </p:spPr>
+        <p:style>
+          <a:lnRef idx="1">
+            <a:schemeClr val="dk1"/>
+          </a:lnRef>
+          <a:fillRef idx="0">
+            <a:schemeClr val="dk1"/>
+          </a:fillRef>
+          <a:effectRef idx="0">
+            <a:schemeClr val="dk1"/>
+          </a:effectRef>
+          <a:fontRef idx="minor">
+            <a:schemeClr val="tx1"/>
+          </a:fontRef>
+        </p:style>
+      </p:cxnSp>
+      <p:cxnSp>
+        <p:nvCxnSpPr>
+          <p:cNvPr id="11" name="Straight Connector 10">
+            <a:extLst>
+              <a:ext uri="{FF2B5EF4-FFF2-40B4-BE49-F238E27FC236}">
+                <a16:creationId xmlns:a16="http://schemas.microsoft.com/office/drawing/2014/main" id="{A499C3B0-8B4F-4BA2-88D6-B16C837227FF}"/>
+              </a:ext>
+            </a:extLst>
+          </p:cNvPr>
+          <p:cNvCxnSpPr>
+            <a:cxnSpLocks/>
+          </p:cNvCxnSpPr>
+          <p:nvPr/>
+        </p:nvCxnSpPr>
+        <p:spPr>
+          <a:xfrm>
+            <a:off x="4817808" y="3972233"/>
+            <a:ext cx="0" cy="934064"/>
+          </a:xfrm>
+          <a:prstGeom prst="line">
+            <a:avLst/>
+          </a:prstGeom>
+          <a:ln w="76200"/>
+        </p:spPr>
+        <p:style>
+          <a:lnRef idx="1">
+            <a:schemeClr val="dk1"/>
+          </a:lnRef>
+          <a:fillRef idx="0">
+            <a:schemeClr val="dk1"/>
+          </a:fillRef>
+          <a:effectRef idx="0">
+            <a:schemeClr val="dk1"/>
+          </a:effectRef>
+          <a:fontRef idx="minor">
+            <a:schemeClr val="tx1"/>
+          </a:fontRef>
+        </p:style>
+      </p:cxnSp>
+      <p:cxnSp>
+        <p:nvCxnSpPr>
+          <p:cNvPr id="14" name="Straight Connector 13">
+            <a:extLst>
+              <a:ext uri="{FF2B5EF4-FFF2-40B4-BE49-F238E27FC236}">
+                <a16:creationId xmlns:a16="http://schemas.microsoft.com/office/drawing/2014/main" id="{18F931B6-1D3C-4517-9C38-420A2EB75543}"/>
+              </a:ext>
+            </a:extLst>
+          </p:cNvPr>
+          <p:cNvCxnSpPr>
+            <a:cxnSpLocks/>
+          </p:cNvCxnSpPr>
+          <p:nvPr/>
+        </p:nvCxnSpPr>
+        <p:spPr>
+          <a:xfrm>
+            <a:off x="6282810" y="3932905"/>
+            <a:ext cx="0" cy="934064"/>
+          </a:xfrm>
+          <a:prstGeom prst="line">
+            <a:avLst/>
+          </a:prstGeom>
+          <a:ln w="76200"/>
+        </p:spPr>
+        <p:style>
+          <a:lnRef idx="1">
+            <a:schemeClr val="dk1"/>
+          </a:lnRef>
+          <a:fillRef idx="0">
+            <a:schemeClr val="dk1"/>
+          </a:fillRef>
+          <a:effectRef idx="0">
+            <a:schemeClr val="dk1"/>
+          </a:effectRef>
+          <a:fontRef idx="minor">
+            <a:schemeClr val="tx1"/>
+          </a:fontRef>
+        </p:style>
+      </p:cxnSp>
+      <p:cxnSp>
+        <p:nvCxnSpPr>
+          <p:cNvPr id="15" name="Straight Connector 14">
+            <a:extLst>
+              <a:ext uri="{FF2B5EF4-FFF2-40B4-BE49-F238E27FC236}">
+                <a16:creationId xmlns:a16="http://schemas.microsoft.com/office/drawing/2014/main" id="{3898B851-8288-467D-A598-CCC9C894CC5A}"/>
+              </a:ext>
+            </a:extLst>
+          </p:cNvPr>
+          <p:cNvCxnSpPr>
+            <a:cxnSpLocks/>
+          </p:cNvCxnSpPr>
+          <p:nvPr/>
+        </p:nvCxnSpPr>
+        <p:spPr>
+          <a:xfrm flipH="1">
+            <a:off x="3955026" y="4866969"/>
+            <a:ext cx="875073" cy="1469922"/>
+          </a:xfrm>
+          <a:prstGeom prst="line">
+            <a:avLst/>
+          </a:prstGeom>
+          <a:ln w="76200"/>
+        </p:spPr>
+        <p:style>
+          <a:lnRef idx="1">
+            <a:schemeClr val="dk1"/>
+          </a:lnRef>
+          <a:fillRef idx="0">
+            <a:schemeClr val="dk1"/>
+          </a:fillRef>
+          <a:effectRef idx="0">
+            <a:schemeClr val="dk1"/>
+          </a:effectRef>
+          <a:fontRef idx="minor">
+            <a:schemeClr val="tx1"/>
+          </a:fontRef>
+        </p:style>
+      </p:cxnSp>
+      <p:cxnSp>
+        <p:nvCxnSpPr>
+          <p:cNvPr id="17" name="Straight Connector 16">
+            <a:extLst>
+              <a:ext uri="{FF2B5EF4-FFF2-40B4-BE49-F238E27FC236}">
+                <a16:creationId xmlns:a16="http://schemas.microsoft.com/office/drawing/2014/main" id="{EA3B6B51-5FFD-4985-926B-BE8DA4DAFA0D}"/>
+              </a:ext>
+            </a:extLst>
+          </p:cNvPr>
+          <p:cNvCxnSpPr>
+            <a:cxnSpLocks/>
+          </p:cNvCxnSpPr>
+          <p:nvPr/>
+        </p:nvCxnSpPr>
+        <p:spPr>
+          <a:xfrm>
+            <a:off x="6295100" y="4844847"/>
+            <a:ext cx="1079092" cy="1469922"/>
+          </a:xfrm>
+          <a:prstGeom prst="line">
+            <a:avLst/>
+          </a:prstGeom>
+          <a:ln w="76200"/>
+        </p:spPr>
+        <p:style>
+          <a:lnRef idx="1">
+            <a:schemeClr val="dk1"/>
+          </a:lnRef>
+          <a:fillRef idx="0">
+            <a:schemeClr val="dk1"/>
+          </a:fillRef>
+          <a:effectRef idx="0">
+            <a:schemeClr val="dk1"/>
+          </a:effectRef>
+          <a:fontRef idx="minor">
+            <a:schemeClr val="tx1"/>
+          </a:fontRef>
+        </p:style>
+      </p:cxnSp>
+      <p:sp>
+        <p:nvSpPr>
+          <p:cNvPr id="19" name="TextBox 18">
+            <a:extLst>
+              <a:ext uri="{FF2B5EF4-FFF2-40B4-BE49-F238E27FC236}">
+                <a16:creationId xmlns:a16="http://schemas.microsoft.com/office/drawing/2014/main" id="{A785F7D4-59EC-409A-AE02-020E957D7293}"/>
+              </a:ext>
+            </a:extLst>
+          </p:cNvPr>
+          <p:cNvSpPr txBox="1"/>
+          <p:nvPr/>
+        </p:nvSpPr>
+        <p:spPr>
+          <a:xfrm>
+            <a:off x="2551095" y="6483753"/>
+            <a:ext cx="5739072" cy="369332"/>
+          </a:xfrm>
+          <a:prstGeom prst="rect">
+            <a:avLst/>
+          </a:prstGeom>
+          <a:noFill/>
+        </p:spPr>
+        <p:txBody>
+          <a:bodyPr wrap="none" rtlCol="0">
+            <a:spAutoFit/>
+          </a:bodyPr>
+          <a:lstStyle/>
+          <a:p>
+            <a:r>
+              <a:rPr lang="en-US" dirty="0" err="1"/>
+              <a:t>N_e</a:t>
+            </a:r>
+            <a:r>
+              <a:rPr lang="en-US" dirty="0"/>
+              <a:t> = </a:t>
+            </a:r>
+            <a:r>
+              <a:rPr lang="en-US" sz="1800" b="0" i="0" u="none" strike="noStrike" dirty="0">
+                <a:solidFill>
+                  <a:srgbClr val="FF0000"/>
+                </a:solidFill>
+                <a:effectLst/>
+                <a:latin typeface="Calibri" panose="020F0502020204030204" pitchFamily="34" charset="0"/>
+              </a:rPr>
+              <a:t>5.42E+11</a:t>
+            </a:r>
+            <a:r>
+              <a:rPr lang="en-US" sz="1800" b="0" i="0" u="none" strike="noStrike" dirty="0">
+                <a:solidFill>
+                  <a:srgbClr val="000000"/>
+                </a:solidFill>
+                <a:effectLst/>
+                <a:latin typeface="Calibri" panose="020F0502020204030204" pitchFamily="34" charset="0"/>
+              </a:rPr>
+              <a:t>, </a:t>
+            </a:r>
+            <a:r>
+              <a:rPr lang="en-US" sz="1800" b="0" i="0" u="none" strike="noStrike" dirty="0">
+                <a:solidFill>
+                  <a:schemeClr val="accent2"/>
+                </a:solidFill>
+                <a:effectLst/>
+                <a:latin typeface="Calibri" panose="020F0502020204030204" pitchFamily="34" charset="0"/>
+              </a:rPr>
+              <a:t>4.89E+11</a:t>
+            </a:r>
+            <a:r>
+              <a:rPr lang="en-US" dirty="0">
+                <a:solidFill>
+                  <a:schemeClr val="accent2"/>
+                </a:solidFill>
+              </a:rPr>
+              <a:t> </a:t>
+            </a:r>
+            <a:r>
+              <a:rPr lang="en-US" dirty="0"/>
+              <a:t>, </a:t>
+            </a:r>
+            <a:r>
+              <a:rPr lang="en-US" sz="1800" b="0" i="0" u="none" strike="noStrike" dirty="0">
+                <a:solidFill>
+                  <a:schemeClr val="accent6"/>
+                </a:solidFill>
+                <a:effectLst/>
+                <a:latin typeface="Calibri" panose="020F0502020204030204" pitchFamily="34" charset="0"/>
+              </a:rPr>
+              <a:t>2.71E+10</a:t>
+            </a:r>
+            <a:r>
+              <a:rPr lang="en-US" dirty="0">
+                <a:solidFill>
+                  <a:schemeClr val="accent6"/>
+                </a:solidFill>
+              </a:rPr>
+              <a:t> </a:t>
+            </a:r>
+            <a:r>
+              <a:rPr lang="en-US" dirty="0"/>
+              <a:t>, </a:t>
+            </a:r>
+            <a:r>
+              <a:rPr lang="en-US" sz="1800" b="0" i="0" u="none" strike="noStrike" dirty="0">
+                <a:solidFill>
+                  <a:schemeClr val="accent1"/>
+                </a:solidFill>
+                <a:effectLst/>
+                <a:latin typeface="Calibri" panose="020F0502020204030204" pitchFamily="34" charset="0"/>
+              </a:rPr>
+              <a:t>4.14E+11</a:t>
+            </a:r>
+            <a:r>
+              <a:rPr lang="en-US" sz="1800" b="0" i="0" u="none" strike="noStrike" dirty="0">
+                <a:solidFill>
+                  <a:srgbClr val="000000"/>
+                </a:solidFill>
+                <a:effectLst/>
+                <a:latin typeface="Calibri" panose="020F0502020204030204" pitchFamily="34" charset="0"/>
+              </a:rPr>
+              <a:t>, </a:t>
+            </a:r>
+            <a:r>
+              <a:rPr lang="en-US" sz="1800" b="0" i="0" u="none" strike="noStrike" dirty="0">
+                <a:solidFill>
+                  <a:srgbClr val="7030A0"/>
+                </a:solidFill>
+                <a:effectLst/>
+                <a:latin typeface="Calibri" panose="020F0502020204030204" pitchFamily="34" charset="0"/>
+              </a:rPr>
+              <a:t>1.94E+12</a:t>
+            </a:r>
+            <a:r>
+              <a:rPr lang="en-US" dirty="0">
+                <a:solidFill>
+                  <a:srgbClr val="7030A0"/>
+                </a:solidFill>
+              </a:rPr>
+              <a:t> </a:t>
+            </a:r>
+          </a:p>
+        </p:txBody>
+      </p:sp>
+      <p:sp>
+        <p:nvSpPr>
+          <p:cNvPr id="24" name="TextBox 23">
+            <a:extLst>
+              <a:ext uri="{FF2B5EF4-FFF2-40B4-BE49-F238E27FC236}">
+                <a16:creationId xmlns:a16="http://schemas.microsoft.com/office/drawing/2014/main" id="{0DFC630E-E9D8-44D9-8D67-F0419D4F374C}"/>
+              </a:ext>
+            </a:extLst>
+          </p:cNvPr>
+          <p:cNvSpPr txBox="1"/>
+          <p:nvPr/>
+        </p:nvSpPr>
+        <p:spPr>
+          <a:xfrm>
+            <a:off x="6887513" y="4125931"/>
+            <a:ext cx="4466287" cy="646331"/>
+          </a:xfrm>
+          <a:prstGeom prst="rect">
+            <a:avLst/>
+          </a:prstGeom>
+          <a:noFill/>
+        </p:spPr>
+        <p:txBody>
+          <a:bodyPr wrap="none" rtlCol="0">
+            <a:spAutoFit/>
+          </a:bodyPr>
+          <a:lstStyle/>
+          <a:p>
+            <a:r>
+              <a:rPr lang="en-US" dirty="0"/>
+              <a:t>T_12 = </a:t>
+            </a:r>
+            <a:r>
+              <a:rPr lang="en-US" sz="1800" b="0" i="0" u="none" strike="noStrike" dirty="0">
+                <a:solidFill>
+                  <a:srgbClr val="FF0000"/>
+                </a:solidFill>
+                <a:effectLst/>
+                <a:latin typeface="Calibri" panose="020F0502020204030204" pitchFamily="34" charset="0"/>
+              </a:rPr>
+              <a:t>2.4219E+11</a:t>
+            </a:r>
+            <a:r>
+              <a:rPr lang="en-US" sz="1800" b="0" i="0" u="none" strike="noStrike" dirty="0">
+                <a:solidFill>
+                  <a:srgbClr val="000000"/>
+                </a:solidFill>
+                <a:effectLst/>
+                <a:latin typeface="Calibri" panose="020F0502020204030204" pitchFamily="34" charset="0"/>
+              </a:rPr>
+              <a:t>, </a:t>
+            </a:r>
+            <a:r>
+              <a:rPr lang="en-US" sz="1800" b="0" i="0" u="none" strike="noStrike" dirty="0">
+                <a:solidFill>
+                  <a:schemeClr val="accent2"/>
+                </a:solidFill>
+                <a:effectLst/>
+                <a:latin typeface="Calibri" panose="020F0502020204030204" pitchFamily="34" charset="0"/>
+              </a:rPr>
+              <a:t>2.0494E+11</a:t>
+            </a:r>
+            <a:r>
+              <a:rPr lang="en-US" sz="1800" b="0" i="0" u="none" strike="noStrike" dirty="0">
+                <a:solidFill>
+                  <a:srgbClr val="000000"/>
+                </a:solidFill>
+                <a:effectLst/>
+                <a:latin typeface="Calibri" panose="020F0502020204030204" pitchFamily="34" charset="0"/>
+              </a:rPr>
+              <a:t>, </a:t>
+            </a:r>
+            <a:r>
+              <a:rPr lang="en-US" sz="1800" b="0" i="0" u="none" strike="noStrike" dirty="0">
+                <a:solidFill>
+                  <a:schemeClr val="accent6"/>
+                </a:solidFill>
+                <a:effectLst/>
+                <a:latin typeface="Calibri" panose="020F0502020204030204" pitchFamily="34" charset="0"/>
+              </a:rPr>
+              <a:t>265.387133</a:t>
+            </a:r>
+            <a:r>
+              <a:rPr lang="en-US" sz="1800" b="0" i="0" u="none" strike="noStrike" dirty="0">
+                <a:solidFill>
+                  <a:srgbClr val="000000"/>
+                </a:solidFill>
+                <a:effectLst/>
+                <a:latin typeface="Calibri" panose="020F0502020204030204" pitchFamily="34" charset="0"/>
+              </a:rPr>
+              <a:t>,</a:t>
+            </a:r>
+          </a:p>
+          <a:p>
+            <a:r>
+              <a:rPr lang="en-US" sz="1800" b="0" i="0" u="none" strike="noStrike" dirty="0">
+                <a:solidFill>
+                  <a:schemeClr val="accent1"/>
+                </a:solidFill>
+                <a:effectLst/>
+                <a:latin typeface="Calibri" panose="020F0502020204030204" pitchFamily="34" charset="0"/>
+              </a:rPr>
+              <a:t>1.4699E+11</a:t>
+            </a:r>
+            <a:r>
+              <a:rPr lang="en-US" sz="1800" b="0" i="0" u="none" strike="noStrike" dirty="0">
+                <a:solidFill>
+                  <a:srgbClr val="000000"/>
+                </a:solidFill>
+                <a:effectLst/>
+                <a:latin typeface="Calibri" panose="020F0502020204030204" pitchFamily="34" charset="0"/>
+              </a:rPr>
+              <a:t>, </a:t>
+            </a:r>
+            <a:r>
+              <a:rPr lang="en-US" sz="1800" b="0" i="0" u="none" strike="noStrike" dirty="0">
+                <a:solidFill>
+                  <a:srgbClr val="7030A0"/>
+                </a:solidFill>
+                <a:effectLst/>
+                <a:latin typeface="Calibri" panose="020F0502020204030204" pitchFamily="34" charset="0"/>
+              </a:rPr>
+              <a:t>7.3223E+11</a:t>
+            </a:r>
+            <a:r>
+              <a:rPr lang="en-US" dirty="0">
+                <a:solidFill>
+                  <a:srgbClr val="7030A0"/>
+                </a:solidFill>
+              </a:rPr>
+              <a:t> </a:t>
+            </a:r>
+          </a:p>
+        </p:txBody>
+      </p:sp>
+      <p:sp>
+        <p:nvSpPr>
+          <p:cNvPr id="26" name="TextBox 25">
+            <a:extLst>
+              <a:ext uri="{FF2B5EF4-FFF2-40B4-BE49-F238E27FC236}">
+                <a16:creationId xmlns:a16="http://schemas.microsoft.com/office/drawing/2014/main" id="{29CCA925-A444-4E95-B4A9-E29032830930}"/>
+              </a:ext>
+            </a:extLst>
+          </p:cNvPr>
+          <p:cNvSpPr txBox="1"/>
+          <p:nvPr/>
+        </p:nvSpPr>
+        <p:spPr>
+          <a:xfrm>
+            <a:off x="957493" y="3669181"/>
+            <a:ext cx="3070071" cy="646331"/>
+          </a:xfrm>
+          <a:prstGeom prst="rect">
+            <a:avLst/>
+          </a:prstGeom>
+          <a:noFill/>
+        </p:spPr>
+        <p:txBody>
+          <a:bodyPr wrap="none" rtlCol="0">
+            <a:spAutoFit/>
+          </a:bodyPr>
+          <a:lstStyle/>
+          <a:p>
+            <a:r>
+              <a:rPr lang="en-US" dirty="0" err="1"/>
+              <a:t>Nu_b</a:t>
+            </a:r>
+            <a:r>
+              <a:rPr lang="en-US" dirty="0"/>
+              <a:t> = </a:t>
+            </a:r>
+            <a:r>
+              <a:rPr lang="en-US" sz="1800" b="0" i="0" u="none" strike="noStrike" dirty="0">
+                <a:solidFill>
+                  <a:srgbClr val="FF0000"/>
+                </a:solidFill>
+                <a:effectLst/>
+                <a:latin typeface="Calibri" panose="020F0502020204030204" pitchFamily="34" charset="0"/>
+              </a:rPr>
+              <a:t>8.37E+11</a:t>
+            </a:r>
+            <a:r>
+              <a:rPr lang="en-US" sz="1800" b="0" i="0" u="none" strike="noStrike" dirty="0">
+                <a:solidFill>
+                  <a:srgbClr val="000000"/>
+                </a:solidFill>
+                <a:effectLst/>
+                <a:latin typeface="Calibri" panose="020F0502020204030204" pitchFamily="34" charset="0"/>
+              </a:rPr>
+              <a:t>, </a:t>
+            </a:r>
+            <a:r>
+              <a:rPr lang="en-US" sz="1800" b="0" i="0" u="none" strike="noStrike" dirty="0">
+                <a:solidFill>
+                  <a:schemeClr val="accent2"/>
+                </a:solidFill>
+                <a:effectLst/>
+                <a:latin typeface="Calibri" panose="020F0502020204030204" pitchFamily="34" charset="0"/>
+              </a:rPr>
+              <a:t>4.75E+11</a:t>
+            </a:r>
+            <a:r>
+              <a:rPr lang="en-US" sz="1800" b="0" i="0" u="none" strike="noStrike" dirty="0">
+                <a:solidFill>
+                  <a:srgbClr val="000000"/>
+                </a:solidFill>
+                <a:effectLst/>
+                <a:latin typeface="Calibri" panose="020F0502020204030204" pitchFamily="34" charset="0"/>
+              </a:rPr>
+              <a:t>, </a:t>
+            </a:r>
+          </a:p>
+          <a:p>
+            <a:r>
+              <a:rPr lang="en-US" sz="1800" b="0" i="0" u="none" strike="noStrike" dirty="0">
+                <a:solidFill>
+                  <a:schemeClr val="accent6"/>
+                </a:solidFill>
+                <a:effectLst/>
+                <a:latin typeface="Calibri" panose="020F0502020204030204" pitchFamily="34" charset="0"/>
+              </a:rPr>
+              <a:t>2.91E+10</a:t>
+            </a:r>
+            <a:r>
+              <a:rPr lang="en-US" sz="1800" b="0" i="0" u="none" strike="noStrike" dirty="0">
+                <a:solidFill>
+                  <a:srgbClr val="000000"/>
+                </a:solidFill>
+                <a:effectLst/>
+                <a:latin typeface="Calibri" panose="020F0502020204030204" pitchFamily="34" charset="0"/>
+              </a:rPr>
+              <a:t>, </a:t>
+            </a:r>
+            <a:r>
+              <a:rPr lang="en-US" sz="1800" b="0" i="0" u="none" strike="noStrike" dirty="0">
+                <a:solidFill>
+                  <a:schemeClr val="accent1"/>
+                </a:solidFill>
+                <a:effectLst/>
+                <a:latin typeface="Calibri" panose="020F0502020204030204" pitchFamily="34" charset="0"/>
+              </a:rPr>
+              <a:t>5.36E+11</a:t>
+            </a:r>
+            <a:r>
+              <a:rPr lang="en-US" sz="1800" b="0" i="0" u="none" strike="noStrike" dirty="0">
+                <a:solidFill>
+                  <a:srgbClr val="000000"/>
+                </a:solidFill>
+                <a:effectLst/>
+                <a:latin typeface="Calibri" panose="020F0502020204030204" pitchFamily="34" charset="0"/>
+              </a:rPr>
+              <a:t>, </a:t>
+            </a:r>
+            <a:r>
+              <a:rPr lang="en-US" sz="1800" b="0" i="0" u="none" strike="noStrike" dirty="0">
+                <a:solidFill>
+                  <a:srgbClr val="7030A0"/>
+                </a:solidFill>
+                <a:effectLst/>
+                <a:latin typeface="Calibri" panose="020F0502020204030204" pitchFamily="34" charset="0"/>
+              </a:rPr>
+              <a:t>1.64E+12</a:t>
+            </a:r>
+            <a:r>
+              <a:rPr lang="en-US" dirty="0">
+                <a:solidFill>
+                  <a:srgbClr val="7030A0"/>
+                </a:solidFill>
+              </a:rPr>
+              <a:t> </a:t>
+            </a:r>
+          </a:p>
+        </p:txBody>
+      </p:sp>
+      <p:sp>
+        <p:nvSpPr>
+          <p:cNvPr id="27" name="TextBox 26">
+            <a:extLst>
+              <a:ext uri="{FF2B5EF4-FFF2-40B4-BE49-F238E27FC236}">
+                <a16:creationId xmlns:a16="http://schemas.microsoft.com/office/drawing/2014/main" id="{3239405C-8665-4403-870E-9FFA012461F0}"/>
+              </a:ext>
+            </a:extLst>
+          </p:cNvPr>
+          <p:cNvSpPr txBox="1"/>
+          <p:nvPr/>
+        </p:nvSpPr>
+        <p:spPr>
+          <a:xfrm>
+            <a:off x="4098743" y="1500940"/>
+            <a:ext cx="3070071" cy="646331"/>
+          </a:xfrm>
+          <a:prstGeom prst="rect">
+            <a:avLst/>
+          </a:prstGeom>
+          <a:noFill/>
+        </p:spPr>
+        <p:txBody>
+          <a:bodyPr wrap="none" rtlCol="0">
+            <a:spAutoFit/>
+          </a:bodyPr>
+          <a:lstStyle/>
+          <a:p>
+            <a:r>
+              <a:rPr lang="en-US" dirty="0" err="1"/>
+              <a:t>N_a</a:t>
+            </a:r>
+            <a:r>
+              <a:rPr lang="en-US" dirty="0"/>
+              <a:t> = </a:t>
+            </a:r>
+            <a:r>
+              <a:rPr lang="en-US" sz="1800" b="0" i="0" u="none" strike="noStrike" dirty="0">
+                <a:solidFill>
+                  <a:srgbClr val="FF0000"/>
+                </a:solidFill>
+                <a:effectLst/>
+                <a:latin typeface="Calibri" panose="020F0502020204030204" pitchFamily="34" charset="0"/>
+              </a:rPr>
+              <a:t>5.47E+11</a:t>
+            </a:r>
+            <a:r>
+              <a:rPr lang="en-US" sz="1800" b="0" i="0" u="none" strike="noStrike" dirty="0">
+                <a:solidFill>
+                  <a:srgbClr val="000000"/>
+                </a:solidFill>
+                <a:effectLst/>
+                <a:latin typeface="Calibri" panose="020F0502020204030204" pitchFamily="34" charset="0"/>
+              </a:rPr>
+              <a:t>, </a:t>
+            </a:r>
+            <a:r>
+              <a:rPr lang="en-US" sz="1800" b="0" i="0" u="none" strike="noStrike" dirty="0">
+                <a:solidFill>
+                  <a:schemeClr val="accent2"/>
+                </a:solidFill>
+                <a:effectLst/>
+                <a:latin typeface="Calibri" panose="020F0502020204030204" pitchFamily="34" charset="0"/>
+              </a:rPr>
+              <a:t>3.33E+11</a:t>
+            </a:r>
+            <a:r>
+              <a:rPr lang="en-US" sz="1800" b="0" i="0" u="none" strike="noStrike" dirty="0">
+                <a:solidFill>
+                  <a:srgbClr val="000000"/>
+                </a:solidFill>
+                <a:effectLst/>
+                <a:latin typeface="Calibri" panose="020F0502020204030204" pitchFamily="34" charset="0"/>
+              </a:rPr>
+              <a:t>, </a:t>
+            </a:r>
+          </a:p>
+          <a:p>
+            <a:r>
+              <a:rPr lang="en-US" sz="1800" b="0" i="0" u="none" strike="noStrike" dirty="0">
+                <a:solidFill>
+                  <a:schemeClr val="accent6"/>
+                </a:solidFill>
+                <a:effectLst/>
+                <a:latin typeface="Calibri" panose="020F0502020204030204" pitchFamily="34" charset="0"/>
+              </a:rPr>
+              <a:t>9.93E+10</a:t>
+            </a:r>
+            <a:r>
+              <a:rPr lang="en-US" sz="1800" b="0" i="0" u="none" strike="noStrike" dirty="0">
+                <a:solidFill>
+                  <a:srgbClr val="000000"/>
+                </a:solidFill>
+                <a:effectLst/>
+                <a:latin typeface="Calibri" panose="020F0502020204030204" pitchFamily="34" charset="0"/>
+              </a:rPr>
+              <a:t>, </a:t>
+            </a:r>
+            <a:r>
+              <a:rPr lang="en-US" sz="1800" b="0" i="0" u="none" strike="noStrike" dirty="0">
+                <a:solidFill>
+                  <a:schemeClr val="accent1"/>
+                </a:solidFill>
+                <a:effectLst/>
+                <a:latin typeface="Calibri" panose="020F0502020204030204" pitchFamily="34" charset="0"/>
+              </a:rPr>
+              <a:t>2.96E+11</a:t>
+            </a:r>
+            <a:r>
+              <a:rPr lang="en-US" sz="1800" b="0" i="0" u="none" strike="noStrike" dirty="0">
+                <a:solidFill>
+                  <a:srgbClr val="000000"/>
+                </a:solidFill>
+                <a:effectLst/>
+                <a:latin typeface="Calibri" panose="020F0502020204030204" pitchFamily="34" charset="0"/>
+              </a:rPr>
+              <a:t>, </a:t>
+            </a:r>
+            <a:r>
+              <a:rPr lang="en-US" sz="1800" b="0" i="0" u="none" strike="noStrike" dirty="0">
+                <a:solidFill>
+                  <a:srgbClr val="7030A0"/>
+                </a:solidFill>
+                <a:effectLst/>
+                <a:latin typeface="Calibri" panose="020F0502020204030204" pitchFamily="34" charset="0"/>
+              </a:rPr>
+              <a:t>9.41E+11</a:t>
+            </a:r>
+            <a:r>
+              <a:rPr lang="en-US" dirty="0">
+                <a:solidFill>
+                  <a:srgbClr val="7030A0"/>
+                </a:solidFill>
+              </a:rPr>
+              <a:t> </a:t>
+            </a:r>
+          </a:p>
+        </p:txBody>
+      </p:sp>
+    </p:spTree>
+    <p:extLst>
+      <p:ext uri="{BB962C8B-B14F-4D97-AF65-F5344CB8AC3E}">
+        <p14:creationId xmlns:p14="http://schemas.microsoft.com/office/powerpoint/2010/main" val="1395466313"/>
+      </p:ext>
+    </p:extLst>
+  </p:cSld>
+  <p:clrMapOvr>
+    <a:masterClrMapping/>
+  </p:clrMapOvr>
+</p:sld>
+</file>
+
+<file path=ppt/slides/slide14.xml><?xml version="1.0" encoding="utf-8"?>
+<p:sld xmlns:a="http://schemas.openxmlformats.org/drawingml/2006/main" xmlns:r="http://schemas.openxmlformats.org/officeDocument/2006/relationships" xmlns:p="http://schemas.openxmlformats.org/presentationml/2006/main">
+  <p:cSld>
+    <p:spTree>
+      <p:nvGrpSpPr>
+        <p:cNvPr id="1" name=""/>
+        <p:cNvGrpSpPr/>
+        <p:nvPr/>
+      </p:nvGrpSpPr>
+      <p:grpSpPr>
+        <a:xfrm>
+          <a:off x="0" y="0"/>
+          <a:ext cx="0" cy="0"/>
+          <a:chOff x="0" y="0"/>
+          <a:chExt cx="0" cy="0"/>
+        </a:xfrm>
+      </p:grpSpPr>
+      <p:sp>
+        <p:nvSpPr>
+          <p:cNvPr id="2" name="Title 1">
+            <a:extLst>
+              <a:ext uri="{FF2B5EF4-FFF2-40B4-BE49-F238E27FC236}">
+                <a16:creationId xmlns:a16="http://schemas.microsoft.com/office/drawing/2014/main" id="{CD13D7DD-0651-4EE0-ADA7-4B83C6686EEC}"/>
+              </a:ext>
+            </a:extLst>
+          </p:cNvPr>
+          <p:cNvSpPr>
+            <a:spLocks noGrp="1"/>
+          </p:cNvSpPr>
+          <p:nvPr>
+            <p:ph type="title"/>
+          </p:nvPr>
+        </p:nvSpPr>
+        <p:spPr/>
+        <p:txBody>
+          <a:bodyPr/>
+          <a:lstStyle/>
+          <a:p>
+            <a:r>
+              <a:rPr lang="en-US" dirty="0"/>
+              <a:t>Exponential growth demographic diagram</a:t>
+            </a:r>
+          </a:p>
+        </p:txBody>
+      </p:sp>
+      <p:cxnSp>
+        <p:nvCxnSpPr>
+          <p:cNvPr id="4" name="Straight Connector 3">
+            <a:extLst>
+              <a:ext uri="{FF2B5EF4-FFF2-40B4-BE49-F238E27FC236}">
+                <a16:creationId xmlns:a16="http://schemas.microsoft.com/office/drawing/2014/main" id="{598ACF1D-D4CF-4253-816E-32350EB28719}"/>
+              </a:ext>
+            </a:extLst>
+          </p:cNvPr>
+          <p:cNvCxnSpPr/>
+          <p:nvPr/>
+        </p:nvCxnSpPr>
+        <p:spPr>
+          <a:xfrm>
+            <a:off x="3942735" y="1543664"/>
+            <a:ext cx="0" cy="2458065"/>
+          </a:xfrm>
+          <a:prstGeom prst="line">
+            <a:avLst/>
+          </a:prstGeom>
+          <a:ln w="76200"/>
+        </p:spPr>
+        <p:style>
+          <a:lnRef idx="1">
+            <a:schemeClr val="dk1"/>
+          </a:lnRef>
+          <a:fillRef idx="0">
+            <a:schemeClr val="dk1"/>
+          </a:fillRef>
+          <a:effectRef idx="0">
+            <a:schemeClr val="dk1"/>
+          </a:effectRef>
+          <a:fontRef idx="minor">
+            <a:schemeClr val="tx1"/>
+          </a:fontRef>
+        </p:style>
+      </p:cxnSp>
+      <p:cxnSp>
+        <p:nvCxnSpPr>
+          <p:cNvPr id="5" name="Straight Connector 4">
+            <a:extLst>
+              <a:ext uri="{FF2B5EF4-FFF2-40B4-BE49-F238E27FC236}">
+                <a16:creationId xmlns:a16="http://schemas.microsoft.com/office/drawing/2014/main" id="{8F92EE2A-29DD-452D-A9F4-0E7F8C7B7C5D}"/>
+              </a:ext>
+            </a:extLst>
+          </p:cNvPr>
+          <p:cNvCxnSpPr/>
+          <p:nvPr/>
+        </p:nvCxnSpPr>
+        <p:spPr>
+          <a:xfrm>
+            <a:off x="7192296" y="1543664"/>
+            <a:ext cx="0" cy="2458065"/>
+          </a:xfrm>
+          <a:prstGeom prst="line">
+            <a:avLst/>
+          </a:prstGeom>
+          <a:ln w="76200"/>
+        </p:spPr>
+        <p:style>
+          <a:lnRef idx="1">
+            <a:schemeClr val="dk1"/>
+          </a:lnRef>
+          <a:fillRef idx="0">
+            <a:schemeClr val="dk1"/>
+          </a:fillRef>
+          <a:effectRef idx="0">
+            <a:schemeClr val="dk1"/>
+          </a:effectRef>
+          <a:fontRef idx="minor">
+            <a:schemeClr val="tx1"/>
+          </a:fontRef>
+        </p:style>
+      </p:cxnSp>
+      <p:cxnSp>
+        <p:nvCxnSpPr>
+          <p:cNvPr id="6" name="Straight Connector 5">
+            <a:extLst>
+              <a:ext uri="{FF2B5EF4-FFF2-40B4-BE49-F238E27FC236}">
+                <a16:creationId xmlns:a16="http://schemas.microsoft.com/office/drawing/2014/main" id="{5CC84EF0-B3A3-4DC0-89FF-069618389DE8}"/>
+              </a:ext>
+            </a:extLst>
+          </p:cNvPr>
+          <p:cNvCxnSpPr>
+            <a:cxnSpLocks/>
+          </p:cNvCxnSpPr>
+          <p:nvPr/>
+        </p:nvCxnSpPr>
+        <p:spPr>
+          <a:xfrm flipH="1">
+            <a:off x="2664542" y="4001729"/>
+            <a:ext cx="1278194" cy="2015613"/>
+          </a:xfrm>
+          <a:prstGeom prst="line">
+            <a:avLst/>
+          </a:prstGeom>
+          <a:ln w="76200"/>
+        </p:spPr>
+        <p:style>
+          <a:lnRef idx="1">
+            <a:schemeClr val="dk1"/>
+          </a:lnRef>
+          <a:fillRef idx="0">
+            <a:schemeClr val="dk1"/>
+          </a:fillRef>
+          <a:effectRef idx="0">
+            <a:schemeClr val="dk1"/>
+          </a:effectRef>
+          <a:fontRef idx="minor">
+            <a:schemeClr val="tx1"/>
+          </a:fontRef>
+        </p:style>
+      </p:cxnSp>
+      <p:cxnSp>
+        <p:nvCxnSpPr>
+          <p:cNvPr id="7" name="Straight Connector 6">
+            <a:extLst>
+              <a:ext uri="{FF2B5EF4-FFF2-40B4-BE49-F238E27FC236}">
+                <a16:creationId xmlns:a16="http://schemas.microsoft.com/office/drawing/2014/main" id="{7C098630-74D7-43CF-B348-140A1CC5E426}"/>
+              </a:ext>
+            </a:extLst>
+          </p:cNvPr>
+          <p:cNvCxnSpPr>
+            <a:cxnSpLocks/>
+          </p:cNvCxnSpPr>
+          <p:nvPr/>
+        </p:nvCxnSpPr>
+        <p:spPr>
+          <a:xfrm>
+            <a:off x="7192295" y="4001729"/>
+            <a:ext cx="1735395" cy="2094271"/>
+          </a:xfrm>
+          <a:prstGeom prst="line">
+            <a:avLst/>
+          </a:prstGeom>
+          <a:ln w="76200"/>
+        </p:spPr>
+        <p:style>
+          <a:lnRef idx="1">
+            <a:schemeClr val="dk1"/>
+          </a:lnRef>
+          <a:fillRef idx="0">
+            <a:schemeClr val="dk1"/>
+          </a:fillRef>
+          <a:effectRef idx="0">
+            <a:schemeClr val="dk1"/>
+          </a:effectRef>
+          <a:fontRef idx="minor">
+            <a:schemeClr val="tx1"/>
+          </a:fontRef>
+        </p:style>
+      </p:cxnSp>
+      <p:sp>
+        <p:nvSpPr>
+          <p:cNvPr id="12" name="TextBox 11">
+            <a:extLst>
+              <a:ext uri="{FF2B5EF4-FFF2-40B4-BE49-F238E27FC236}">
+                <a16:creationId xmlns:a16="http://schemas.microsoft.com/office/drawing/2014/main" id="{508F62EF-6730-4FAD-B3CE-FCF86ABCA65E}"/>
+              </a:ext>
+            </a:extLst>
+          </p:cNvPr>
+          <p:cNvSpPr txBox="1"/>
+          <p:nvPr/>
+        </p:nvSpPr>
+        <p:spPr>
+          <a:xfrm>
+            <a:off x="2551095" y="6483753"/>
+            <a:ext cx="5739072" cy="369332"/>
+          </a:xfrm>
+          <a:prstGeom prst="rect">
+            <a:avLst/>
+          </a:prstGeom>
+          <a:noFill/>
+        </p:spPr>
+        <p:txBody>
+          <a:bodyPr wrap="none" rtlCol="0">
+            <a:spAutoFit/>
+          </a:bodyPr>
+          <a:lstStyle/>
+          <a:p>
+            <a:r>
+              <a:rPr lang="en-US" dirty="0" err="1"/>
+              <a:t>N_e</a:t>
+            </a:r>
+            <a:r>
+              <a:rPr lang="en-US" dirty="0"/>
+              <a:t> = </a:t>
+            </a:r>
+            <a:r>
+              <a:rPr lang="en-US" sz="1800" b="0" i="0" u="none" strike="noStrike" dirty="0">
+                <a:solidFill>
+                  <a:srgbClr val="FF0000"/>
+                </a:solidFill>
+                <a:effectLst/>
+                <a:latin typeface="Calibri" panose="020F0502020204030204" pitchFamily="34" charset="0"/>
+              </a:rPr>
+              <a:t>5.84E+11</a:t>
+            </a:r>
+            <a:r>
+              <a:rPr lang="en-US" sz="1800" b="0" i="0" u="none" strike="noStrike" dirty="0">
+                <a:solidFill>
+                  <a:srgbClr val="000000"/>
+                </a:solidFill>
+                <a:effectLst/>
+                <a:latin typeface="Calibri" panose="020F0502020204030204" pitchFamily="34" charset="0"/>
+              </a:rPr>
+              <a:t>, </a:t>
+            </a:r>
+            <a:r>
+              <a:rPr lang="en-US" sz="1800" b="0" i="0" u="none" strike="noStrike" dirty="0">
+                <a:solidFill>
+                  <a:schemeClr val="accent2"/>
+                </a:solidFill>
+                <a:effectLst/>
+                <a:latin typeface="Calibri" panose="020F0502020204030204" pitchFamily="34" charset="0"/>
+              </a:rPr>
+              <a:t>5.46E+11</a:t>
+            </a:r>
+            <a:r>
+              <a:rPr lang="en-US" dirty="0"/>
+              <a:t>, </a:t>
+            </a:r>
+            <a:r>
+              <a:rPr lang="en-US" sz="1800" b="0" i="0" u="none" strike="noStrike" dirty="0">
+                <a:solidFill>
+                  <a:schemeClr val="accent6"/>
+                </a:solidFill>
+                <a:effectLst/>
+                <a:latin typeface="Calibri" panose="020F0502020204030204" pitchFamily="34" charset="0"/>
+              </a:rPr>
+              <a:t>5.27E+10</a:t>
+            </a:r>
+            <a:r>
+              <a:rPr lang="en-US" dirty="0"/>
+              <a:t>, </a:t>
+            </a:r>
+            <a:r>
+              <a:rPr lang="en-US" sz="1800" b="0" i="0" u="none" strike="noStrike" dirty="0">
+                <a:solidFill>
+                  <a:schemeClr val="accent1"/>
+                </a:solidFill>
+                <a:effectLst/>
+                <a:latin typeface="Calibri" panose="020F0502020204030204" pitchFamily="34" charset="0"/>
+              </a:rPr>
+              <a:t>5.61E+11</a:t>
+            </a:r>
+            <a:r>
+              <a:rPr lang="en-US" sz="1800" b="0" i="0" u="none" strike="noStrike" dirty="0">
+                <a:solidFill>
+                  <a:srgbClr val="000000"/>
+                </a:solidFill>
+                <a:effectLst/>
+                <a:latin typeface="Calibri" panose="020F0502020204030204" pitchFamily="34" charset="0"/>
+              </a:rPr>
+              <a:t>, </a:t>
+            </a:r>
+            <a:r>
+              <a:rPr lang="en-US" sz="1800" b="0" i="0" u="none" strike="noStrike" dirty="0">
+                <a:solidFill>
+                  <a:srgbClr val="7030A0"/>
+                </a:solidFill>
+                <a:effectLst/>
+                <a:latin typeface="Calibri" panose="020F0502020204030204" pitchFamily="34" charset="0"/>
+              </a:rPr>
+              <a:t>2.52E+12</a:t>
+            </a:r>
+            <a:endParaRPr lang="en-US" dirty="0">
+              <a:solidFill>
+                <a:srgbClr val="7030A0"/>
+              </a:solidFill>
+            </a:endParaRPr>
+          </a:p>
+        </p:txBody>
+      </p:sp>
+      <p:sp>
+        <p:nvSpPr>
+          <p:cNvPr id="13" name="TextBox 12">
+            <a:extLst>
+              <a:ext uri="{FF2B5EF4-FFF2-40B4-BE49-F238E27FC236}">
+                <a16:creationId xmlns:a16="http://schemas.microsoft.com/office/drawing/2014/main" id="{E3191533-E707-4B3B-BC35-7AA50403CA31}"/>
+              </a:ext>
+            </a:extLst>
+          </p:cNvPr>
+          <p:cNvSpPr txBox="1"/>
+          <p:nvPr/>
+        </p:nvSpPr>
+        <p:spPr>
+          <a:xfrm>
+            <a:off x="8443450" y="4587199"/>
+            <a:ext cx="2621230" cy="923330"/>
+          </a:xfrm>
+          <a:prstGeom prst="rect">
+            <a:avLst/>
+          </a:prstGeom>
+          <a:noFill/>
+        </p:spPr>
+        <p:txBody>
+          <a:bodyPr wrap="none" rtlCol="0">
+            <a:spAutoFit/>
+          </a:bodyPr>
+          <a:lstStyle/>
+          <a:p>
+            <a:r>
+              <a:rPr lang="en-US" dirty="0"/>
+              <a:t>T_12 = </a:t>
+            </a:r>
+            <a:r>
+              <a:rPr lang="en-US" sz="1800" b="0" i="0" u="none" strike="noStrike" dirty="0">
+                <a:solidFill>
+                  <a:srgbClr val="FF0000"/>
+                </a:solidFill>
+                <a:effectLst/>
+                <a:latin typeface="Calibri" panose="020F0502020204030204" pitchFamily="34" charset="0"/>
+              </a:rPr>
+              <a:t>1.353E+10</a:t>
+            </a:r>
+            <a:r>
+              <a:rPr lang="en-US" sz="1800" b="0" i="0" u="none" strike="noStrike" dirty="0">
+                <a:solidFill>
+                  <a:srgbClr val="000000"/>
+                </a:solidFill>
+                <a:effectLst/>
+                <a:latin typeface="Calibri" panose="020F0502020204030204" pitchFamily="34" charset="0"/>
+              </a:rPr>
+              <a:t>, </a:t>
+            </a:r>
+          </a:p>
+          <a:p>
+            <a:r>
+              <a:rPr lang="en-US" sz="1800" b="0" i="0" u="none" strike="noStrike" dirty="0">
+                <a:solidFill>
+                  <a:schemeClr val="accent2"/>
+                </a:solidFill>
+                <a:effectLst/>
+                <a:latin typeface="Calibri" panose="020F0502020204030204" pitchFamily="34" charset="0"/>
+              </a:rPr>
+              <a:t>1.1721E+11</a:t>
+            </a:r>
+            <a:r>
+              <a:rPr lang="en-US" sz="1800" b="0" i="0" u="none" strike="noStrike" dirty="0">
+                <a:solidFill>
+                  <a:srgbClr val="000000"/>
+                </a:solidFill>
+                <a:effectLst/>
+                <a:latin typeface="Calibri" panose="020F0502020204030204" pitchFamily="34" charset="0"/>
+              </a:rPr>
+              <a:t>, </a:t>
+            </a:r>
+            <a:r>
+              <a:rPr lang="en-US" sz="1800" b="0" i="0" u="none" strike="noStrike" dirty="0">
+                <a:solidFill>
+                  <a:schemeClr val="accent6"/>
+                </a:solidFill>
+                <a:effectLst/>
+                <a:latin typeface="Calibri" panose="020F0502020204030204" pitchFamily="34" charset="0"/>
+              </a:rPr>
+              <a:t>3.8374E+10</a:t>
+            </a:r>
+            <a:r>
+              <a:rPr lang="en-US" sz="1800" b="0" i="0" u="none" strike="noStrike" dirty="0">
+                <a:solidFill>
+                  <a:srgbClr val="000000"/>
+                </a:solidFill>
+                <a:effectLst/>
+                <a:latin typeface="Calibri" panose="020F0502020204030204" pitchFamily="34" charset="0"/>
+              </a:rPr>
+              <a:t>,</a:t>
+            </a:r>
+          </a:p>
+          <a:p>
+            <a:r>
+              <a:rPr lang="en-US" sz="1800" b="0" i="0" u="none" strike="noStrike" dirty="0">
+                <a:solidFill>
+                  <a:schemeClr val="accent1"/>
+                </a:solidFill>
+                <a:effectLst/>
+                <a:latin typeface="Calibri" panose="020F0502020204030204" pitchFamily="34" charset="0"/>
+              </a:rPr>
+              <a:t>8810428.06</a:t>
+            </a:r>
+            <a:r>
+              <a:rPr lang="en-US" sz="1800" b="0" i="0" u="none" strike="noStrike" dirty="0">
+                <a:solidFill>
+                  <a:srgbClr val="000000"/>
+                </a:solidFill>
+                <a:effectLst/>
+                <a:latin typeface="Calibri" panose="020F0502020204030204" pitchFamily="34" charset="0"/>
+              </a:rPr>
+              <a:t>, </a:t>
+            </a:r>
+            <a:r>
+              <a:rPr lang="en-US" sz="1800" b="0" i="0" u="none" strike="noStrike" dirty="0">
+                <a:solidFill>
+                  <a:srgbClr val="7030A0"/>
+                </a:solidFill>
+                <a:effectLst/>
+                <a:latin typeface="Calibri" panose="020F0502020204030204" pitchFamily="34" charset="0"/>
+              </a:rPr>
+              <a:t>3.2791E+11</a:t>
+            </a:r>
+            <a:endParaRPr lang="en-US" dirty="0">
+              <a:solidFill>
+                <a:srgbClr val="7030A0"/>
+              </a:solidFill>
+            </a:endParaRPr>
+          </a:p>
+        </p:txBody>
+      </p:sp>
+      <p:sp>
+        <p:nvSpPr>
+          <p:cNvPr id="14" name="TextBox 13">
+            <a:extLst>
+              <a:ext uri="{FF2B5EF4-FFF2-40B4-BE49-F238E27FC236}">
+                <a16:creationId xmlns:a16="http://schemas.microsoft.com/office/drawing/2014/main" id="{90877C23-77BE-474D-879D-48726D9E0426}"/>
+              </a:ext>
+            </a:extLst>
+          </p:cNvPr>
+          <p:cNvSpPr txBox="1"/>
+          <p:nvPr/>
+        </p:nvSpPr>
+        <p:spPr>
+          <a:xfrm>
+            <a:off x="4122224" y="1282031"/>
+            <a:ext cx="2900153" cy="646331"/>
+          </a:xfrm>
+          <a:prstGeom prst="rect">
+            <a:avLst/>
+          </a:prstGeom>
+          <a:noFill/>
+        </p:spPr>
+        <p:txBody>
+          <a:bodyPr wrap="none" rtlCol="0">
+            <a:spAutoFit/>
+          </a:bodyPr>
+          <a:lstStyle/>
+          <a:p>
+            <a:r>
+              <a:rPr lang="en-US" dirty="0" err="1"/>
+              <a:t>N_a</a:t>
+            </a:r>
+            <a:r>
+              <a:rPr lang="en-US" dirty="0"/>
+              <a:t> = </a:t>
+            </a:r>
+            <a:r>
+              <a:rPr lang="en-US" sz="1800" b="0" i="0" u="none" strike="noStrike" dirty="0">
+                <a:solidFill>
+                  <a:srgbClr val="FF0000"/>
+                </a:solidFill>
+                <a:effectLst/>
+                <a:latin typeface="Calibri" panose="020F0502020204030204" pitchFamily="34" charset="0"/>
+              </a:rPr>
+              <a:t>2.49E+11</a:t>
+            </a:r>
+            <a:r>
+              <a:rPr lang="en-US" sz="1800" b="0" i="0" u="none" strike="noStrike" dirty="0">
+                <a:solidFill>
+                  <a:srgbClr val="000000"/>
+                </a:solidFill>
+                <a:effectLst/>
+                <a:latin typeface="Calibri" panose="020F0502020204030204" pitchFamily="34" charset="0"/>
+              </a:rPr>
+              <a:t>, </a:t>
+            </a:r>
+            <a:r>
+              <a:rPr lang="en-US" sz="1800" b="0" i="0" u="none" strike="noStrike" dirty="0">
+                <a:solidFill>
+                  <a:schemeClr val="accent2"/>
+                </a:solidFill>
+                <a:effectLst/>
+                <a:latin typeface="Calibri" panose="020F0502020204030204" pitchFamily="34" charset="0"/>
+              </a:rPr>
+              <a:t>3.81E+11</a:t>
+            </a:r>
+            <a:r>
+              <a:rPr lang="en-US" sz="1800" b="0" i="0" u="none" strike="noStrike" dirty="0">
+                <a:solidFill>
+                  <a:srgbClr val="000000"/>
+                </a:solidFill>
+                <a:effectLst/>
+                <a:latin typeface="Calibri" panose="020F0502020204030204" pitchFamily="34" charset="0"/>
+              </a:rPr>
+              <a:t>, </a:t>
+            </a:r>
+          </a:p>
+          <a:p>
+            <a:r>
+              <a:rPr lang="en-US" sz="1800" b="0" i="0" u="none" strike="noStrike" dirty="0">
+                <a:solidFill>
+                  <a:schemeClr val="accent6"/>
+                </a:solidFill>
+                <a:effectLst/>
+                <a:latin typeface="Calibri" panose="020F0502020204030204" pitchFamily="34" charset="0"/>
+              </a:rPr>
+              <a:t>1.4E+09</a:t>
+            </a:r>
+            <a:r>
+              <a:rPr lang="en-US" sz="1800" b="0" i="0" u="none" strike="noStrike" dirty="0">
+                <a:solidFill>
+                  <a:srgbClr val="000000"/>
+                </a:solidFill>
+                <a:effectLst/>
+                <a:latin typeface="Calibri" panose="020F0502020204030204" pitchFamily="34" charset="0"/>
+              </a:rPr>
+              <a:t>, </a:t>
+            </a:r>
+            <a:r>
+              <a:rPr lang="en-US" sz="1800" b="0" i="0" u="none" strike="noStrike" dirty="0">
+                <a:solidFill>
+                  <a:schemeClr val="accent1"/>
+                </a:solidFill>
+                <a:effectLst/>
+                <a:latin typeface="Calibri" panose="020F0502020204030204" pitchFamily="34" charset="0"/>
+              </a:rPr>
+              <a:t>1.51E+12</a:t>
+            </a:r>
+            <a:r>
+              <a:rPr lang="en-US" sz="1800" b="0" i="0" u="none" strike="noStrike" dirty="0">
+                <a:solidFill>
+                  <a:srgbClr val="000000"/>
+                </a:solidFill>
+                <a:effectLst/>
+                <a:latin typeface="Calibri" panose="020F0502020204030204" pitchFamily="34" charset="0"/>
+              </a:rPr>
+              <a:t>, </a:t>
+            </a:r>
+            <a:r>
+              <a:rPr lang="en-US" sz="1800" b="0" i="0" u="none" strike="noStrike" dirty="0">
+                <a:solidFill>
+                  <a:srgbClr val="7030A0"/>
+                </a:solidFill>
+                <a:effectLst/>
+                <a:latin typeface="Calibri" panose="020F0502020204030204" pitchFamily="34" charset="0"/>
+              </a:rPr>
+              <a:t>1.56E+12</a:t>
+            </a:r>
+            <a:endParaRPr lang="en-US" dirty="0">
+              <a:solidFill>
+                <a:srgbClr val="7030A0"/>
+              </a:solidFill>
+            </a:endParaRPr>
+          </a:p>
+        </p:txBody>
+      </p:sp>
+    </p:spTree>
+    <p:extLst>
+      <p:ext uri="{BB962C8B-B14F-4D97-AF65-F5344CB8AC3E}">
+        <p14:creationId xmlns:p14="http://schemas.microsoft.com/office/powerpoint/2010/main" val="3337573788"/>
+      </p:ext>
+    </p:extLst>
+  </p:cSld>
+  <p:clrMapOvr>
+    <a:masterClrMapping/>
+  </p:clrMapOvr>
+</p:sld>
+</file>
+
+<file path=ppt/slides/slide15.xml><?xml version="1.0" encoding="utf-8"?>
+<p:sld xmlns:a="http://schemas.openxmlformats.org/drawingml/2006/main" xmlns:r="http://schemas.openxmlformats.org/officeDocument/2006/relationships" xmlns:p="http://schemas.openxmlformats.org/presentationml/2006/main">
+  <p:cSld>
+    <p:spTree>
+      <p:nvGrpSpPr>
+        <p:cNvPr id="1" name=""/>
+        <p:cNvGrpSpPr/>
+        <p:nvPr/>
+      </p:nvGrpSpPr>
+      <p:grpSpPr>
+        <a:xfrm>
+          <a:off x="0" y="0"/>
+          <a:ext cx="0" cy="0"/>
+          <a:chOff x="0" y="0"/>
+          <a:chExt cx="0" cy="0"/>
+        </a:xfrm>
+      </p:grpSpPr>
+      <p:sp>
+        <p:nvSpPr>
+          <p:cNvPr id="2" name="Title 1">
+            <a:extLst>
+              <a:ext uri="{FF2B5EF4-FFF2-40B4-BE49-F238E27FC236}">
+                <a16:creationId xmlns:a16="http://schemas.microsoft.com/office/drawing/2014/main" id="{DA7239E7-748D-4876-BBF5-316A71E9A1A3}"/>
+              </a:ext>
+            </a:extLst>
+          </p:cNvPr>
+          <p:cNvSpPr>
+            <a:spLocks noGrp="1"/>
+          </p:cNvSpPr>
+          <p:nvPr>
+            <p:ph type="title"/>
+          </p:nvPr>
+        </p:nvSpPr>
+        <p:spPr/>
+        <p:txBody>
+          <a:bodyPr/>
+          <a:lstStyle/>
+          <a:p>
+            <a:r>
+              <a:rPr lang="en-US" dirty="0"/>
+              <a:t>Three-epoch demographic diagram</a:t>
+            </a:r>
+          </a:p>
+        </p:txBody>
+      </p:sp>
+      <p:cxnSp>
+        <p:nvCxnSpPr>
+          <p:cNvPr id="4" name="Straight Connector 3">
+            <a:extLst>
+              <a:ext uri="{FF2B5EF4-FFF2-40B4-BE49-F238E27FC236}">
+                <a16:creationId xmlns:a16="http://schemas.microsoft.com/office/drawing/2014/main" id="{1F2AC5FA-6A03-4920-B542-EBC08A4068C4}"/>
+              </a:ext>
+            </a:extLst>
+          </p:cNvPr>
+          <p:cNvCxnSpPr>
+            <a:cxnSpLocks/>
+          </p:cNvCxnSpPr>
+          <p:nvPr/>
+        </p:nvCxnSpPr>
+        <p:spPr>
+          <a:xfrm>
+            <a:off x="3942735" y="1543664"/>
+            <a:ext cx="0" cy="1160207"/>
+          </a:xfrm>
+          <a:prstGeom prst="line">
+            <a:avLst/>
+          </a:prstGeom>
+          <a:ln w="76200"/>
+        </p:spPr>
+        <p:style>
+          <a:lnRef idx="1">
+            <a:schemeClr val="dk1"/>
+          </a:lnRef>
+          <a:fillRef idx="0">
+            <a:schemeClr val="dk1"/>
+          </a:fillRef>
+          <a:effectRef idx="0">
+            <a:schemeClr val="dk1"/>
+          </a:effectRef>
+          <a:fontRef idx="minor">
+            <a:schemeClr val="tx1"/>
+          </a:fontRef>
+        </p:style>
+      </p:cxnSp>
+      <p:cxnSp>
+        <p:nvCxnSpPr>
+          <p:cNvPr id="11" name="Straight Connector 10">
+            <a:extLst>
+              <a:ext uri="{FF2B5EF4-FFF2-40B4-BE49-F238E27FC236}">
+                <a16:creationId xmlns:a16="http://schemas.microsoft.com/office/drawing/2014/main" id="{B3FF88B3-ADA2-4055-8B12-815A8EA79B51}"/>
+              </a:ext>
+            </a:extLst>
+          </p:cNvPr>
+          <p:cNvCxnSpPr>
+            <a:cxnSpLocks/>
+          </p:cNvCxnSpPr>
+          <p:nvPr/>
+        </p:nvCxnSpPr>
+        <p:spPr>
+          <a:xfrm>
+            <a:off x="7251293" y="1514166"/>
+            <a:ext cx="0" cy="1160207"/>
+          </a:xfrm>
+          <a:prstGeom prst="line">
+            <a:avLst/>
+          </a:prstGeom>
+          <a:ln w="76200"/>
+        </p:spPr>
+        <p:style>
+          <a:lnRef idx="1">
+            <a:schemeClr val="dk1"/>
+          </a:lnRef>
+          <a:fillRef idx="0">
+            <a:schemeClr val="dk1"/>
+          </a:fillRef>
+          <a:effectRef idx="0">
+            <a:schemeClr val="dk1"/>
+          </a:effectRef>
+          <a:fontRef idx="minor">
+            <a:schemeClr val="tx1"/>
+          </a:fontRef>
+        </p:style>
+      </p:cxnSp>
+      <p:cxnSp>
+        <p:nvCxnSpPr>
+          <p:cNvPr id="12" name="Straight Connector 11">
+            <a:extLst>
+              <a:ext uri="{FF2B5EF4-FFF2-40B4-BE49-F238E27FC236}">
+                <a16:creationId xmlns:a16="http://schemas.microsoft.com/office/drawing/2014/main" id="{FF486342-824A-40E3-9AE1-91893625C7B5}"/>
+              </a:ext>
+            </a:extLst>
+          </p:cNvPr>
+          <p:cNvCxnSpPr>
+            <a:cxnSpLocks/>
+          </p:cNvCxnSpPr>
+          <p:nvPr/>
+        </p:nvCxnSpPr>
+        <p:spPr>
+          <a:xfrm>
+            <a:off x="3962401" y="2664543"/>
+            <a:ext cx="938982" cy="0"/>
+          </a:xfrm>
+          <a:prstGeom prst="line">
+            <a:avLst/>
+          </a:prstGeom>
+          <a:ln w="76200"/>
+        </p:spPr>
+        <p:style>
+          <a:lnRef idx="1">
+            <a:schemeClr val="dk1"/>
+          </a:lnRef>
+          <a:fillRef idx="0">
+            <a:schemeClr val="dk1"/>
+          </a:fillRef>
+          <a:effectRef idx="0">
+            <a:schemeClr val="dk1"/>
+          </a:effectRef>
+          <a:fontRef idx="minor">
+            <a:schemeClr val="tx1"/>
+          </a:fontRef>
+        </p:style>
+      </p:cxnSp>
+      <p:cxnSp>
+        <p:nvCxnSpPr>
+          <p:cNvPr id="13" name="Straight Connector 12">
+            <a:extLst>
+              <a:ext uri="{FF2B5EF4-FFF2-40B4-BE49-F238E27FC236}">
+                <a16:creationId xmlns:a16="http://schemas.microsoft.com/office/drawing/2014/main" id="{B1AD8BAB-E998-424B-ACBA-329E2CF30E0C}"/>
+              </a:ext>
+            </a:extLst>
+          </p:cNvPr>
+          <p:cNvCxnSpPr>
+            <a:cxnSpLocks/>
+          </p:cNvCxnSpPr>
+          <p:nvPr/>
+        </p:nvCxnSpPr>
+        <p:spPr>
+          <a:xfrm>
+            <a:off x="6331972" y="2635047"/>
+            <a:ext cx="938982" cy="0"/>
+          </a:xfrm>
+          <a:prstGeom prst="line">
+            <a:avLst/>
+          </a:prstGeom>
+          <a:ln w="76200"/>
+        </p:spPr>
+        <p:style>
+          <a:lnRef idx="1">
+            <a:schemeClr val="dk1"/>
+          </a:lnRef>
+          <a:fillRef idx="0">
+            <a:schemeClr val="dk1"/>
+          </a:fillRef>
+          <a:effectRef idx="0">
+            <a:schemeClr val="dk1"/>
+          </a:effectRef>
+          <a:fontRef idx="minor">
+            <a:schemeClr val="tx1"/>
+          </a:fontRef>
+        </p:style>
+      </p:cxnSp>
+      <p:cxnSp>
+        <p:nvCxnSpPr>
+          <p:cNvPr id="14" name="Straight Connector 13">
+            <a:extLst>
+              <a:ext uri="{FF2B5EF4-FFF2-40B4-BE49-F238E27FC236}">
+                <a16:creationId xmlns:a16="http://schemas.microsoft.com/office/drawing/2014/main" id="{34478090-97E5-4F9F-B183-49490C371D09}"/>
+              </a:ext>
+            </a:extLst>
+          </p:cNvPr>
+          <p:cNvCxnSpPr>
+            <a:cxnSpLocks/>
+          </p:cNvCxnSpPr>
+          <p:nvPr/>
+        </p:nvCxnSpPr>
+        <p:spPr>
+          <a:xfrm>
+            <a:off x="4857137" y="2674373"/>
+            <a:ext cx="0" cy="629266"/>
+          </a:xfrm>
+          <a:prstGeom prst="line">
+            <a:avLst/>
+          </a:prstGeom>
+          <a:ln w="76200"/>
+        </p:spPr>
+        <p:style>
+          <a:lnRef idx="1">
+            <a:schemeClr val="dk1"/>
+          </a:lnRef>
+          <a:fillRef idx="0">
+            <a:schemeClr val="dk1"/>
+          </a:fillRef>
+          <a:effectRef idx="0">
+            <a:schemeClr val="dk1"/>
+          </a:effectRef>
+          <a:fontRef idx="minor">
+            <a:schemeClr val="tx1"/>
+          </a:fontRef>
+        </p:style>
+      </p:cxnSp>
+      <p:cxnSp>
+        <p:nvCxnSpPr>
+          <p:cNvPr id="15" name="Straight Connector 14">
+            <a:extLst>
+              <a:ext uri="{FF2B5EF4-FFF2-40B4-BE49-F238E27FC236}">
+                <a16:creationId xmlns:a16="http://schemas.microsoft.com/office/drawing/2014/main" id="{642C4FCD-A983-48A6-A856-7EC09FFD10AB}"/>
+              </a:ext>
+            </a:extLst>
+          </p:cNvPr>
+          <p:cNvCxnSpPr>
+            <a:cxnSpLocks/>
+          </p:cNvCxnSpPr>
+          <p:nvPr/>
+        </p:nvCxnSpPr>
+        <p:spPr>
+          <a:xfrm>
+            <a:off x="6331972" y="2595719"/>
+            <a:ext cx="0" cy="707920"/>
+          </a:xfrm>
+          <a:prstGeom prst="line">
+            <a:avLst/>
+          </a:prstGeom>
+          <a:ln w="76200"/>
+        </p:spPr>
+        <p:style>
+          <a:lnRef idx="1">
+            <a:schemeClr val="dk1"/>
+          </a:lnRef>
+          <a:fillRef idx="0">
+            <a:schemeClr val="dk1"/>
+          </a:fillRef>
+          <a:effectRef idx="0">
+            <a:schemeClr val="dk1"/>
+          </a:effectRef>
+          <a:fontRef idx="minor">
+            <a:schemeClr val="tx1"/>
+          </a:fontRef>
+        </p:style>
+      </p:cxnSp>
+      <p:cxnSp>
+        <p:nvCxnSpPr>
+          <p:cNvPr id="18" name="Straight Connector 17">
+            <a:extLst>
+              <a:ext uri="{FF2B5EF4-FFF2-40B4-BE49-F238E27FC236}">
+                <a16:creationId xmlns:a16="http://schemas.microsoft.com/office/drawing/2014/main" id="{C4493DE9-1516-4196-B34F-E4EB7E8B9920}"/>
+              </a:ext>
+            </a:extLst>
+          </p:cNvPr>
+          <p:cNvCxnSpPr>
+            <a:cxnSpLocks/>
+          </p:cNvCxnSpPr>
+          <p:nvPr/>
+        </p:nvCxnSpPr>
+        <p:spPr>
+          <a:xfrm>
+            <a:off x="3962401" y="3274143"/>
+            <a:ext cx="938982" cy="0"/>
+          </a:xfrm>
+          <a:prstGeom prst="line">
+            <a:avLst/>
+          </a:prstGeom>
+          <a:ln w="76200"/>
+        </p:spPr>
+        <p:style>
+          <a:lnRef idx="1">
+            <a:schemeClr val="dk1"/>
+          </a:lnRef>
+          <a:fillRef idx="0">
+            <a:schemeClr val="dk1"/>
+          </a:fillRef>
+          <a:effectRef idx="0">
+            <a:schemeClr val="dk1"/>
+          </a:effectRef>
+          <a:fontRef idx="minor">
+            <a:schemeClr val="tx1"/>
+          </a:fontRef>
+        </p:style>
+      </p:cxnSp>
+      <p:cxnSp>
+        <p:nvCxnSpPr>
+          <p:cNvPr id="19" name="Straight Connector 18">
+            <a:extLst>
+              <a:ext uri="{FF2B5EF4-FFF2-40B4-BE49-F238E27FC236}">
+                <a16:creationId xmlns:a16="http://schemas.microsoft.com/office/drawing/2014/main" id="{68EC9FB0-C072-4611-A74E-FE2621FE9E05}"/>
+              </a:ext>
+            </a:extLst>
+          </p:cNvPr>
+          <p:cNvCxnSpPr>
+            <a:cxnSpLocks/>
+          </p:cNvCxnSpPr>
+          <p:nvPr/>
+        </p:nvCxnSpPr>
+        <p:spPr>
+          <a:xfrm>
+            <a:off x="6331972" y="3244647"/>
+            <a:ext cx="938982" cy="0"/>
+          </a:xfrm>
+          <a:prstGeom prst="line">
+            <a:avLst/>
+          </a:prstGeom>
+          <a:ln w="76200"/>
+        </p:spPr>
+        <p:style>
+          <a:lnRef idx="1">
+            <a:schemeClr val="dk1"/>
+          </a:lnRef>
+          <a:fillRef idx="0">
+            <a:schemeClr val="dk1"/>
+          </a:fillRef>
+          <a:effectRef idx="0">
+            <a:schemeClr val="dk1"/>
+          </a:effectRef>
+          <a:fontRef idx="minor">
+            <a:schemeClr val="tx1"/>
+          </a:fontRef>
+        </p:style>
+      </p:cxnSp>
+      <p:cxnSp>
+        <p:nvCxnSpPr>
+          <p:cNvPr id="20" name="Straight Connector 19">
+            <a:extLst>
+              <a:ext uri="{FF2B5EF4-FFF2-40B4-BE49-F238E27FC236}">
+                <a16:creationId xmlns:a16="http://schemas.microsoft.com/office/drawing/2014/main" id="{B4A5F2E9-70C4-4F6D-BA70-281406D7BA16}"/>
+              </a:ext>
+            </a:extLst>
+          </p:cNvPr>
+          <p:cNvCxnSpPr>
+            <a:cxnSpLocks/>
+          </p:cNvCxnSpPr>
+          <p:nvPr/>
+        </p:nvCxnSpPr>
+        <p:spPr>
+          <a:xfrm>
+            <a:off x="3942737" y="3234815"/>
+            <a:ext cx="0" cy="1160207"/>
+          </a:xfrm>
+          <a:prstGeom prst="line">
+            <a:avLst/>
+          </a:prstGeom>
+          <a:ln w="76200"/>
+        </p:spPr>
+        <p:style>
+          <a:lnRef idx="1">
+            <a:schemeClr val="dk1"/>
+          </a:lnRef>
+          <a:fillRef idx="0">
+            <a:schemeClr val="dk1"/>
+          </a:fillRef>
+          <a:effectRef idx="0">
+            <a:schemeClr val="dk1"/>
+          </a:effectRef>
+          <a:fontRef idx="minor">
+            <a:schemeClr val="tx1"/>
+          </a:fontRef>
+        </p:style>
+      </p:cxnSp>
+      <p:cxnSp>
+        <p:nvCxnSpPr>
+          <p:cNvPr id="21" name="Straight Connector 20">
+            <a:extLst>
+              <a:ext uri="{FF2B5EF4-FFF2-40B4-BE49-F238E27FC236}">
+                <a16:creationId xmlns:a16="http://schemas.microsoft.com/office/drawing/2014/main" id="{51EA3703-82D2-47E2-807E-78BA5B2C4900}"/>
+              </a:ext>
+            </a:extLst>
+          </p:cNvPr>
+          <p:cNvCxnSpPr>
+            <a:cxnSpLocks/>
+          </p:cNvCxnSpPr>
+          <p:nvPr/>
+        </p:nvCxnSpPr>
+        <p:spPr>
+          <a:xfrm>
+            <a:off x="7251295" y="3205317"/>
+            <a:ext cx="0" cy="1160207"/>
+          </a:xfrm>
+          <a:prstGeom prst="line">
+            <a:avLst/>
+          </a:prstGeom>
+          <a:ln w="76200"/>
+        </p:spPr>
+        <p:style>
+          <a:lnRef idx="1">
+            <a:schemeClr val="dk1"/>
+          </a:lnRef>
+          <a:fillRef idx="0">
+            <a:schemeClr val="dk1"/>
+          </a:fillRef>
+          <a:effectRef idx="0">
+            <a:schemeClr val="dk1"/>
+          </a:effectRef>
+          <a:fontRef idx="minor">
+            <a:schemeClr val="tx1"/>
+          </a:fontRef>
+        </p:style>
+      </p:cxnSp>
+      <p:cxnSp>
+        <p:nvCxnSpPr>
+          <p:cNvPr id="22" name="Straight Connector 21">
+            <a:extLst>
+              <a:ext uri="{FF2B5EF4-FFF2-40B4-BE49-F238E27FC236}">
+                <a16:creationId xmlns:a16="http://schemas.microsoft.com/office/drawing/2014/main" id="{8B1FE262-EC83-4002-9D42-EBF6291C6132}"/>
+              </a:ext>
+            </a:extLst>
+          </p:cNvPr>
+          <p:cNvCxnSpPr>
+            <a:cxnSpLocks/>
+          </p:cNvCxnSpPr>
+          <p:nvPr/>
+        </p:nvCxnSpPr>
+        <p:spPr>
+          <a:xfrm>
+            <a:off x="3918155" y="4340946"/>
+            <a:ext cx="938982" cy="0"/>
+          </a:xfrm>
+          <a:prstGeom prst="line">
+            <a:avLst/>
+          </a:prstGeom>
+          <a:ln w="76200"/>
+        </p:spPr>
+        <p:style>
+          <a:lnRef idx="1">
+            <a:schemeClr val="dk1"/>
+          </a:lnRef>
+          <a:fillRef idx="0">
+            <a:schemeClr val="dk1"/>
+          </a:fillRef>
+          <a:effectRef idx="0">
+            <a:schemeClr val="dk1"/>
+          </a:effectRef>
+          <a:fontRef idx="minor">
+            <a:schemeClr val="tx1"/>
+          </a:fontRef>
+        </p:style>
+      </p:cxnSp>
+      <p:cxnSp>
+        <p:nvCxnSpPr>
+          <p:cNvPr id="23" name="Straight Connector 22">
+            <a:extLst>
+              <a:ext uri="{FF2B5EF4-FFF2-40B4-BE49-F238E27FC236}">
+                <a16:creationId xmlns:a16="http://schemas.microsoft.com/office/drawing/2014/main" id="{C907B152-9FE8-4ABC-89FB-F4B0B76B6A7B}"/>
+              </a:ext>
+            </a:extLst>
+          </p:cNvPr>
+          <p:cNvCxnSpPr>
+            <a:cxnSpLocks/>
+          </p:cNvCxnSpPr>
+          <p:nvPr/>
+        </p:nvCxnSpPr>
+        <p:spPr>
+          <a:xfrm>
+            <a:off x="6287726" y="4311450"/>
+            <a:ext cx="938982" cy="0"/>
+          </a:xfrm>
+          <a:prstGeom prst="line">
+            <a:avLst/>
+          </a:prstGeom>
+          <a:ln w="76200"/>
+        </p:spPr>
+        <p:style>
+          <a:lnRef idx="1">
+            <a:schemeClr val="dk1"/>
+          </a:lnRef>
+          <a:fillRef idx="0">
+            <a:schemeClr val="dk1"/>
+          </a:fillRef>
+          <a:effectRef idx="0">
+            <a:schemeClr val="dk1"/>
+          </a:effectRef>
+          <a:fontRef idx="minor">
+            <a:schemeClr val="tx1"/>
+          </a:fontRef>
+        </p:style>
+      </p:cxnSp>
+      <p:cxnSp>
+        <p:nvCxnSpPr>
+          <p:cNvPr id="24" name="Straight Connector 23">
+            <a:extLst>
+              <a:ext uri="{FF2B5EF4-FFF2-40B4-BE49-F238E27FC236}">
+                <a16:creationId xmlns:a16="http://schemas.microsoft.com/office/drawing/2014/main" id="{7E3302EA-8B9E-407B-99B6-84AB8044EE63}"/>
+              </a:ext>
+            </a:extLst>
+          </p:cNvPr>
+          <p:cNvCxnSpPr>
+            <a:cxnSpLocks/>
+          </p:cNvCxnSpPr>
+          <p:nvPr/>
+        </p:nvCxnSpPr>
+        <p:spPr>
+          <a:xfrm>
+            <a:off x="4857137" y="4311450"/>
+            <a:ext cx="0" cy="629266"/>
+          </a:xfrm>
+          <a:prstGeom prst="line">
+            <a:avLst/>
+          </a:prstGeom>
+          <a:ln w="76200"/>
+        </p:spPr>
+        <p:style>
+          <a:lnRef idx="1">
+            <a:schemeClr val="dk1"/>
+          </a:lnRef>
+          <a:fillRef idx="0">
+            <a:schemeClr val="dk1"/>
+          </a:fillRef>
+          <a:effectRef idx="0">
+            <a:schemeClr val="dk1"/>
+          </a:effectRef>
+          <a:fontRef idx="minor">
+            <a:schemeClr val="tx1"/>
+          </a:fontRef>
+        </p:style>
+      </p:cxnSp>
+      <p:cxnSp>
+        <p:nvCxnSpPr>
+          <p:cNvPr id="25" name="Straight Connector 24">
+            <a:extLst>
+              <a:ext uri="{FF2B5EF4-FFF2-40B4-BE49-F238E27FC236}">
+                <a16:creationId xmlns:a16="http://schemas.microsoft.com/office/drawing/2014/main" id="{F83ADBEC-C9AA-4BAB-BFFC-16B7453DC8A6}"/>
+              </a:ext>
+            </a:extLst>
+          </p:cNvPr>
+          <p:cNvCxnSpPr>
+            <a:cxnSpLocks/>
+          </p:cNvCxnSpPr>
+          <p:nvPr/>
+        </p:nvCxnSpPr>
+        <p:spPr>
+          <a:xfrm>
+            <a:off x="6287724" y="4232796"/>
+            <a:ext cx="0" cy="707920"/>
+          </a:xfrm>
+          <a:prstGeom prst="line">
+            <a:avLst/>
+          </a:prstGeom>
+          <a:ln w="76200"/>
+        </p:spPr>
+        <p:style>
+          <a:lnRef idx="1">
+            <a:schemeClr val="dk1"/>
+          </a:lnRef>
+          <a:fillRef idx="0">
+            <a:schemeClr val="dk1"/>
+          </a:fillRef>
+          <a:effectRef idx="0">
+            <a:schemeClr val="dk1"/>
+          </a:effectRef>
+          <a:fontRef idx="minor">
+            <a:schemeClr val="tx1"/>
+          </a:fontRef>
+        </p:style>
+      </p:cxnSp>
+      <p:cxnSp>
+        <p:nvCxnSpPr>
+          <p:cNvPr id="26" name="Straight Connector 25">
+            <a:extLst>
+              <a:ext uri="{FF2B5EF4-FFF2-40B4-BE49-F238E27FC236}">
+                <a16:creationId xmlns:a16="http://schemas.microsoft.com/office/drawing/2014/main" id="{1A92CFB1-FD4C-4FD3-9B1D-0EB7D42F5C9F}"/>
+              </a:ext>
+            </a:extLst>
+          </p:cNvPr>
+          <p:cNvCxnSpPr>
+            <a:cxnSpLocks/>
+          </p:cNvCxnSpPr>
+          <p:nvPr/>
+        </p:nvCxnSpPr>
+        <p:spPr>
+          <a:xfrm>
+            <a:off x="3918155" y="4940716"/>
+            <a:ext cx="938982" cy="0"/>
+          </a:xfrm>
+          <a:prstGeom prst="line">
+            <a:avLst/>
+          </a:prstGeom>
+          <a:ln w="76200"/>
+        </p:spPr>
+        <p:style>
+          <a:lnRef idx="1">
+            <a:schemeClr val="dk1"/>
+          </a:lnRef>
+          <a:fillRef idx="0">
+            <a:schemeClr val="dk1"/>
+          </a:fillRef>
+          <a:effectRef idx="0">
+            <a:schemeClr val="dk1"/>
+          </a:effectRef>
+          <a:fontRef idx="minor">
+            <a:schemeClr val="tx1"/>
+          </a:fontRef>
+        </p:style>
+      </p:cxnSp>
+      <p:cxnSp>
+        <p:nvCxnSpPr>
+          <p:cNvPr id="27" name="Straight Connector 26">
+            <a:extLst>
+              <a:ext uri="{FF2B5EF4-FFF2-40B4-BE49-F238E27FC236}">
+                <a16:creationId xmlns:a16="http://schemas.microsoft.com/office/drawing/2014/main" id="{7695ACEB-7910-4900-B3B0-B14398C2BA92}"/>
+              </a:ext>
+            </a:extLst>
+          </p:cNvPr>
+          <p:cNvCxnSpPr>
+            <a:cxnSpLocks/>
+          </p:cNvCxnSpPr>
+          <p:nvPr/>
+        </p:nvCxnSpPr>
+        <p:spPr>
+          <a:xfrm>
+            <a:off x="6287726" y="4911220"/>
+            <a:ext cx="938982" cy="0"/>
+          </a:xfrm>
+          <a:prstGeom prst="line">
+            <a:avLst/>
+          </a:prstGeom>
+          <a:ln w="76200"/>
+        </p:spPr>
+        <p:style>
+          <a:lnRef idx="1">
+            <a:schemeClr val="dk1"/>
+          </a:lnRef>
+          <a:fillRef idx="0">
+            <a:schemeClr val="dk1"/>
+          </a:fillRef>
+          <a:effectRef idx="0">
+            <a:schemeClr val="dk1"/>
+          </a:effectRef>
+          <a:fontRef idx="minor">
+            <a:schemeClr val="tx1"/>
+          </a:fontRef>
+        </p:style>
+      </p:cxnSp>
+      <p:cxnSp>
+        <p:nvCxnSpPr>
+          <p:cNvPr id="28" name="Straight Connector 27">
+            <a:extLst>
+              <a:ext uri="{FF2B5EF4-FFF2-40B4-BE49-F238E27FC236}">
+                <a16:creationId xmlns:a16="http://schemas.microsoft.com/office/drawing/2014/main" id="{04077A44-42D0-4823-8A82-C0691D905F6B}"/>
+              </a:ext>
+            </a:extLst>
+          </p:cNvPr>
+          <p:cNvCxnSpPr>
+            <a:cxnSpLocks/>
+          </p:cNvCxnSpPr>
+          <p:nvPr/>
+        </p:nvCxnSpPr>
+        <p:spPr>
+          <a:xfrm>
+            <a:off x="3942737" y="4911220"/>
+            <a:ext cx="0" cy="1160207"/>
+          </a:xfrm>
+          <a:prstGeom prst="line">
+            <a:avLst/>
+          </a:prstGeom>
+          <a:ln w="76200"/>
+        </p:spPr>
+        <p:style>
+          <a:lnRef idx="1">
+            <a:schemeClr val="dk1"/>
+          </a:lnRef>
+          <a:fillRef idx="0">
+            <a:schemeClr val="dk1"/>
+          </a:fillRef>
+          <a:effectRef idx="0">
+            <a:schemeClr val="dk1"/>
+          </a:effectRef>
+          <a:fontRef idx="minor">
+            <a:schemeClr val="tx1"/>
+          </a:fontRef>
+        </p:style>
+      </p:cxnSp>
+      <p:cxnSp>
+        <p:nvCxnSpPr>
+          <p:cNvPr id="29" name="Straight Connector 28">
+            <a:extLst>
+              <a:ext uri="{FF2B5EF4-FFF2-40B4-BE49-F238E27FC236}">
+                <a16:creationId xmlns:a16="http://schemas.microsoft.com/office/drawing/2014/main" id="{F1A589BB-0F7A-47B6-936A-5F5F39AF3707}"/>
+              </a:ext>
+            </a:extLst>
+          </p:cNvPr>
+          <p:cNvCxnSpPr>
+            <a:cxnSpLocks/>
+          </p:cNvCxnSpPr>
+          <p:nvPr/>
+        </p:nvCxnSpPr>
+        <p:spPr>
+          <a:xfrm>
+            <a:off x="7251295" y="4862058"/>
+            <a:ext cx="0" cy="1160207"/>
+          </a:xfrm>
+          <a:prstGeom prst="line">
+            <a:avLst/>
+          </a:prstGeom>
+          <a:ln w="76200"/>
+        </p:spPr>
+        <p:style>
+          <a:lnRef idx="1">
+            <a:schemeClr val="dk1"/>
+          </a:lnRef>
+          <a:fillRef idx="0">
+            <a:schemeClr val="dk1"/>
+          </a:fillRef>
+          <a:effectRef idx="0">
+            <a:schemeClr val="dk1"/>
+          </a:effectRef>
+          <a:fontRef idx="minor">
+            <a:schemeClr val="tx1"/>
+          </a:fontRef>
+        </p:style>
+      </p:cxnSp>
+    </p:spTree>
+    <p:extLst>
+      <p:ext uri="{BB962C8B-B14F-4D97-AF65-F5344CB8AC3E}">
+        <p14:creationId xmlns:p14="http://schemas.microsoft.com/office/powerpoint/2010/main" val="1334732559"/>
+      </p:ext>
+    </p:extLst>
+  </p:cSld>
+  <p:clrMapOvr>
+    <a:masterClrMapping/>
+  </p:clrMapOvr>
+</p:sld>
+</file>
+
+<file path=ppt/slides/slide16.xml><?xml version="1.0" encoding="utf-8"?>
+<p:sld xmlns:a="http://schemas.openxmlformats.org/drawingml/2006/main" xmlns:r="http://schemas.openxmlformats.org/officeDocument/2006/relationships" xmlns:p="http://schemas.openxmlformats.org/presentationml/2006/main">
+  <p:cSld>
+    <p:spTree>
+      <p:nvGrpSpPr>
+        <p:cNvPr id="1" name=""/>
+        <p:cNvGrpSpPr/>
+        <p:nvPr/>
+      </p:nvGrpSpPr>
+      <p:grpSpPr>
+        <a:xfrm>
+          <a:off x="0" y="0"/>
+          <a:ext cx="0" cy="0"/>
+          <a:chOff x="0" y="0"/>
+          <a:chExt cx="0" cy="0"/>
+        </a:xfrm>
+      </p:grpSpPr>
+      <p:sp>
+        <p:nvSpPr>
+          <p:cNvPr id="2" name="Title 1">
+            <a:extLst>
+              <a:ext uri="{FF2B5EF4-FFF2-40B4-BE49-F238E27FC236}">
+                <a16:creationId xmlns:a16="http://schemas.microsoft.com/office/drawing/2014/main" id="{C98C6E43-5FAD-42C7-88E7-1E78A7F5C340}"/>
+              </a:ext>
+            </a:extLst>
+          </p:cNvPr>
+          <p:cNvSpPr>
+            <a:spLocks noGrp="1"/>
+          </p:cNvSpPr>
+          <p:nvPr>
+            <p:ph type="title"/>
+          </p:nvPr>
+        </p:nvSpPr>
+        <p:spPr/>
+        <p:txBody>
+          <a:bodyPr/>
+          <a:lstStyle/>
+          <a:p>
+            <a:r>
+              <a:rPr lang="en-US" dirty="0"/>
+              <a:t>Two-epoch demographic diagram</a:t>
+            </a:r>
+          </a:p>
+        </p:txBody>
+      </p:sp>
+      <p:cxnSp>
+        <p:nvCxnSpPr>
+          <p:cNvPr id="4" name="Straight Connector 3">
+            <a:extLst>
+              <a:ext uri="{FF2B5EF4-FFF2-40B4-BE49-F238E27FC236}">
+                <a16:creationId xmlns:a16="http://schemas.microsoft.com/office/drawing/2014/main" id="{537FA2C5-D5D3-49C3-B3EA-043FF7A1DA1E}"/>
+              </a:ext>
+            </a:extLst>
+          </p:cNvPr>
+          <p:cNvCxnSpPr>
+            <a:cxnSpLocks/>
+          </p:cNvCxnSpPr>
+          <p:nvPr/>
+        </p:nvCxnSpPr>
+        <p:spPr>
+          <a:xfrm>
+            <a:off x="3942737" y="1555955"/>
+            <a:ext cx="0" cy="1885336"/>
+          </a:xfrm>
+          <a:prstGeom prst="line">
+            <a:avLst/>
+          </a:prstGeom>
+          <a:ln w="76200"/>
+        </p:spPr>
+        <p:style>
+          <a:lnRef idx="1">
+            <a:schemeClr val="dk1"/>
+          </a:lnRef>
+          <a:fillRef idx="0">
+            <a:schemeClr val="dk1"/>
+          </a:fillRef>
+          <a:effectRef idx="0">
+            <a:schemeClr val="dk1"/>
+          </a:effectRef>
+          <a:fontRef idx="minor">
+            <a:schemeClr val="tx1"/>
+          </a:fontRef>
+        </p:style>
+      </p:cxnSp>
+      <p:cxnSp>
+        <p:nvCxnSpPr>
+          <p:cNvPr id="6" name="Straight Connector 5">
+            <a:extLst>
+              <a:ext uri="{FF2B5EF4-FFF2-40B4-BE49-F238E27FC236}">
+                <a16:creationId xmlns:a16="http://schemas.microsoft.com/office/drawing/2014/main" id="{9D1FBBFA-4AB8-41C7-B8C0-D19D09734109}"/>
+              </a:ext>
+            </a:extLst>
+          </p:cNvPr>
+          <p:cNvCxnSpPr>
+            <a:cxnSpLocks/>
+          </p:cNvCxnSpPr>
+          <p:nvPr/>
+        </p:nvCxnSpPr>
+        <p:spPr>
+          <a:xfrm>
+            <a:off x="3962401" y="3431461"/>
+            <a:ext cx="938982" cy="0"/>
+          </a:xfrm>
+          <a:prstGeom prst="line">
+            <a:avLst/>
+          </a:prstGeom>
+          <a:ln w="76200"/>
+        </p:spPr>
+        <p:style>
+          <a:lnRef idx="1">
+            <a:schemeClr val="dk1"/>
+          </a:lnRef>
+          <a:fillRef idx="0">
+            <a:schemeClr val="dk1"/>
+          </a:fillRef>
+          <a:effectRef idx="0">
+            <a:schemeClr val="dk1"/>
+          </a:effectRef>
+          <a:fontRef idx="minor">
+            <a:schemeClr val="tx1"/>
+          </a:fontRef>
+        </p:style>
+      </p:cxnSp>
+      <p:cxnSp>
+        <p:nvCxnSpPr>
+          <p:cNvPr id="7" name="Straight Connector 6">
+            <a:extLst>
+              <a:ext uri="{FF2B5EF4-FFF2-40B4-BE49-F238E27FC236}">
+                <a16:creationId xmlns:a16="http://schemas.microsoft.com/office/drawing/2014/main" id="{7324B307-7362-4471-BAE7-C67D384DB671}"/>
+              </a:ext>
+            </a:extLst>
+          </p:cNvPr>
+          <p:cNvCxnSpPr>
+            <a:cxnSpLocks/>
+          </p:cNvCxnSpPr>
+          <p:nvPr/>
+        </p:nvCxnSpPr>
+        <p:spPr>
+          <a:xfrm>
+            <a:off x="6331972" y="3401965"/>
+            <a:ext cx="938982" cy="0"/>
+          </a:xfrm>
+          <a:prstGeom prst="line">
+            <a:avLst/>
+          </a:prstGeom>
+          <a:ln w="76200"/>
+        </p:spPr>
+        <p:style>
+          <a:lnRef idx="1">
+            <a:schemeClr val="dk1"/>
+          </a:lnRef>
+          <a:fillRef idx="0">
+            <a:schemeClr val="dk1"/>
+          </a:fillRef>
+          <a:effectRef idx="0">
+            <a:schemeClr val="dk1"/>
+          </a:effectRef>
+          <a:fontRef idx="minor">
+            <a:schemeClr val="tx1"/>
+          </a:fontRef>
+        </p:style>
+      </p:cxnSp>
+      <p:cxnSp>
+        <p:nvCxnSpPr>
+          <p:cNvPr id="8" name="Straight Connector 7">
+            <a:extLst>
+              <a:ext uri="{FF2B5EF4-FFF2-40B4-BE49-F238E27FC236}">
+                <a16:creationId xmlns:a16="http://schemas.microsoft.com/office/drawing/2014/main" id="{50F2E921-ED7B-4214-9C10-F64067041463}"/>
+              </a:ext>
+            </a:extLst>
+          </p:cNvPr>
+          <p:cNvCxnSpPr>
+            <a:cxnSpLocks/>
+          </p:cNvCxnSpPr>
+          <p:nvPr/>
+        </p:nvCxnSpPr>
+        <p:spPr>
+          <a:xfrm>
+            <a:off x="4857137" y="3441291"/>
+            <a:ext cx="0" cy="629266"/>
+          </a:xfrm>
+          <a:prstGeom prst="line">
+            <a:avLst/>
+          </a:prstGeom>
+          <a:ln w="76200"/>
+        </p:spPr>
+        <p:style>
+          <a:lnRef idx="1">
+            <a:schemeClr val="dk1"/>
+          </a:lnRef>
+          <a:fillRef idx="0">
+            <a:schemeClr val="dk1"/>
+          </a:fillRef>
+          <a:effectRef idx="0">
+            <a:schemeClr val="dk1"/>
+          </a:effectRef>
+          <a:fontRef idx="minor">
+            <a:schemeClr val="tx1"/>
+          </a:fontRef>
+        </p:style>
+      </p:cxnSp>
+      <p:cxnSp>
+        <p:nvCxnSpPr>
+          <p:cNvPr id="9" name="Straight Connector 8">
+            <a:extLst>
+              <a:ext uri="{FF2B5EF4-FFF2-40B4-BE49-F238E27FC236}">
+                <a16:creationId xmlns:a16="http://schemas.microsoft.com/office/drawing/2014/main" id="{722998AD-AD3A-40D9-9F37-F46460058775}"/>
+              </a:ext>
+            </a:extLst>
+          </p:cNvPr>
+          <p:cNvCxnSpPr>
+            <a:cxnSpLocks/>
+          </p:cNvCxnSpPr>
+          <p:nvPr/>
+        </p:nvCxnSpPr>
+        <p:spPr>
+          <a:xfrm>
+            <a:off x="6331972" y="3362637"/>
+            <a:ext cx="0" cy="707920"/>
+          </a:xfrm>
+          <a:prstGeom prst="line">
+            <a:avLst/>
+          </a:prstGeom>
+          <a:ln w="76200"/>
+        </p:spPr>
+        <p:style>
+          <a:lnRef idx="1">
+            <a:schemeClr val="dk1"/>
+          </a:lnRef>
+          <a:fillRef idx="0">
+            <a:schemeClr val="dk1"/>
+          </a:fillRef>
+          <a:effectRef idx="0">
+            <a:schemeClr val="dk1"/>
+          </a:effectRef>
+          <a:fontRef idx="minor">
+            <a:schemeClr val="tx1"/>
+          </a:fontRef>
+        </p:style>
+      </p:cxnSp>
+      <p:cxnSp>
+        <p:nvCxnSpPr>
+          <p:cNvPr id="10" name="Straight Connector 9">
+            <a:extLst>
+              <a:ext uri="{FF2B5EF4-FFF2-40B4-BE49-F238E27FC236}">
+                <a16:creationId xmlns:a16="http://schemas.microsoft.com/office/drawing/2014/main" id="{FCFE8150-CC38-4AD0-A52D-AFBC89EA1A7A}"/>
+              </a:ext>
+            </a:extLst>
+          </p:cNvPr>
+          <p:cNvCxnSpPr>
+            <a:cxnSpLocks/>
+          </p:cNvCxnSpPr>
+          <p:nvPr/>
+        </p:nvCxnSpPr>
+        <p:spPr>
+          <a:xfrm>
+            <a:off x="3962401" y="4041061"/>
+            <a:ext cx="938982" cy="0"/>
+          </a:xfrm>
+          <a:prstGeom prst="line">
+            <a:avLst/>
+          </a:prstGeom>
+          <a:ln w="76200"/>
+        </p:spPr>
+        <p:style>
+          <a:lnRef idx="1">
+            <a:schemeClr val="dk1"/>
+          </a:lnRef>
+          <a:fillRef idx="0">
+            <a:schemeClr val="dk1"/>
+          </a:fillRef>
+          <a:effectRef idx="0">
+            <a:schemeClr val="dk1"/>
+          </a:effectRef>
+          <a:fontRef idx="minor">
+            <a:schemeClr val="tx1"/>
+          </a:fontRef>
+        </p:style>
+      </p:cxnSp>
+      <p:cxnSp>
+        <p:nvCxnSpPr>
+          <p:cNvPr id="11" name="Straight Connector 10">
+            <a:extLst>
+              <a:ext uri="{FF2B5EF4-FFF2-40B4-BE49-F238E27FC236}">
+                <a16:creationId xmlns:a16="http://schemas.microsoft.com/office/drawing/2014/main" id="{FF8A83C3-C36D-4EC8-A479-A7AD29C49BD9}"/>
+              </a:ext>
+            </a:extLst>
+          </p:cNvPr>
+          <p:cNvCxnSpPr>
+            <a:cxnSpLocks/>
+          </p:cNvCxnSpPr>
+          <p:nvPr/>
+        </p:nvCxnSpPr>
+        <p:spPr>
+          <a:xfrm>
+            <a:off x="6331972" y="4011565"/>
+            <a:ext cx="938982" cy="0"/>
+          </a:xfrm>
+          <a:prstGeom prst="line">
+            <a:avLst/>
+          </a:prstGeom>
+          <a:ln w="76200"/>
+        </p:spPr>
+        <p:style>
+          <a:lnRef idx="1">
+            <a:schemeClr val="dk1"/>
+          </a:lnRef>
+          <a:fillRef idx="0">
+            <a:schemeClr val="dk1"/>
+          </a:fillRef>
+          <a:effectRef idx="0">
+            <a:schemeClr val="dk1"/>
+          </a:effectRef>
+          <a:fontRef idx="minor">
+            <a:schemeClr val="tx1"/>
+          </a:fontRef>
+        </p:style>
+      </p:cxnSp>
+      <p:cxnSp>
+        <p:nvCxnSpPr>
+          <p:cNvPr id="19" name="Straight Connector 18">
+            <a:extLst>
+              <a:ext uri="{FF2B5EF4-FFF2-40B4-BE49-F238E27FC236}">
+                <a16:creationId xmlns:a16="http://schemas.microsoft.com/office/drawing/2014/main" id="{30FE58A1-AF8D-4E74-920D-59DBED1D6A16}"/>
+              </a:ext>
+            </a:extLst>
+          </p:cNvPr>
+          <p:cNvCxnSpPr>
+            <a:cxnSpLocks/>
+          </p:cNvCxnSpPr>
+          <p:nvPr/>
+        </p:nvCxnSpPr>
+        <p:spPr>
+          <a:xfrm>
+            <a:off x="7226708" y="1477301"/>
+            <a:ext cx="0" cy="1885336"/>
+          </a:xfrm>
+          <a:prstGeom prst="line">
+            <a:avLst/>
+          </a:prstGeom>
+          <a:ln w="76200"/>
+        </p:spPr>
+        <p:style>
+          <a:lnRef idx="1">
+            <a:schemeClr val="dk1"/>
+          </a:lnRef>
+          <a:fillRef idx="0">
+            <a:schemeClr val="dk1"/>
+          </a:fillRef>
+          <a:effectRef idx="0">
+            <a:schemeClr val="dk1"/>
+          </a:effectRef>
+          <a:fontRef idx="minor">
+            <a:schemeClr val="tx1"/>
+          </a:fontRef>
+        </p:style>
+      </p:cxnSp>
+      <p:cxnSp>
+        <p:nvCxnSpPr>
+          <p:cNvPr id="20" name="Straight Connector 19">
+            <a:extLst>
+              <a:ext uri="{FF2B5EF4-FFF2-40B4-BE49-F238E27FC236}">
+                <a16:creationId xmlns:a16="http://schemas.microsoft.com/office/drawing/2014/main" id="{245883CA-6C7A-4D43-A127-62F4F9AE75E0}"/>
+              </a:ext>
+            </a:extLst>
+          </p:cNvPr>
+          <p:cNvCxnSpPr>
+            <a:cxnSpLocks/>
+          </p:cNvCxnSpPr>
+          <p:nvPr/>
+        </p:nvCxnSpPr>
+        <p:spPr>
+          <a:xfrm>
+            <a:off x="3962401" y="4011565"/>
+            <a:ext cx="0" cy="1885336"/>
+          </a:xfrm>
+          <a:prstGeom prst="line">
+            <a:avLst/>
+          </a:prstGeom>
+          <a:ln w="76200"/>
+        </p:spPr>
+        <p:style>
+          <a:lnRef idx="1">
+            <a:schemeClr val="dk1"/>
+          </a:lnRef>
+          <a:fillRef idx="0">
+            <a:schemeClr val="dk1"/>
+          </a:fillRef>
+          <a:effectRef idx="0">
+            <a:schemeClr val="dk1"/>
+          </a:effectRef>
+          <a:fontRef idx="minor">
+            <a:schemeClr val="tx1"/>
+          </a:fontRef>
+        </p:style>
+      </p:cxnSp>
+      <p:cxnSp>
+        <p:nvCxnSpPr>
+          <p:cNvPr id="21" name="Straight Connector 20">
+            <a:extLst>
+              <a:ext uri="{FF2B5EF4-FFF2-40B4-BE49-F238E27FC236}">
+                <a16:creationId xmlns:a16="http://schemas.microsoft.com/office/drawing/2014/main" id="{E0197A81-AFA4-4230-8440-E269266B0389}"/>
+              </a:ext>
+            </a:extLst>
+          </p:cNvPr>
+          <p:cNvCxnSpPr>
+            <a:cxnSpLocks/>
+          </p:cNvCxnSpPr>
+          <p:nvPr/>
+        </p:nvCxnSpPr>
+        <p:spPr>
+          <a:xfrm>
+            <a:off x="7226708" y="4011565"/>
+            <a:ext cx="0" cy="1885336"/>
+          </a:xfrm>
+          <a:prstGeom prst="line">
+            <a:avLst/>
+          </a:prstGeom>
+          <a:ln w="76200"/>
+        </p:spPr>
+        <p:style>
+          <a:lnRef idx="1">
+            <a:schemeClr val="dk1"/>
+          </a:lnRef>
+          <a:fillRef idx="0">
+            <a:schemeClr val="dk1"/>
+          </a:fillRef>
+          <a:effectRef idx="0">
+            <a:schemeClr val="dk1"/>
+          </a:effectRef>
+          <a:fontRef idx="minor">
+            <a:schemeClr val="tx1"/>
+          </a:fontRef>
+        </p:style>
+      </p:cxnSp>
+    </p:spTree>
+    <p:extLst>
+      <p:ext uri="{BB962C8B-B14F-4D97-AF65-F5344CB8AC3E}">
+        <p14:creationId xmlns:p14="http://schemas.microsoft.com/office/powerpoint/2010/main" val="1171898825"/>
+      </p:ext>
+    </p:extLst>
+  </p:cSld>
+  <p:clrMapOvr>
+    <a:masterClrMapping/>
+  </p:clrMapOvr>
+</p:sld>
+</file>
+
+<file path=ppt/slides/slide17.xml><?xml version="1.0" encoding="utf-8"?>
+<p:sld xmlns:a="http://schemas.openxmlformats.org/drawingml/2006/main" xmlns:r="http://schemas.openxmlformats.org/officeDocument/2006/relationships" xmlns:p="http://schemas.openxmlformats.org/presentationml/2006/main">
+  <p:cSld>
+    <p:spTree>
+      <p:nvGrpSpPr>
+        <p:cNvPr id="1" name=""/>
+        <p:cNvGrpSpPr/>
+        <p:nvPr/>
+      </p:nvGrpSpPr>
+      <p:grpSpPr>
+        <a:xfrm>
+          <a:off x="0" y="0"/>
+          <a:ext cx="0" cy="0"/>
+          <a:chOff x="0" y="0"/>
+          <a:chExt cx="0" cy="0"/>
+        </a:xfrm>
+      </p:grpSpPr>
+      <p:sp>
+        <p:nvSpPr>
+          <p:cNvPr id="2" name="Title 1">
+            <a:extLst>
+              <a:ext uri="{FF2B5EF4-FFF2-40B4-BE49-F238E27FC236}">
                 <a16:creationId xmlns:a16="http://schemas.microsoft.com/office/drawing/2014/main" id="{1DA4FD9C-0575-4672-BDCF-805449EFAC7C}"/>
               </a:ext>
             </a:extLst>
@@ -5611,7 +8571,7 @@
 </p:sld>
 </file>
 
-<file path=ppt/slides/slide13.xml><?xml version="1.0" encoding="utf-8"?>
+<file path=ppt/slides/slide18.xml><?xml version="1.0" encoding="utf-8"?>
 <p:sld xmlns:a="http://schemas.openxmlformats.org/drawingml/2006/main" xmlns:r="http://schemas.openxmlformats.org/officeDocument/2006/relationships" xmlns:p="http://schemas.openxmlformats.org/presentationml/2006/main">
   <p:cSld>
     <p:spTree>
@@ -6752,7 +9712,7 @@
             <p:ph idx="1"/>
             <p:extLst>
               <p:ext uri="{D42A27DB-BD31-4B8C-83A1-F6EECF244321}">
-                <p14:modId xmlns:p14="http://schemas.microsoft.com/office/powerpoint/2010/main" val="3038942447"/>
+                <p14:modId xmlns:p14="http://schemas.microsoft.com/office/powerpoint/2010/main" val="1474385043"/>
               </p:ext>
             </p:extLst>
           </p:nvPr>
@@ -6897,8 +9857,26 @@
                     <a:p>
                       <a:r>
                         <a:rPr lang="en-US" dirty="0"/>
-                        <a:t>-127.936291202</a:t>
-                      </a:r>
+                        <a:t>-123.582830394</a:t>
+                      </a:r>
+                    </a:p>
+                  </a:txBody>
+                  <a:tcPr/>
+                </a:tc>
+                <a:tc>
+                  <a:txBody>
+                    <a:bodyPr/>
+                    <a:lstStyle/>
+                    <a:p>
+                      <a:r>
+                        <a:rPr lang="en-US" dirty="0"/>
+                        <a:t>-115.548611105</a:t>
+                      </a:r>
+                      <a:endParaRPr lang="en-US" dirty="0">
+                        <a:highlight>
+                          <a:srgbClr val="FFFF00"/>
+                        </a:highlight>
+                      </a:endParaRPr>
                     </a:p>
                   </a:txBody>
                   <a:tcPr/>
@@ -6914,26 +9892,8 @@
                             <a:srgbClr val="FFFF00"/>
                           </a:highlight>
                         </a:rPr>
-                        <a:t>-115.384987567</a:t>
-                      </a:r>
-                    </a:p>
-                  </a:txBody>
-                  <a:tcPr/>
-                </a:tc>
-                <a:tc>
-                  <a:txBody>
-                    <a:bodyPr/>
-                    <a:lstStyle/>
-                    <a:p>
-                      <a:r>
-                        <a:rPr lang="en-US" dirty="0"/>
-                        <a:t>-118.086979535</a:t>
-                      </a:r>
-                      <a:endParaRPr lang="en-US" dirty="0">
-                        <a:highlight>
-                          <a:srgbClr val="FFFF00"/>
-                        </a:highlight>
-                      </a:endParaRPr>
+                        <a:t>-114.478986615</a:t>
+                      </a:r>
                     </a:p>
                   </a:txBody>
                   <a:tcPr/>
@@ -6952,7 +9912,7 @@
                           <a:ea typeface="+mn-ea"/>
                           <a:cs typeface="+mn-cs"/>
                         </a:rPr>
-                        <a:t>-116.530852345</a:t>
+                        <a:t>-115.763713816</a:t>
                       </a:r>
                       <a:endParaRPr lang="en-US" dirty="0"/>
                     </a:p>
@@ -6987,7 +9947,7 @@
                     <a:p>
                       <a:r>
                         <a:rPr lang="en-US" dirty="0"/>
-                        <a:t>5.06496807</a:t>
+                        <a:t>2.34360421</a:t>
                       </a:r>
                     </a:p>
                   </a:txBody>
@@ -7000,7 +9960,7 @@
                     <a:p>
                       <a:r>
                         <a:rPr lang="en-US" dirty="0"/>
-                        <a:t>1.44199393</a:t>
+                        <a:t>1.46471105</a:t>
                       </a:r>
                     </a:p>
                   </a:txBody>
@@ -7013,7 +9973,7 @@
                     <a:p>
                       <a:r>
                         <a:rPr lang="en-US" dirty="0"/>
-                        <a:t>0.32927112</a:t>
+                        <a:t>0.99063457</a:t>
                       </a:r>
                     </a:p>
                   </a:txBody>
@@ -7033,7 +9993,7 @@
                           <a:ea typeface="+mn-ea"/>
                           <a:cs typeface="+mn-cs"/>
                         </a:rPr>
-                        <a:t>0.17552614</a:t>
+                        <a:t>1.43575234</a:t>
                       </a:r>
                       <a:endParaRPr lang="en-US" dirty="0"/>
                     </a:p>
@@ -7094,7 +10054,7 @@
                     <a:p>
                       <a:r>
                         <a:rPr lang="en-US" dirty="0"/>
-                        <a:t>1.86184541</a:t>
+                        <a:t>1.53009861</a:t>
                       </a:r>
                     </a:p>
                   </a:txBody>
@@ -7114,7 +10074,7 @@
                           <a:ea typeface="+mn-ea"/>
                           <a:cs typeface="+mn-cs"/>
                         </a:rPr>
-                        <a:t>0.60311634</a:t>
+                        <a:t>1.43566152</a:t>
                       </a:r>
                       <a:endParaRPr lang="en-US" dirty="0"/>
                     </a:p>
@@ -7148,7 +10108,7 @@
                     <a:p>
                       <a:r>
                         <a:rPr lang="en-US" dirty="0"/>
-                        <a:t>0.02285876</a:t>
+                        <a:t>0.05432866</a:t>
                       </a:r>
                     </a:p>
                   </a:txBody>
@@ -7161,7 +10121,7 @@
                     <a:p>
                       <a:r>
                         <a:rPr lang="en-US" dirty="0"/>
-                        <a:t>0.23624364</a:t>
+                        <a:t>0.20111674</a:t>
                       </a:r>
                     </a:p>
                   </a:txBody>
@@ -7174,7 +10134,7 @@
                     <a:p>
                       <a:r>
                         <a:rPr lang="en-US" dirty="0"/>
-                        <a:t>7.56831131</a:t>
+                        <a:t>0.44283702</a:t>
                       </a:r>
                     </a:p>
                   </a:txBody>
@@ -7194,7 +10154,7 @@
                           <a:ea typeface="+mn-ea"/>
                           <a:cs typeface="+mn-cs"/>
                         </a:rPr>
-                        <a:t>0.23296508</a:t>
+                        <a:t>0.28861314</a:t>
                       </a:r>
                       <a:endParaRPr lang="en-US" dirty="0"/>
                     </a:p>
@@ -7274,7 +10234,7 @@
                           <a:ea typeface="+mn-ea"/>
                           <a:cs typeface="+mn-cs"/>
                         </a:rPr>
-                        <a:t>0.24585277</a:t>
+                        <a:t>0.01340126</a:t>
                       </a:r>
                       <a:endParaRPr lang="en-US" dirty="0"/>
                     </a:p>

--- a/Summary/20210118_demo_for_ccgb_rotation_update.pptx
+++ b/Summary/20210118_demo_for_ccgb_rotation_update.pptx
@@ -7395,7 +7395,7 @@
         </p:nvCxnSpPr>
         <p:spPr>
           <a:xfrm>
-            <a:off x="3962401" y="2664543"/>
+            <a:off x="3003753" y="2674373"/>
             <a:ext cx="938982" cy="0"/>
           </a:xfrm>
           <a:prstGeom prst="line">
@@ -7434,7 +7434,7 @@
         </p:nvCxnSpPr>
         <p:spPr>
           <a:xfrm>
-            <a:off x="6331972" y="2635047"/>
+            <a:off x="7251293" y="2595719"/>
             <a:ext cx="938982" cy="0"/>
           </a:xfrm>
           <a:prstGeom prst="line">
@@ -7473,7 +7473,7 @@
         </p:nvCxnSpPr>
         <p:spPr>
           <a:xfrm>
-            <a:off x="4857137" y="2674373"/>
+            <a:off x="3032216" y="2674373"/>
             <a:ext cx="0" cy="629266"/>
           </a:xfrm>
           <a:prstGeom prst="line">
@@ -7512,7 +7512,7 @@
         </p:nvCxnSpPr>
         <p:spPr>
           <a:xfrm>
-            <a:off x="6331972" y="2595719"/>
+            <a:off x="8190275" y="2536727"/>
             <a:ext cx="0" cy="707920"/>
           </a:xfrm>
           <a:prstGeom prst="line">
@@ -7551,7 +7551,7 @@
         </p:nvCxnSpPr>
         <p:spPr>
           <a:xfrm>
-            <a:off x="3962401" y="3274143"/>
+            <a:off x="2093234" y="3300537"/>
             <a:ext cx="938982" cy="0"/>
           </a:xfrm>
           <a:prstGeom prst="line">
@@ -7590,7 +7590,7 @@
         </p:nvCxnSpPr>
         <p:spPr>
           <a:xfrm>
-            <a:off x="6331972" y="3244647"/>
+            <a:off x="8190275" y="3244647"/>
             <a:ext cx="938982" cy="0"/>
           </a:xfrm>
           <a:prstGeom prst="line">
@@ -7629,7 +7629,7 @@
         </p:nvCxnSpPr>
         <p:spPr>
           <a:xfrm>
-            <a:off x="3942737" y="3234815"/>
+            <a:off x="2093234" y="3234815"/>
             <a:ext cx="0" cy="1160207"/>
           </a:xfrm>
           <a:prstGeom prst="line">
@@ -7668,319 +7668,7 @@
         </p:nvCxnSpPr>
         <p:spPr>
           <a:xfrm>
-            <a:off x="7251295" y="3205317"/>
-            <a:ext cx="0" cy="1160207"/>
-          </a:xfrm>
-          <a:prstGeom prst="line">
-            <a:avLst/>
-          </a:prstGeom>
-          <a:ln w="76200"/>
-        </p:spPr>
-        <p:style>
-          <a:lnRef idx="1">
-            <a:schemeClr val="dk1"/>
-          </a:lnRef>
-          <a:fillRef idx="0">
-            <a:schemeClr val="dk1"/>
-          </a:fillRef>
-          <a:effectRef idx="0">
-            <a:schemeClr val="dk1"/>
-          </a:effectRef>
-          <a:fontRef idx="minor">
-            <a:schemeClr val="tx1"/>
-          </a:fontRef>
-        </p:style>
-      </p:cxnSp>
-      <p:cxnSp>
-        <p:nvCxnSpPr>
-          <p:cNvPr id="22" name="Straight Connector 21">
-            <a:extLst>
-              <a:ext uri="{FF2B5EF4-FFF2-40B4-BE49-F238E27FC236}">
-                <a16:creationId xmlns:a16="http://schemas.microsoft.com/office/drawing/2014/main" id="{8B1FE262-EC83-4002-9D42-EBF6291C6132}"/>
-              </a:ext>
-            </a:extLst>
-          </p:cNvPr>
-          <p:cNvCxnSpPr>
-            <a:cxnSpLocks/>
-          </p:cNvCxnSpPr>
-          <p:nvPr/>
-        </p:nvCxnSpPr>
-        <p:spPr>
-          <a:xfrm>
-            <a:off x="3918155" y="4340946"/>
-            <a:ext cx="938982" cy="0"/>
-          </a:xfrm>
-          <a:prstGeom prst="line">
-            <a:avLst/>
-          </a:prstGeom>
-          <a:ln w="76200"/>
-        </p:spPr>
-        <p:style>
-          <a:lnRef idx="1">
-            <a:schemeClr val="dk1"/>
-          </a:lnRef>
-          <a:fillRef idx="0">
-            <a:schemeClr val="dk1"/>
-          </a:fillRef>
-          <a:effectRef idx="0">
-            <a:schemeClr val="dk1"/>
-          </a:effectRef>
-          <a:fontRef idx="minor">
-            <a:schemeClr val="tx1"/>
-          </a:fontRef>
-        </p:style>
-      </p:cxnSp>
-      <p:cxnSp>
-        <p:nvCxnSpPr>
-          <p:cNvPr id="23" name="Straight Connector 22">
-            <a:extLst>
-              <a:ext uri="{FF2B5EF4-FFF2-40B4-BE49-F238E27FC236}">
-                <a16:creationId xmlns:a16="http://schemas.microsoft.com/office/drawing/2014/main" id="{C907B152-9FE8-4ABC-89FB-F4B0B76B6A7B}"/>
-              </a:ext>
-            </a:extLst>
-          </p:cNvPr>
-          <p:cNvCxnSpPr>
-            <a:cxnSpLocks/>
-          </p:cNvCxnSpPr>
-          <p:nvPr/>
-        </p:nvCxnSpPr>
-        <p:spPr>
-          <a:xfrm>
-            <a:off x="6287726" y="4311450"/>
-            <a:ext cx="938982" cy="0"/>
-          </a:xfrm>
-          <a:prstGeom prst="line">
-            <a:avLst/>
-          </a:prstGeom>
-          <a:ln w="76200"/>
-        </p:spPr>
-        <p:style>
-          <a:lnRef idx="1">
-            <a:schemeClr val="dk1"/>
-          </a:lnRef>
-          <a:fillRef idx="0">
-            <a:schemeClr val="dk1"/>
-          </a:fillRef>
-          <a:effectRef idx="0">
-            <a:schemeClr val="dk1"/>
-          </a:effectRef>
-          <a:fontRef idx="minor">
-            <a:schemeClr val="tx1"/>
-          </a:fontRef>
-        </p:style>
-      </p:cxnSp>
-      <p:cxnSp>
-        <p:nvCxnSpPr>
-          <p:cNvPr id="24" name="Straight Connector 23">
-            <a:extLst>
-              <a:ext uri="{FF2B5EF4-FFF2-40B4-BE49-F238E27FC236}">
-                <a16:creationId xmlns:a16="http://schemas.microsoft.com/office/drawing/2014/main" id="{7E3302EA-8B9E-407B-99B6-84AB8044EE63}"/>
-              </a:ext>
-            </a:extLst>
-          </p:cNvPr>
-          <p:cNvCxnSpPr>
-            <a:cxnSpLocks/>
-          </p:cNvCxnSpPr>
-          <p:nvPr/>
-        </p:nvCxnSpPr>
-        <p:spPr>
-          <a:xfrm>
-            <a:off x="4857137" y="4311450"/>
-            <a:ext cx="0" cy="629266"/>
-          </a:xfrm>
-          <a:prstGeom prst="line">
-            <a:avLst/>
-          </a:prstGeom>
-          <a:ln w="76200"/>
-        </p:spPr>
-        <p:style>
-          <a:lnRef idx="1">
-            <a:schemeClr val="dk1"/>
-          </a:lnRef>
-          <a:fillRef idx="0">
-            <a:schemeClr val="dk1"/>
-          </a:fillRef>
-          <a:effectRef idx="0">
-            <a:schemeClr val="dk1"/>
-          </a:effectRef>
-          <a:fontRef idx="minor">
-            <a:schemeClr val="tx1"/>
-          </a:fontRef>
-        </p:style>
-      </p:cxnSp>
-      <p:cxnSp>
-        <p:nvCxnSpPr>
-          <p:cNvPr id="25" name="Straight Connector 24">
-            <a:extLst>
-              <a:ext uri="{FF2B5EF4-FFF2-40B4-BE49-F238E27FC236}">
-                <a16:creationId xmlns:a16="http://schemas.microsoft.com/office/drawing/2014/main" id="{F83ADBEC-C9AA-4BAB-BFFC-16B7453DC8A6}"/>
-              </a:ext>
-            </a:extLst>
-          </p:cNvPr>
-          <p:cNvCxnSpPr>
-            <a:cxnSpLocks/>
-          </p:cNvCxnSpPr>
-          <p:nvPr/>
-        </p:nvCxnSpPr>
-        <p:spPr>
-          <a:xfrm>
-            <a:off x="6287724" y="4232796"/>
-            <a:ext cx="0" cy="707920"/>
-          </a:xfrm>
-          <a:prstGeom prst="line">
-            <a:avLst/>
-          </a:prstGeom>
-          <a:ln w="76200"/>
-        </p:spPr>
-        <p:style>
-          <a:lnRef idx="1">
-            <a:schemeClr val="dk1"/>
-          </a:lnRef>
-          <a:fillRef idx="0">
-            <a:schemeClr val="dk1"/>
-          </a:fillRef>
-          <a:effectRef idx="0">
-            <a:schemeClr val="dk1"/>
-          </a:effectRef>
-          <a:fontRef idx="minor">
-            <a:schemeClr val="tx1"/>
-          </a:fontRef>
-        </p:style>
-      </p:cxnSp>
-      <p:cxnSp>
-        <p:nvCxnSpPr>
-          <p:cNvPr id="26" name="Straight Connector 25">
-            <a:extLst>
-              <a:ext uri="{FF2B5EF4-FFF2-40B4-BE49-F238E27FC236}">
-                <a16:creationId xmlns:a16="http://schemas.microsoft.com/office/drawing/2014/main" id="{1A92CFB1-FD4C-4FD3-9B1D-0EB7D42F5C9F}"/>
-              </a:ext>
-            </a:extLst>
-          </p:cNvPr>
-          <p:cNvCxnSpPr>
-            <a:cxnSpLocks/>
-          </p:cNvCxnSpPr>
-          <p:nvPr/>
-        </p:nvCxnSpPr>
-        <p:spPr>
-          <a:xfrm>
-            <a:off x="3918155" y="4940716"/>
-            <a:ext cx="938982" cy="0"/>
-          </a:xfrm>
-          <a:prstGeom prst="line">
-            <a:avLst/>
-          </a:prstGeom>
-          <a:ln w="76200"/>
-        </p:spPr>
-        <p:style>
-          <a:lnRef idx="1">
-            <a:schemeClr val="dk1"/>
-          </a:lnRef>
-          <a:fillRef idx="0">
-            <a:schemeClr val="dk1"/>
-          </a:fillRef>
-          <a:effectRef idx="0">
-            <a:schemeClr val="dk1"/>
-          </a:effectRef>
-          <a:fontRef idx="minor">
-            <a:schemeClr val="tx1"/>
-          </a:fontRef>
-        </p:style>
-      </p:cxnSp>
-      <p:cxnSp>
-        <p:nvCxnSpPr>
-          <p:cNvPr id="27" name="Straight Connector 26">
-            <a:extLst>
-              <a:ext uri="{FF2B5EF4-FFF2-40B4-BE49-F238E27FC236}">
-                <a16:creationId xmlns:a16="http://schemas.microsoft.com/office/drawing/2014/main" id="{7695ACEB-7910-4900-B3B0-B14398C2BA92}"/>
-              </a:ext>
-            </a:extLst>
-          </p:cNvPr>
-          <p:cNvCxnSpPr>
-            <a:cxnSpLocks/>
-          </p:cNvCxnSpPr>
-          <p:nvPr/>
-        </p:nvCxnSpPr>
-        <p:spPr>
-          <a:xfrm>
-            <a:off x="6287726" y="4911220"/>
-            <a:ext cx="938982" cy="0"/>
-          </a:xfrm>
-          <a:prstGeom prst="line">
-            <a:avLst/>
-          </a:prstGeom>
-          <a:ln w="76200"/>
-        </p:spPr>
-        <p:style>
-          <a:lnRef idx="1">
-            <a:schemeClr val="dk1"/>
-          </a:lnRef>
-          <a:fillRef idx="0">
-            <a:schemeClr val="dk1"/>
-          </a:fillRef>
-          <a:effectRef idx="0">
-            <a:schemeClr val="dk1"/>
-          </a:effectRef>
-          <a:fontRef idx="minor">
-            <a:schemeClr val="tx1"/>
-          </a:fontRef>
-        </p:style>
-      </p:cxnSp>
-      <p:cxnSp>
-        <p:nvCxnSpPr>
-          <p:cNvPr id="28" name="Straight Connector 27">
-            <a:extLst>
-              <a:ext uri="{FF2B5EF4-FFF2-40B4-BE49-F238E27FC236}">
-                <a16:creationId xmlns:a16="http://schemas.microsoft.com/office/drawing/2014/main" id="{04077A44-42D0-4823-8A82-C0691D905F6B}"/>
-              </a:ext>
-            </a:extLst>
-          </p:cNvPr>
-          <p:cNvCxnSpPr>
-            <a:cxnSpLocks/>
-          </p:cNvCxnSpPr>
-          <p:nvPr/>
-        </p:nvCxnSpPr>
-        <p:spPr>
-          <a:xfrm>
-            <a:off x="3942737" y="4911220"/>
-            <a:ext cx="0" cy="1160207"/>
-          </a:xfrm>
-          <a:prstGeom prst="line">
-            <a:avLst/>
-          </a:prstGeom>
-          <a:ln w="76200"/>
-        </p:spPr>
-        <p:style>
-          <a:lnRef idx="1">
-            <a:schemeClr val="dk1"/>
-          </a:lnRef>
-          <a:fillRef idx="0">
-            <a:schemeClr val="dk1"/>
-          </a:fillRef>
-          <a:effectRef idx="0">
-            <a:schemeClr val="dk1"/>
-          </a:effectRef>
-          <a:fontRef idx="minor">
-            <a:schemeClr val="tx1"/>
-          </a:fontRef>
-        </p:style>
-      </p:cxnSp>
-      <p:cxnSp>
-        <p:nvCxnSpPr>
-          <p:cNvPr id="29" name="Straight Connector 28">
-            <a:extLst>
-              <a:ext uri="{FF2B5EF4-FFF2-40B4-BE49-F238E27FC236}">
-                <a16:creationId xmlns:a16="http://schemas.microsoft.com/office/drawing/2014/main" id="{F1A589BB-0F7A-47B6-936A-5F5F39AF3707}"/>
-              </a:ext>
-            </a:extLst>
-          </p:cNvPr>
-          <p:cNvCxnSpPr>
-            <a:cxnSpLocks/>
-          </p:cNvCxnSpPr>
-          <p:nvPr/>
-        </p:nvCxnSpPr>
-        <p:spPr>
-          <a:xfrm>
-            <a:off x="7251295" y="4862058"/>
+            <a:off x="9129257" y="3234815"/>
             <a:ext cx="0" cy="1160207"/>
           </a:xfrm>
           <a:prstGeom prst="line">
@@ -8116,7 +7804,7 @@
         </p:nvCxnSpPr>
         <p:spPr>
           <a:xfrm>
-            <a:off x="3962401" y="3431461"/>
+            <a:off x="3003755" y="3362637"/>
             <a:ext cx="938982" cy="0"/>
           </a:xfrm>
           <a:prstGeom prst="line">
@@ -8155,7 +7843,7 @@
         </p:nvCxnSpPr>
         <p:spPr>
           <a:xfrm>
-            <a:off x="6331972" y="3401965"/>
+            <a:off x="7226708" y="3315549"/>
             <a:ext cx="938982" cy="0"/>
           </a:xfrm>
           <a:prstGeom prst="line">
@@ -8194,7 +7882,7 @@
         </p:nvCxnSpPr>
         <p:spPr>
           <a:xfrm>
-            <a:off x="4857137" y="3441291"/>
+            <a:off x="3064303" y="3362637"/>
             <a:ext cx="0" cy="629266"/>
           </a:xfrm>
           <a:prstGeom prst="line">
@@ -8233,7 +7921,7 @@
         </p:nvCxnSpPr>
         <p:spPr>
           <a:xfrm>
-            <a:off x="6331972" y="3362637"/>
+            <a:off x="8128946" y="3315549"/>
             <a:ext cx="0" cy="707920"/>
           </a:xfrm>
           <a:prstGeom prst="line">
@@ -8258,84 +7946,6 @@
       </p:cxnSp>
       <p:cxnSp>
         <p:nvCxnSpPr>
-          <p:cNvPr id="10" name="Straight Connector 9">
-            <a:extLst>
-              <a:ext uri="{FF2B5EF4-FFF2-40B4-BE49-F238E27FC236}">
-                <a16:creationId xmlns:a16="http://schemas.microsoft.com/office/drawing/2014/main" id="{FCFE8150-CC38-4AD0-A52D-AFBC89EA1A7A}"/>
-              </a:ext>
-            </a:extLst>
-          </p:cNvPr>
-          <p:cNvCxnSpPr>
-            <a:cxnSpLocks/>
-          </p:cNvCxnSpPr>
-          <p:nvPr/>
-        </p:nvCxnSpPr>
-        <p:spPr>
-          <a:xfrm>
-            <a:off x="3962401" y="4041061"/>
-            <a:ext cx="938982" cy="0"/>
-          </a:xfrm>
-          <a:prstGeom prst="line">
-            <a:avLst/>
-          </a:prstGeom>
-          <a:ln w="76200"/>
-        </p:spPr>
-        <p:style>
-          <a:lnRef idx="1">
-            <a:schemeClr val="dk1"/>
-          </a:lnRef>
-          <a:fillRef idx="0">
-            <a:schemeClr val="dk1"/>
-          </a:fillRef>
-          <a:effectRef idx="0">
-            <a:schemeClr val="dk1"/>
-          </a:effectRef>
-          <a:fontRef idx="minor">
-            <a:schemeClr val="tx1"/>
-          </a:fontRef>
-        </p:style>
-      </p:cxnSp>
-      <p:cxnSp>
-        <p:nvCxnSpPr>
-          <p:cNvPr id="11" name="Straight Connector 10">
-            <a:extLst>
-              <a:ext uri="{FF2B5EF4-FFF2-40B4-BE49-F238E27FC236}">
-                <a16:creationId xmlns:a16="http://schemas.microsoft.com/office/drawing/2014/main" id="{FF8A83C3-C36D-4EC8-A479-A7AD29C49BD9}"/>
-              </a:ext>
-            </a:extLst>
-          </p:cNvPr>
-          <p:cNvCxnSpPr>
-            <a:cxnSpLocks/>
-          </p:cNvCxnSpPr>
-          <p:nvPr/>
-        </p:nvCxnSpPr>
-        <p:spPr>
-          <a:xfrm>
-            <a:off x="6331972" y="4011565"/>
-            <a:ext cx="938982" cy="0"/>
-          </a:xfrm>
-          <a:prstGeom prst="line">
-            <a:avLst/>
-          </a:prstGeom>
-          <a:ln w="76200"/>
-        </p:spPr>
-        <p:style>
-          <a:lnRef idx="1">
-            <a:schemeClr val="dk1"/>
-          </a:lnRef>
-          <a:fillRef idx="0">
-            <a:schemeClr val="dk1"/>
-          </a:fillRef>
-          <a:effectRef idx="0">
-            <a:schemeClr val="dk1"/>
-          </a:effectRef>
-          <a:fontRef idx="minor">
-            <a:schemeClr val="tx1"/>
-          </a:fontRef>
-        </p:style>
-      </p:cxnSp>
-      <p:cxnSp>
-        <p:nvCxnSpPr>
           <p:cNvPr id="19" name="Straight Connector 18">
             <a:extLst>
               <a:ext uri="{FF2B5EF4-FFF2-40B4-BE49-F238E27FC236}">
@@ -8351,84 +7961,6 @@
         <p:spPr>
           <a:xfrm>
             <a:off x="7226708" y="1477301"/>
-            <a:ext cx="0" cy="1885336"/>
-          </a:xfrm>
-          <a:prstGeom prst="line">
-            <a:avLst/>
-          </a:prstGeom>
-          <a:ln w="76200"/>
-        </p:spPr>
-        <p:style>
-          <a:lnRef idx="1">
-            <a:schemeClr val="dk1"/>
-          </a:lnRef>
-          <a:fillRef idx="0">
-            <a:schemeClr val="dk1"/>
-          </a:fillRef>
-          <a:effectRef idx="0">
-            <a:schemeClr val="dk1"/>
-          </a:effectRef>
-          <a:fontRef idx="minor">
-            <a:schemeClr val="tx1"/>
-          </a:fontRef>
-        </p:style>
-      </p:cxnSp>
-      <p:cxnSp>
-        <p:nvCxnSpPr>
-          <p:cNvPr id="20" name="Straight Connector 19">
-            <a:extLst>
-              <a:ext uri="{FF2B5EF4-FFF2-40B4-BE49-F238E27FC236}">
-                <a16:creationId xmlns:a16="http://schemas.microsoft.com/office/drawing/2014/main" id="{245883CA-6C7A-4D43-A127-62F4F9AE75E0}"/>
-              </a:ext>
-            </a:extLst>
-          </p:cNvPr>
-          <p:cNvCxnSpPr>
-            <a:cxnSpLocks/>
-          </p:cNvCxnSpPr>
-          <p:nvPr/>
-        </p:nvCxnSpPr>
-        <p:spPr>
-          <a:xfrm>
-            <a:off x="3962401" y="4011565"/>
-            <a:ext cx="0" cy="1885336"/>
-          </a:xfrm>
-          <a:prstGeom prst="line">
-            <a:avLst/>
-          </a:prstGeom>
-          <a:ln w="76200"/>
-        </p:spPr>
-        <p:style>
-          <a:lnRef idx="1">
-            <a:schemeClr val="dk1"/>
-          </a:lnRef>
-          <a:fillRef idx="0">
-            <a:schemeClr val="dk1"/>
-          </a:fillRef>
-          <a:effectRef idx="0">
-            <a:schemeClr val="dk1"/>
-          </a:effectRef>
-          <a:fontRef idx="minor">
-            <a:schemeClr val="tx1"/>
-          </a:fontRef>
-        </p:style>
-      </p:cxnSp>
-      <p:cxnSp>
-        <p:nvCxnSpPr>
-          <p:cNvPr id="21" name="Straight Connector 20">
-            <a:extLst>
-              <a:ext uri="{FF2B5EF4-FFF2-40B4-BE49-F238E27FC236}">
-                <a16:creationId xmlns:a16="http://schemas.microsoft.com/office/drawing/2014/main" id="{E0197A81-AFA4-4230-8440-E269266B0389}"/>
-              </a:ext>
-            </a:extLst>
-          </p:cNvPr>
-          <p:cNvCxnSpPr>
-            <a:cxnSpLocks/>
-          </p:cNvCxnSpPr>
-          <p:nvPr/>
-        </p:nvCxnSpPr>
-        <p:spPr>
-          <a:xfrm>
-            <a:off x="7226708" y="4011565"/>
             <a:ext cx="0" cy="1885336"/>
           </a:xfrm>
           <a:prstGeom prst="line">
